--- a/Defence_Thesis.pptx
+++ b/Defence_Thesis.pptx
@@ -5,7 +5,7 @@
     <p:sldMasterId id="2147483648" r:id="rId1"/>
   </p:sldMasterIdLst>
   <p:notesMasterIdLst>
-    <p:notesMasterId r:id="rId26"/>
+    <p:notesMasterId r:id="rId25"/>
   </p:notesMasterIdLst>
   <p:sldIdLst>
     <p:sldId id="256" r:id="rId2"/>
@@ -16,32 +16,31 @@
     <p:sldId id="282" r:id="rId7"/>
     <p:sldId id="283" r:id="rId8"/>
     <p:sldId id="284" r:id="rId9"/>
-    <p:sldId id="285" r:id="rId10"/>
-    <p:sldId id="287" r:id="rId11"/>
-    <p:sldId id="288" r:id="rId12"/>
-    <p:sldId id="265" r:id="rId13"/>
-    <p:sldId id="266" r:id="rId14"/>
-    <p:sldId id="267" r:id="rId15"/>
-    <p:sldId id="279" r:id="rId16"/>
-    <p:sldId id="269" r:id="rId17"/>
-    <p:sldId id="271" r:id="rId18"/>
-    <p:sldId id="272" r:id="rId19"/>
-    <p:sldId id="273" r:id="rId20"/>
-    <p:sldId id="274" r:id="rId21"/>
-    <p:sldId id="280" r:id="rId22"/>
-    <p:sldId id="281" r:id="rId23"/>
-    <p:sldId id="275" r:id="rId24"/>
-    <p:sldId id="276" r:id="rId25"/>
+    <p:sldId id="287" r:id="rId10"/>
+    <p:sldId id="288" r:id="rId11"/>
+    <p:sldId id="265" r:id="rId12"/>
+    <p:sldId id="266" r:id="rId13"/>
+    <p:sldId id="267" r:id="rId14"/>
+    <p:sldId id="279" r:id="rId15"/>
+    <p:sldId id="269" r:id="rId16"/>
+    <p:sldId id="271" r:id="rId17"/>
+    <p:sldId id="272" r:id="rId18"/>
+    <p:sldId id="273" r:id="rId19"/>
+    <p:sldId id="274" r:id="rId20"/>
+    <p:sldId id="280" r:id="rId21"/>
+    <p:sldId id="281" r:id="rId22"/>
+    <p:sldId id="275" r:id="rId23"/>
+    <p:sldId id="276" r:id="rId24"/>
   </p:sldIdLst>
   <p:sldSz cx="12192000" cy="6858000"/>
   <p:notesSz cx="6858000" cy="9144000"/>
   <p:embeddedFontLst>
     <p:embeddedFont>
       <p:font typeface="Corbel" panose="020B0503020204020204" pitchFamily="34" charset="0"/>
-      <p:regular r:id="rId27"/>
-      <p:bold r:id="rId28"/>
-      <p:italic r:id="rId29"/>
-      <p:boldItalic r:id="rId30"/>
+      <p:regular r:id="rId26"/>
+      <p:bold r:id="rId27"/>
+      <p:italic r:id="rId28"/>
+      <p:boldItalic r:id="rId29"/>
     </p:embeddedFont>
   </p:embeddedFontLst>
   <p:defaultTextStyle>
@@ -855,6 +854,333 @@
   <p:cSld>
     <p:spTree>
       <p:nvGrpSpPr>
+        <p:cNvPr id="1" name="Shape 150"/>
+        <p:cNvGrpSpPr/>
+        <p:nvPr/>
+      </p:nvGrpSpPr>
+      <p:grpSpPr>
+        <a:xfrm>
+          <a:off x="0" y="0"/>
+          <a:ext cx="0" cy="0"/>
+          <a:chOff x="0" y="0"/>
+          <a:chExt cx="0" cy="0"/>
+        </a:xfrm>
+      </p:grpSpPr>
+      <p:sp>
+        <p:nvSpPr>
+          <p:cNvPr id="151" name="Google Shape;151;g1e367da1613_0_34:notes"/>
+          <p:cNvSpPr>
+            <a:spLocks noGrp="1" noRot="1" noChangeAspect="1"/>
+          </p:cNvSpPr>
+          <p:nvPr>
+            <p:ph type="sldImg" idx="2"/>
+          </p:nvPr>
+        </p:nvSpPr>
+        <p:spPr>
+          <a:xfrm>
+            <a:off x="381000" y="685800"/>
+            <a:ext cx="6096000" cy="3429000"/>
+          </a:xfrm>
+          <a:custGeom>
+            <a:avLst/>
+            <a:gdLst/>
+            <a:ahLst/>
+            <a:cxnLst/>
+            <a:rect l="l" t="t" r="r" b="b"/>
+            <a:pathLst>
+              <a:path w="120000" h="120000" extrusionOk="0">
+                <a:moveTo>
+                  <a:pt x="0" y="0"/>
+                </a:moveTo>
+                <a:lnTo>
+                  <a:pt x="120000" y="0"/>
+                </a:lnTo>
+                <a:lnTo>
+                  <a:pt x="120000" y="120000"/>
+                </a:lnTo>
+                <a:lnTo>
+                  <a:pt x="0" y="120000"/>
+                </a:lnTo>
+                <a:close/>
+              </a:path>
+            </a:pathLst>
+          </a:custGeom>
+        </p:spPr>
+      </p:sp>
+      <p:sp>
+        <p:nvSpPr>
+          <p:cNvPr id="152" name="Google Shape;152;g1e367da1613_0_34:notes"/>
+          <p:cNvSpPr txBox="1">
+            <a:spLocks noGrp="1"/>
+          </p:cNvSpPr>
+          <p:nvPr>
+            <p:ph type="body" idx="1"/>
+          </p:nvPr>
+        </p:nvSpPr>
+        <p:spPr>
+          <a:xfrm>
+            <a:off x="685800" y="4343400"/>
+            <a:ext cx="5486400" cy="4114800"/>
+          </a:xfrm>
+          <a:prstGeom prst="rect">
+            <a:avLst/>
+          </a:prstGeom>
+        </p:spPr>
+        <p:txBody>
+          <a:bodyPr spcFirstLastPara="1" wrap="square" lIns="91425" tIns="91425" rIns="91425" bIns="91425" anchor="t" anchorCtr="0">
+            <a:noAutofit/>
+          </a:bodyPr>
+          <a:lstStyle/>
+          <a:p>
+            <a:pPr marL="0" lvl="0" indent="0" algn="l" rtl="0">
+              <a:spcBef>
+                <a:spcPts val="0"/>
+              </a:spcBef>
+              <a:spcAft>
+                <a:spcPts val="0"/>
+              </a:spcAft>
+              <a:buNone/>
+            </a:pPr>
+            <a:endParaRPr/>
+          </a:p>
+        </p:txBody>
+      </p:sp>
+    </p:spTree>
+    <p:extLst>
+      <p:ext uri="{BB962C8B-B14F-4D97-AF65-F5344CB8AC3E}">
+        <p14:creationId xmlns:p14="http://schemas.microsoft.com/office/powerpoint/2010/main" val="3010065347"/>
+      </p:ext>
+    </p:extLst>
+  </p:cSld>
+  <p:clrMapOvr>
+    <a:masterClrMapping/>
+  </p:clrMapOvr>
+</p:notes>
+</file>
+
+<file path=ppt/notesSlides/notesSlide11.xml><?xml version="1.0" encoding="utf-8"?>
+<p:notes xmlns:a="http://schemas.openxmlformats.org/drawingml/2006/main" xmlns:r="http://schemas.openxmlformats.org/officeDocument/2006/relationships" xmlns:p="http://schemas.openxmlformats.org/presentationml/2006/main" showMasterSp="0" showMasterPhAnim="0">
+  <p:cSld>
+    <p:spTree>
+      <p:nvGrpSpPr>
+        <p:cNvPr id="1" name="Shape 161"/>
+        <p:cNvGrpSpPr/>
+        <p:nvPr/>
+      </p:nvGrpSpPr>
+      <p:grpSpPr>
+        <a:xfrm>
+          <a:off x="0" y="0"/>
+          <a:ext cx="0" cy="0"/>
+          <a:chOff x="0" y="0"/>
+          <a:chExt cx="0" cy="0"/>
+        </a:xfrm>
+      </p:grpSpPr>
+      <p:sp>
+        <p:nvSpPr>
+          <p:cNvPr id="162" name="Google Shape;162;g23b42f134b1_0_30:notes"/>
+          <p:cNvSpPr>
+            <a:spLocks noGrp="1" noRot="1" noChangeAspect="1"/>
+          </p:cNvSpPr>
+          <p:nvPr>
+            <p:ph type="sldImg" idx="2"/>
+          </p:nvPr>
+        </p:nvSpPr>
+        <p:spPr>
+          <a:xfrm>
+            <a:off x="381000" y="685800"/>
+            <a:ext cx="6096000" cy="3429000"/>
+          </a:xfrm>
+          <a:custGeom>
+            <a:avLst/>
+            <a:gdLst/>
+            <a:ahLst/>
+            <a:cxnLst/>
+            <a:rect l="l" t="t" r="r" b="b"/>
+            <a:pathLst>
+              <a:path w="120000" h="120000" extrusionOk="0">
+                <a:moveTo>
+                  <a:pt x="0" y="0"/>
+                </a:moveTo>
+                <a:lnTo>
+                  <a:pt x="120000" y="0"/>
+                </a:lnTo>
+                <a:lnTo>
+                  <a:pt x="120000" y="120000"/>
+                </a:lnTo>
+                <a:lnTo>
+                  <a:pt x="0" y="120000"/>
+                </a:lnTo>
+                <a:close/>
+              </a:path>
+            </a:pathLst>
+          </a:custGeom>
+        </p:spPr>
+      </p:sp>
+      <p:sp>
+        <p:nvSpPr>
+          <p:cNvPr id="163" name="Google Shape;163;g23b42f134b1_0_30:notes"/>
+          <p:cNvSpPr txBox="1">
+            <a:spLocks noGrp="1"/>
+          </p:cNvSpPr>
+          <p:nvPr>
+            <p:ph type="body" idx="1"/>
+          </p:nvPr>
+        </p:nvSpPr>
+        <p:spPr>
+          <a:xfrm>
+            <a:off x="685800" y="4343400"/>
+            <a:ext cx="5486400" cy="4114800"/>
+          </a:xfrm>
+          <a:prstGeom prst="rect">
+            <a:avLst/>
+          </a:prstGeom>
+        </p:spPr>
+        <p:txBody>
+          <a:bodyPr spcFirstLastPara="1" wrap="square" lIns="91425" tIns="91425" rIns="91425" bIns="91425" anchor="t" anchorCtr="0">
+            <a:noAutofit/>
+          </a:bodyPr>
+          <a:lstStyle/>
+          <a:p>
+            <a:pPr marL="0" lvl="0" indent="0" algn="l" rtl="0">
+              <a:spcBef>
+                <a:spcPts val="0"/>
+              </a:spcBef>
+              <a:spcAft>
+                <a:spcPts val="0"/>
+              </a:spcAft>
+              <a:buNone/>
+            </a:pPr>
+            <a:endParaRPr dirty="0"/>
+          </a:p>
+        </p:txBody>
+      </p:sp>
+    </p:spTree>
+    <p:extLst>
+      <p:ext uri="{BB962C8B-B14F-4D97-AF65-F5344CB8AC3E}">
+        <p14:creationId xmlns:p14="http://schemas.microsoft.com/office/powerpoint/2010/main" val="3103097091"/>
+      </p:ext>
+    </p:extLst>
+  </p:cSld>
+  <p:clrMapOvr>
+    <a:masterClrMapping/>
+  </p:clrMapOvr>
+</p:notes>
+</file>
+
+<file path=ppt/notesSlides/notesSlide12.xml><?xml version="1.0" encoding="utf-8"?>
+<p:notes xmlns:a="http://schemas.openxmlformats.org/drawingml/2006/main" xmlns:r="http://schemas.openxmlformats.org/officeDocument/2006/relationships" xmlns:p="http://schemas.openxmlformats.org/presentationml/2006/main" showMasterSp="0" showMasterPhAnim="0">
+  <p:cSld>
+    <p:spTree>
+      <p:nvGrpSpPr>
+        <p:cNvPr id="1" name="Shape 172"/>
+        <p:cNvGrpSpPr/>
+        <p:nvPr/>
+      </p:nvGrpSpPr>
+      <p:grpSpPr>
+        <a:xfrm>
+          <a:off x="0" y="0"/>
+          <a:ext cx="0" cy="0"/>
+          <a:chOff x="0" y="0"/>
+          <a:chExt cx="0" cy="0"/>
+        </a:xfrm>
+      </p:grpSpPr>
+      <p:sp>
+        <p:nvSpPr>
+          <p:cNvPr id="173" name="Google Shape;173;g23b42f134b1_0_51:notes"/>
+          <p:cNvSpPr>
+            <a:spLocks noGrp="1" noRot="1" noChangeAspect="1"/>
+          </p:cNvSpPr>
+          <p:nvPr>
+            <p:ph type="sldImg" idx="2"/>
+          </p:nvPr>
+        </p:nvSpPr>
+        <p:spPr>
+          <a:xfrm>
+            <a:off x="381000" y="685800"/>
+            <a:ext cx="6096000" cy="3429000"/>
+          </a:xfrm>
+          <a:custGeom>
+            <a:avLst/>
+            <a:gdLst/>
+            <a:ahLst/>
+            <a:cxnLst/>
+            <a:rect l="l" t="t" r="r" b="b"/>
+            <a:pathLst>
+              <a:path w="120000" h="120000" extrusionOk="0">
+                <a:moveTo>
+                  <a:pt x="0" y="0"/>
+                </a:moveTo>
+                <a:lnTo>
+                  <a:pt x="120000" y="0"/>
+                </a:lnTo>
+                <a:lnTo>
+                  <a:pt x="120000" y="120000"/>
+                </a:lnTo>
+                <a:lnTo>
+                  <a:pt x="0" y="120000"/>
+                </a:lnTo>
+                <a:close/>
+              </a:path>
+            </a:pathLst>
+          </a:custGeom>
+        </p:spPr>
+      </p:sp>
+      <p:sp>
+        <p:nvSpPr>
+          <p:cNvPr id="174" name="Google Shape;174;g23b42f134b1_0_51:notes"/>
+          <p:cNvSpPr txBox="1">
+            <a:spLocks noGrp="1"/>
+          </p:cNvSpPr>
+          <p:nvPr>
+            <p:ph type="body" idx="1"/>
+          </p:nvPr>
+        </p:nvSpPr>
+        <p:spPr>
+          <a:xfrm>
+            <a:off x="685800" y="4343400"/>
+            <a:ext cx="5486400" cy="4114800"/>
+          </a:xfrm>
+          <a:prstGeom prst="rect">
+            <a:avLst/>
+          </a:prstGeom>
+        </p:spPr>
+        <p:txBody>
+          <a:bodyPr spcFirstLastPara="1" wrap="square" lIns="91425" tIns="91425" rIns="91425" bIns="91425" anchor="t" anchorCtr="0">
+            <a:noAutofit/>
+          </a:bodyPr>
+          <a:lstStyle/>
+          <a:p>
+            <a:pPr marL="0" lvl="0" indent="0" algn="l" rtl="0">
+              <a:spcBef>
+                <a:spcPts val="0"/>
+              </a:spcBef>
+              <a:spcAft>
+                <a:spcPts val="0"/>
+              </a:spcAft>
+              <a:buNone/>
+            </a:pPr>
+            <a:endParaRPr/>
+          </a:p>
+        </p:txBody>
+      </p:sp>
+    </p:spTree>
+    <p:extLst>
+      <p:ext uri="{BB962C8B-B14F-4D97-AF65-F5344CB8AC3E}">
+        <p14:creationId xmlns:p14="http://schemas.microsoft.com/office/powerpoint/2010/main" val="1265904404"/>
+      </p:ext>
+    </p:extLst>
+  </p:cSld>
+  <p:clrMapOvr>
+    <a:masterClrMapping/>
+  </p:clrMapOvr>
+</p:notes>
+</file>
+
+<file path=ppt/notesSlides/notesSlide13.xml><?xml version="1.0" encoding="utf-8"?>
+<p:notes xmlns:a="http://schemas.openxmlformats.org/drawingml/2006/main" xmlns:r="http://schemas.openxmlformats.org/officeDocument/2006/relationships" xmlns:p="http://schemas.openxmlformats.org/presentationml/2006/main" showMasterSp="0" showMasterPhAnim="0">
+  <p:cSld>
+    <p:spTree>
+      <p:nvGrpSpPr>
         <p:cNvPr id="1" name="Shape 179"/>
         <p:cNvGrpSpPr/>
         <p:nvPr/>
@@ -959,7 +1285,7 @@
 </p:notes>
 </file>
 
-<file path=ppt/notesSlides/notesSlide11.xml><?xml version="1.0" encoding="utf-8"?>
+<file path=ppt/notesSlides/notesSlide14.xml><?xml version="1.0" encoding="utf-8"?>
 <p:notes xmlns:a="http://schemas.openxmlformats.org/drawingml/2006/main" xmlns:r="http://schemas.openxmlformats.org/officeDocument/2006/relationships" xmlns:p="http://schemas.openxmlformats.org/presentationml/2006/main" showMasterSp="0" showMasterPhAnim="0">
   <p:cSld>
     <p:spTree>
@@ -1068,7 +1394,7 @@
 </p:notes>
 </file>
 
-<file path=ppt/notesSlides/notesSlide12.xml><?xml version="1.0" encoding="utf-8"?>
+<file path=ppt/notesSlides/notesSlide15.xml><?xml version="1.0" encoding="utf-8"?>
 <p:notes xmlns:a="http://schemas.openxmlformats.org/drawingml/2006/main" xmlns:r="http://schemas.openxmlformats.org/officeDocument/2006/relationships" xmlns:p="http://schemas.openxmlformats.org/presentationml/2006/main" showMasterSp="0" showMasterPhAnim="0">
   <p:cSld>
     <p:spTree>
@@ -1177,7 +1503,7 @@
 </p:notes>
 </file>
 
-<file path=ppt/notesSlides/notesSlide13.xml><?xml version="1.0" encoding="utf-8"?>
+<file path=ppt/notesSlides/notesSlide16.xml><?xml version="1.0" encoding="utf-8"?>
 <p:notes xmlns:a="http://schemas.openxmlformats.org/drawingml/2006/main" xmlns:r="http://schemas.openxmlformats.org/officeDocument/2006/relationships" xmlns:p="http://schemas.openxmlformats.org/presentationml/2006/main">
   <p:cSld>
     <p:spTree>
@@ -1243,7 +1569,7 @@
 </p:notes>
 </file>
 
-<file path=ppt/notesSlides/notesSlide14.xml><?xml version="1.0" encoding="utf-8"?>
+<file path=ppt/notesSlides/notesSlide17.xml><?xml version="1.0" encoding="utf-8"?>
 <p:notes xmlns:a="http://schemas.openxmlformats.org/drawingml/2006/main" xmlns:r="http://schemas.openxmlformats.org/officeDocument/2006/relationships" xmlns:p="http://schemas.openxmlformats.org/presentationml/2006/main" showMasterSp="0" showMasterPhAnim="0">
   <p:cSld>
     <p:spTree>
@@ -1571,6 +1897,72 @@
 </file>
 
 <file path=ppt/notesSlides/notesSlide4.xml><?xml version="1.0" encoding="utf-8"?>
+<p:notes xmlns:a="http://schemas.openxmlformats.org/drawingml/2006/main" xmlns:r="http://schemas.openxmlformats.org/officeDocument/2006/relationships" xmlns:p="http://schemas.openxmlformats.org/presentationml/2006/main">
+  <p:cSld>
+    <p:spTree>
+      <p:nvGrpSpPr>
+        <p:cNvPr id="1" name=""/>
+        <p:cNvGrpSpPr/>
+        <p:nvPr/>
+      </p:nvGrpSpPr>
+      <p:grpSpPr>
+        <a:xfrm>
+          <a:off x="0" y="0"/>
+          <a:ext cx="0" cy="0"/>
+          <a:chOff x="0" y="0"/>
+          <a:chExt cx="0" cy="0"/>
+        </a:xfrm>
+      </p:grpSpPr>
+      <p:sp>
+        <p:nvSpPr>
+          <p:cNvPr id="2" name="Slide Image Placeholder 1"/>
+          <p:cNvSpPr>
+            <a:spLocks noGrp="1" noRot="1" noChangeAspect="1"/>
+          </p:cNvSpPr>
+          <p:nvPr>
+            <p:ph type="sldImg"/>
+          </p:nvPr>
+        </p:nvSpPr>
+        <p:spPr>
+          <a:xfrm>
+            <a:off x="381000" y="685800"/>
+            <a:ext cx="6096000" cy="3429000"/>
+          </a:xfrm>
+        </p:spPr>
+      </p:sp>
+      <p:sp>
+        <p:nvSpPr>
+          <p:cNvPr id="3" name="Notes Placeholder 2"/>
+          <p:cNvSpPr>
+            <a:spLocks noGrp="1"/>
+          </p:cNvSpPr>
+          <p:nvPr>
+            <p:ph type="body" idx="1"/>
+          </p:nvPr>
+        </p:nvSpPr>
+        <p:spPr/>
+        <p:txBody>
+          <a:bodyPr/>
+          <a:lstStyle/>
+          <a:p>
+            <a:endParaRPr lang="en-US" dirty="0"/>
+          </a:p>
+        </p:txBody>
+      </p:sp>
+    </p:spTree>
+    <p:extLst>
+      <p:ext uri="{BB962C8B-B14F-4D97-AF65-F5344CB8AC3E}">
+        <p14:creationId xmlns:p14="http://schemas.microsoft.com/office/powerpoint/2010/main" val="650062679"/>
+      </p:ext>
+    </p:extLst>
+  </p:cSld>
+  <p:clrMapOvr>
+    <a:masterClrMapping/>
+  </p:clrMapOvr>
+</p:notes>
+</file>
+
+<file path=ppt/notesSlides/notesSlide5.xml><?xml version="1.0" encoding="utf-8"?>
 <p:notes xmlns:a="http://schemas.openxmlformats.org/drawingml/2006/main" xmlns:r="http://schemas.openxmlformats.org/officeDocument/2006/relationships" xmlns:p="http://schemas.openxmlformats.org/presentationml/2006/main" showMasterSp="0" showMasterPhAnim="0">
   <p:cSld>
     <p:spTree>
@@ -1679,7 +2071,139 @@
 </p:notes>
 </file>
 
-<file path=ppt/notesSlides/notesSlide5.xml><?xml version="1.0" encoding="utf-8"?>
+<file path=ppt/notesSlides/notesSlide6.xml><?xml version="1.0" encoding="utf-8"?>
+<p:notes xmlns:a="http://schemas.openxmlformats.org/drawingml/2006/main" xmlns:r="http://schemas.openxmlformats.org/officeDocument/2006/relationships" xmlns:p="http://schemas.openxmlformats.org/presentationml/2006/main">
+  <p:cSld>
+    <p:spTree>
+      <p:nvGrpSpPr>
+        <p:cNvPr id="1" name=""/>
+        <p:cNvGrpSpPr/>
+        <p:nvPr/>
+      </p:nvGrpSpPr>
+      <p:grpSpPr>
+        <a:xfrm>
+          <a:off x="0" y="0"/>
+          <a:ext cx="0" cy="0"/>
+          <a:chOff x="0" y="0"/>
+          <a:chExt cx="0" cy="0"/>
+        </a:xfrm>
+      </p:grpSpPr>
+      <p:sp>
+        <p:nvSpPr>
+          <p:cNvPr id="2" name="Slide Image Placeholder 1"/>
+          <p:cNvSpPr>
+            <a:spLocks noGrp="1" noRot="1" noChangeAspect="1"/>
+          </p:cNvSpPr>
+          <p:nvPr>
+            <p:ph type="sldImg"/>
+          </p:nvPr>
+        </p:nvSpPr>
+        <p:spPr>
+          <a:xfrm>
+            <a:off x="381000" y="685800"/>
+            <a:ext cx="6096000" cy="3429000"/>
+          </a:xfrm>
+        </p:spPr>
+      </p:sp>
+      <p:sp>
+        <p:nvSpPr>
+          <p:cNvPr id="3" name="Notes Placeholder 2"/>
+          <p:cNvSpPr>
+            <a:spLocks noGrp="1"/>
+          </p:cNvSpPr>
+          <p:nvPr>
+            <p:ph type="body" idx="1"/>
+          </p:nvPr>
+        </p:nvSpPr>
+        <p:spPr/>
+        <p:txBody>
+          <a:bodyPr/>
+          <a:lstStyle/>
+          <a:p>
+            <a:endParaRPr lang="en-US" dirty="0"/>
+          </a:p>
+        </p:txBody>
+      </p:sp>
+    </p:spTree>
+    <p:extLst>
+      <p:ext uri="{BB962C8B-B14F-4D97-AF65-F5344CB8AC3E}">
+        <p14:creationId xmlns:p14="http://schemas.microsoft.com/office/powerpoint/2010/main" val="2679211987"/>
+      </p:ext>
+    </p:extLst>
+  </p:cSld>
+  <p:clrMapOvr>
+    <a:masterClrMapping/>
+  </p:clrMapOvr>
+</p:notes>
+</file>
+
+<file path=ppt/notesSlides/notesSlide7.xml><?xml version="1.0" encoding="utf-8"?>
+<p:notes xmlns:a="http://schemas.openxmlformats.org/drawingml/2006/main" xmlns:r="http://schemas.openxmlformats.org/officeDocument/2006/relationships" xmlns:p="http://schemas.openxmlformats.org/presentationml/2006/main">
+  <p:cSld>
+    <p:spTree>
+      <p:nvGrpSpPr>
+        <p:cNvPr id="1" name=""/>
+        <p:cNvGrpSpPr/>
+        <p:nvPr/>
+      </p:nvGrpSpPr>
+      <p:grpSpPr>
+        <a:xfrm>
+          <a:off x="0" y="0"/>
+          <a:ext cx="0" cy="0"/>
+          <a:chOff x="0" y="0"/>
+          <a:chExt cx="0" cy="0"/>
+        </a:xfrm>
+      </p:grpSpPr>
+      <p:sp>
+        <p:nvSpPr>
+          <p:cNvPr id="2" name="Slide Image Placeholder 1"/>
+          <p:cNvSpPr>
+            <a:spLocks noGrp="1" noRot="1" noChangeAspect="1"/>
+          </p:cNvSpPr>
+          <p:nvPr>
+            <p:ph type="sldImg"/>
+          </p:nvPr>
+        </p:nvSpPr>
+        <p:spPr>
+          <a:xfrm>
+            <a:off x="381000" y="685800"/>
+            <a:ext cx="6096000" cy="3429000"/>
+          </a:xfrm>
+        </p:spPr>
+      </p:sp>
+      <p:sp>
+        <p:nvSpPr>
+          <p:cNvPr id="3" name="Notes Placeholder 2"/>
+          <p:cNvSpPr>
+            <a:spLocks noGrp="1"/>
+          </p:cNvSpPr>
+          <p:nvPr>
+            <p:ph type="body" idx="1"/>
+          </p:nvPr>
+        </p:nvSpPr>
+        <p:spPr/>
+        <p:txBody>
+          <a:bodyPr/>
+          <a:lstStyle/>
+          <a:p>
+            <a:endParaRPr lang="en-US" dirty="0"/>
+          </a:p>
+        </p:txBody>
+      </p:sp>
+    </p:spTree>
+    <p:extLst>
+      <p:ext uri="{BB962C8B-B14F-4D97-AF65-F5344CB8AC3E}">
+        <p14:creationId xmlns:p14="http://schemas.microsoft.com/office/powerpoint/2010/main" val="3281973959"/>
+      </p:ext>
+    </p:extLst>
+  </p:cSld>
+  <p:clrMapOvr>
+    <a:masterClrMapping/>
+  </p:clrMapOvr>
+</p:notes>
+</file>
+
+<file path=ppt/notesSlides/notesSlide8.xml><?xml version="1.0" encoding="utf-8"?>
 <p:notes xmlns:a="http://schemas.openxmlformats.org/drawingml/2006/main" xmlns:r="http://schemas.openxmlformats.org/officeDocument/2006/relationships" xmlns:p="http://schemas.openxmlformats.org/presentationml/2006/main" showMasterSp="0" showMasterPhAnim="0">
   <p:cSld>
     <p:spTree>
@@ -1788,7 +2312,7 @@
 </p:notes>
 </file>
 
-<file path=ppt/notesSlides/notesSlide6.xml><?xml version="1.0" encoding="utf-8"?>
+<file path=ppt/notesSlides/notesSlide9.xml><?xml version="1.0" encoding="utf-8"?>
 <p:notes xmlns:a="http://schemas.openxmlformats.org/drawingml/2006/main" xmlns:r="http://schemas.openxmlformats.org/officeDocument/2006/relationships" xmlns:p="http://schemas.openxmlformats.org/presentationml/2006/main" showMasterSp="0" showMasterPhAnim="0">
   <p:cSld>
     <p:spTree>
@@ -1888,333 +2412,6 @@
     <p:extLst>
       <p:ext uri="{BB962C8B-B14F-4D97-AF65-F5344CB8AC3E}">
         <p14:creationId xmlns:p14="http://schemas.microsoft.com/office/powerpoint/2010/main" val="3210382321"/>
-      </p:ext>
-    </p:extLst>
-  </p:cSld>
-  <p:clrMapOvr>
-    <a:masterClrMapping/>
-  </p:clrMapOvr>
-</p:notes>
-</file>
-
-<file path=ppt/notesSlides/notesSlide7.xml><?xml version="1.0" encoding="utf-8"?>
-<p:notes xmlns:a="http://schemas.openxmlformats.org/drawingml/2006/main" xmlns:r="http://schemas.openxmlformats.org/officeDocument/2006/relationships" xmlns:p="http://schemas.openxmlformats.org/presentationml/2006/main" showMasterSp="0" showMasterPhAnim="0">
-  <p:cSld>
-    <p:spTree>
-      <p:nvGrpSpPr>
-        <p:cNvPr id="1" name="Shape 150"/>
-        <p:cNvGrpSpPr/>
-        <p:nvPr/>
-      </p:nvGrpSpPr>
-      <p:grpSpPr>
-        <a:xfrm>
-          <a:off x="0" y="0"/>
-          <a:ext cx="0" cy="0"/>
-          <a:chOff x="0" y="0"/>
-          <a:chExt cx="0" cy="0"/>
-        </a:xfrm>
-      </p:grpSpPr>
-      <p:sp>
-        <p:nvSpPr>
-          <p:cNvPr id="151" name="Google Shape;151;g1e367da1613_0_34:notes"/>
-          <p:cNvSpPr>
-            <a:spLocks noGrp="1" noRot="1" noChangeAspect="1"/>
-          </p:cNvSpPr>
-          <p:nvPr>
-            <p:ph type="sldImg" idx="2"/>
-          </p:nvPr>
-        </p:nvSpPr>
-        <p:spPr>
-          <a:xfrm>
-            <a:off x="381000" y="685800"/>
-            <a:ext cx="6096000" cy="3429000"/>
-          </a:xfrm>
-          <a:custGeom>
-            <a:avLst/>
-            <a:gdLst/>
-            <a:ahLst/>
-            <a:cxnLst/>
-            <a:rect l="l" t="t" r="r" b="b"/>
-            <a:pathLst>
-              <a:path w="120000" h="120000" extrusionOk="0">
-                <a:moveTo>
-                  <a:pt x="0" y="0"/>
-                </a:moveTo>
-                <a:lnTo>
-                  <a:pt x="120000" y="0"/>
-                </a:lnTo>
-                <a:lnTo>
-                  <a:pt x="120000" y="120000"/>
-                </a:lnTo>
-                <a:lnTo>
-                  <a:pt x="0" y="120000"/>
-                </a:lnTo>
-                <a:close/>
-              </a:path>
-            </a:pathLst>
-          </a:custGeom>
-        </p:spPr>
-      </p:sp>
-      <p:sp>
-        <p:nvSpPr>
-          <p:cNvPr id="152" name="Google Shape;152;g1e367da1613_0_34:notes"/>
-          <p:cNvSpPr txBox="1">
-            <a:spLocks noGrp="1"/>
-          </p:cNvSpPr>
-          <p:nvPr>
-            <p:ph type="body" idx="1"/>
-          </p:nvPr>
-        </p:nvSpPr>
-        <p:spPr>
-          <a:xfrm>
-            <a:off x="685800" y="4343400"/>
-            <a:ext cx="5486400" cy="4114800"/>
-          </a:xfrm>
-          <a:prstGeom prst="rect">
-            <a:avLst/>
-          </a:prstGeom>
-        </p:spPr>
-        <p:txBody>
-          <a:bodyPr spcFirstLastPara="1" wrap="square" lIns="91425" tIns="91425" rIns="91425" bIns="91425" anchor="t" anchorCtr="0">
-            <a:noAutofit/>
-          </a:bodyPr>
-          <a:lstStyle/>
-          <a:p>
-            <a:pPr marL="0" lvl="0" indent="0" algn="l" rtl="0">
-              <a:spcBef>
-                <a:spcPts val="0"/>
-              </a:spcBef>
-              <a:spcAft>
-                <a:spcPts val="0"/>
-              </a:spcAft>
-              <a:buNone/>
-            </a:pPr>
-            <a:endParaRPr/>
-          </a:p>
-        </p:txBody>
-      </p:sp>
-    </p:spTree>
-    <p:extLst>
-      <p:ext uri="{BB962C8B-B14F-4D97-AF65-F5344CB8AC3E}">
-        <p14:creationId xmlns:p14="http://schemas.microsoft.com/office/powerpoint/2010/main" val="3010065347"/>
-      </p:ext>
-    </p:extLst>
-  </p:cSld>
-  <p:clrMapOvr>
-    <a:masterClrMapping/>
-  </p:clrMapOvr>
-</p:notes>
-</file>
-
-<file path=ppt/notesSlides/notesSlide8.xml><?xml version="1.0" encoding="utf-8"?>
-<p:notes xmlns:a="http://schemas.openxmlformats.org/drawingml/2006/main" xmlns:r="http://schemas.openxmlformats.org/officeDocument/2006/relationships" xmlns:p="http://schemas.openxmlformats.org/presentationml/2006/main" showMasterSp="0" showMasterPhAnim="0">
-  <p:cSld>
-    <p:spTree>
-      <p:nvGrpSpPr>
-        <p:cNvPr id="1" name="Shape 161"/>
-        <p:cNvGrpSpPr/>
-        <p:nvPr/>
-      </p:nvGrpSpPr>
-      <p:grpSpPr>
-        <a:xfrm>
-          <a:off x="0" y="0"/>
-          <a:ext cx="0" cy="0"/>
-          <a:chOff x="0" y="0"/>
-          <a:chExt cx="0" cy="0"/>
-        </a:xfrm>
-      </p:grpSpPr>
-      <p:sp>
-        <p:nvSpPr>
-          <p:cNvPr id="162" name="Google Shape;162;g23b42f134b1_0_30:notes"/>
-          <p:cNvSpPr>
-            <a:spLocks noGrp="1" noRot="1" noChangeAspect="1"/>
-          </p:cNvSpPr>
-          <p:nvPr>
-            <p:ph type="sldImg" idx="2"/>
-          </p:nvPr>
-        </p:nvSpPr>
-        <p:spPr>
-          <a:xfrm>
-            <a:off x="381000" y="685800"/>
-            <a:ext cx="6096000" cy="3429000"/>
-          </a:xfrm>
-          <a:custGeom>
-            <a:avLst/>
-            <a:gdLst/>
-            <a:ahLst/>
-            <a:cxnLst/>
-            <a:rect l="l" t="t" r="r" b="b"/>
-            <a:pathLst>
-              <a:path w="120000" h="120000" extrusionOk="0">
-                <a:moveTo>
-                  <a:pt x="0" y="0"/>
-                </a:moveTo>
-                <a:lnTo>
-                  <a:pt x="120000" y="0"/>
-                </a:lnTo>
-                <a:lnTo>
-                  <a:pt x="120000" y="120000"/>
-                </a:lnTo>
-                <a:lnTo>
-                  <a:pt x="0" y="120000"/>
-                </a:lnTo>
-                <a:close/>
-              </a:path>
-            </a:pathLst>
-          </a:custGeom>
-        </p:spPr>
-      </p:sp>
-      <p:sp>
-        <p:nvSpPr>
-          <p:cNvPr id="163" name="Google Shape;163;g23b42f134b1_0_30:notes"/>
-          <p:cNvSpPr txBox="1">
-            <a:spLocks noGrp="1"/>
-          </p:cNvSpPr>
-          <p:nvPr>
-            <p:ph type="body" idx="1"/>
-          </p:nvPr>
-        </p:nvSpPr>
-        <p:spPr>
-          <a:xfrm>
-            <a:off x="685800" y="4343400"/>
-            <a:ext cx="5486400" cy="4114800"/>
-          </a:xfrm>
-          <a:prstGeom prst="rect">
-            <a:avLst/>
-          </a:prstGeom>
-        </p:spPr>
-        <p:txBody>
-          <a:bodyPr spcFirstLastPara="1" wrap="square" lIns="91425" tIns="91425" rIns="91425" bIns="91425" anchor="t" anchorCtr="0">
-            <a:noAutofit/>
-          </a:bodyPr>
-          <a:lstStyle/>
-          <a:p>
-            <a:pPr marL="0" lvl="0" indent="0" algn="l" rtl="0">
-              <a:spcBef>
-                <a:spcPts val="0"/>
-              </a:spcBef>
-              <a:spcAft>
-                <a:spcPts val="0"/>
-              </a:spcAft>
-              <a:buNone/>
-            </a:pPr>
-            <a:endParaRPr/>
-          </a:p>
-        </p:txBody>
-      </p:sp>
-    </p:spTree>
-    <p:extLst>
-      <p:ext uri="{BB962C8B-B14F-4D97-AF65-F5344CB8AC3E}">
-        <p14:creationId xmlns:p14="http://schemas.microsoft.com/office/powerpoint/2010/main" val="3103097091"/>
-      </p:ext>
-    </p:extLst>
-  </p:cSld>
-  <p:clrMapOvr>
-    <a:masterClrMapping/>
-  </p:clrMapOvr>
-</p:notes>
-</file>
-
-<file path=ppt/notesSlides/notesSlide9.xml><?xml version="1.0" encoding="utf-8"?>
-<p:notes xmlns:a="http://schemas.openxmlformats.org/drawingml/2006/main" xmlns:r="http://schemas.openxmlformats.org/officeDocument/2006/relationships" xmlns:p="http://schemas.openxmlformats.org/presentationml/2006/main" showMasterSp="0" showMasterPhAnim="0">
-  <p:cSld>
-    <p:spTree>
-      <p:nvGrpSpPr>
-        <p:cNvPr id="1" name="Shape 172"/>
-        <p:cNvGrpSpPr/>
-        <p:nvPr/>
-      </p:nvGrpSpPr>
-      <p:grpSpPr>
-        <a:xfrm>
-          <a:off x="0" y="0"/>
-          <a:ext cx="0" cy="0"/>
-          <a:chOff x="0" y="0"/>
-          <a:chExt cx="0" cy="0"/>
-        </a:xfrm>
-      </p:grpSpPr>
-      <p:sp>
-        <p:nvSpPr>
-          <p:cNvPr id="173" name="Google Shape;173;g23b42f134b1_0_51:notes"/>
-          <p:cNvSpPr>
-            <a:spLocks noGrp="1" noRot="1" noChangeAspect="1"/>
-          </p:cNvSpPr>
-          <p:nvPr>
-            <p:ph type="sldImg" idx="2"/>
-          </p:nvPr>
-        </p:nvSpPr>
-        <p:spPr>
-          <a:xfrm>
-            <a:off x="381000" y="685800"/>
-            <a:ext cx="6096000" cy="3429000"/>
-          </a:xfrm>
-          <a:custGeom>
-            <a:avLst/>
-            <a:gdLst/>
-            <a:ahLst/>
-            <a:cxnLst/>
-            <a:rect l="l" t="t" r="r" b="b"/>
-            <a:pathLst>
-              <a:path w="120000" h="120000" extrusionOk="0">
-                <a:moveTo>
-                  <a:pt x="0" y="0"/>
-                </a:moveTo>
-                <a:lnTo>
-                  <a:pt x="120000" y="0"/>
-                </a:lnTo>
-                <a:lnTo>
-                  <a:pt x="120000" y="120000"/>
-                </a:lnTo>
-                <a:lnTo>
-                  <a:pt x="0" y="120000"/>
-                </a:lnTo>
-                <a:close/>
-              </a:path>
-            </a:pathLst>
-          </a:custGeom>
-        </p:spPr>
-      </p:sp>
-      <p:sp>
-        <p:nvSpPr>
-          <p:cNvPr id="174" name="Google Shape;174;g23b42f134b1_0_51:notes"/>
-          <p:cNvSpPr txBox="1">
-            <a:spLocks noGrp="1"/>
-          </p:cNvSpPr>
-          <p:nvPr>
-            <p:ph type="body" idx="1"/>
-          </p:nvPr>
-        </p:nvSpPr>
-        <p:spPr>
-          <a:xfrm>
-            <a:off x="685800" y="4343400"/>
-            <a:ext cx="5486400" cy="4114800"/>
-          </a:xfrm>
-          <a:prstGeom prst="rect">
-            <a:avLst/>
-          </a:prstGeom>
-        </p:spPr>
-        <p:txBody>
-          <a:bodyPr spcFirstLastPara="1" wrap="square" lIns="91425" tIns="91425" rIns="91425" bIns="91425" anchor="t" anchorCtr="0">
-            <a:noAutofit/>
-          </a:bodyPr>
-          <a:lstStyle/>
-          <a:p>
-            <a:pPr marL="0" lvl="0" indent="0" algn="l" rtl="0">
-              <a:spcBef>
-                <a:spcPts val="0"/>
-              </a:spcBef>
-              <a:spcAft>
-                <a:spcPts val="0"/>
-              </a:spcAft>
-              <a:buNone/>
-            </a:pPr>
-            <a:endParaRPr/>
-          </a:p>
-        </p:txBody>
-      </p:sp>
-    </p:spTree>
-    <p:extLst>
-      <p:ext uri="{BB962C8B-B14F-4D97-AF65-F5344CB8AC3E}">
-        <p14:creationId xmlns:p14="http://schemas.microsoft.com/office/powerpoint/2010/main" val="1265904404"/>
       </p:ext>
     </p:extLst>
   </p:cSld>
@@ -12568,493 +12765,6 @@
       </p:grpSpPr>
       <p:sp>
         <p:nvSpPr>
-          <p:cNvPr id="4" name="Google Shape;101;g2232182a673_0_1">
-            <a:extLst>
-              <a:ext uri="{FF2B5EF4-FFF2-40B4-BE49-F238E27FC236}">
-                <a16:creationId xmlns="" xmlns:a16="http://schemas.microsoft.com/office/drawing/2014/main" id="{B0FDB13D-86FF-C3CF-B083-B124910BE8F6}"/>
-              </a:ext>
-            </a:extLst>
-          </p:cNvPr>
-          <p:cNvSpPr txBox="1">
-            <a:spLocks noGrp="1"/>
-          </p:cNvSpPr>
-          <p:nvPr>
-            <p:ph type="title"/>
-          </p:nvPr>
-        </p:nvSpPr>
-        <p:spPr>
-          <a:xfrm>
-            <a:off x="1143000" y="609600"/>
-            <a:ext cx="9875400" cy="1356300"/>
-          </a:xfrm>
-          <a:prstGeom prst="rect">
-            <a:avLst/>
-          </a:prstGeom>
-        </p:spPr>
-        <p:txBody>
-          <a:bodyPr spcFirstLastPara="1" wrap="square" lIns="91425" tIns="45700" rIns="91425" bIns="45700" anchor="ctr" anchorCtr="0">
-            <a:normAutofit/>
-          </a:bodyPr>
-          <a:lstStyle/>
-          <a:p>
-            <a:pPr marL="0" lvl="0" indent="0" algn="l" rtl="0">
-              <a:spcBef>
-                <a:spcPts val="0"/>
-              </a:spcBef>
-              <a:spcAft>
-                <a:spcPts val="0"/>
-              </a:spcAft>
-              <a:buNone/>
-            </a:pPr>
-            <a:r>
-              <a:rPr lang="en-US" u="sng" dirty="0"/>
-              <a:t>Limitations, Issues and </a:t>
-            </a:r>
-            <a:r>
-              <a:rPr lang="en-US" u="sng" dirty="0" smtClean="0"/>
-              <a:t>Problems</a:t>
-            </a:r>
-            <a:br>
-              <a:rPr lang="en-US" u="sng" dirty="0" smtClean="0"/>
-            </a:br>
-            <a:endParaRPr u="sng" dirty="0"/>
-          </a:p>
-        </p:txBody>
-      </p:sp>
-      <p:graphicFrame>
-        <p:nvGraphicFramePr>
-          <p:cNvPr id="6" name="Table 5"/>
-          <p:cNvGraphicFramePr>
-            <a:graphicFrameLocks noGrp="1"/>
-          </p:cNvGraphicFramePr>
-          <p:nvPr>
-            <p:extLst>
-              <p:ext uri="{D42A27DB-BD31-4B8C-83A1-F6EECF244321}">
-                <p14:modId xmlns:p14="http://schemas.microsoft.com/office/powerpoint/2010/main" val="783892047"/>
-              </p:ext>
-            </p:extLst>
-          </p:nvPr>
-        </p:nvGraphicFramePr>
-        <p:xfrm>
-          <a:off x="1199456" y="2229155"/>
-          <a:ext cx="9937104" cy="2640005"/>
-        </p:xfrm>
-        <a:graphic>
-          <a:graphicData uri="http://schemas.openxmlformats.org/drawingml/2006/table">
-            <a:tbl>
-              <a:tblPr firstRow="1" bandRow="1">
-                <a:tableStyleId>{5C22544A-7EE6-4342-B048-85BDC9FD1C3A}</a:tableStyleId>
-              </a:tblPr>
-              <a:tblGrid>
-                <a:gridCol w="3744416"/>
-                <a:gridCol w="6192688"/>
-              </a:tblGrid>
-              <a:tr h="438130">
-                <a:tc gridSpan="2">
-                  <a:txBody>
-                    <a:bodyPr/>
-                    <a:lstStyle/>
-                    <a:p>
-                      <a:pPr marL="0" marR="0" indent="0" algn="ctr" defTabSz="914400" rtl="0" eaLnBrk="1" fontAlgn="auto" latinLnBrk="0" hangingPunct="1">
-                        <a:lnSpc>
-                          <a:spcPct val="100000"/>
-                        </a:lnSpc>
-                        <a:spcBef>
-                          <a:spcPts val="0"/>
-                        </a:spcBef>
-                        <a:spcAft>
-                          <a:spcPts val="0"/>
-                        </a:spcAft>
-                        <a:buClr>
-                          <a:srgbClr val="000000"/>
-                        </a:buClr>
-                        <a:buSzTx/>
-                        <a:buFont typeface="Arial"/>
-                        <a:buNone/>
-                        <a:tabLst/>
-                        <a:defRPr/>
-                      </a:pPr>
-                      <a:r>
-                        <a:rPr lang="en-US" sz="1600" b="1" i="0" u="none" strike="noStrike" cap="none" dirty="0" smtClean="0">
-                          <a:solidFill>
-                            <a:schemeClr val="lt1"/>
-                          </a:solidFill>
-                          <a:effectLst/>
-                          <a:latin typeface="+mn-lt"/>
-                          <a:ea typeface="+mn-ea"/>
-                          <a:cs typeface="+mn-cs"/>
-                          <a:sym typeface="Arial"/>
-                        </a:rPr>
-                        <a:t>Real-time image-based parking occupancy detection using deep learning</a:t>
-                      </a:r>
-                      <a:endParaRPr lang="en-US" sz="1600" b="1" dirty="0" smtClean="0"/>
-                    </a:p>
-                  </a:txBody>
-                  <a:tcPr/>
-                </a:tc>
-                <a:tc hMerge="1">
-                  <a:txBody>
-                    <a:bodyPr/>
-                    <a:lstStyle/>
-                    <a:p>
-                      <a:endParaRPr lang="en-US"/>
-                    </a:p>
-                  </a:txBody>
-                  <a:tcPr/>
-                </a:tc>
-              </a:tr>
-              <a:tr h="353958">
-                <a:tc gridSpan="2">
-                  <a:txBody>
-                    <a:bodyPr/>
-                    <a:lstStyle/>
-                    <a:p>
-                      <a:pPr marL="0" marR="0" indent="0" algn="ctr" defTabSz="914400" rtl="0" eaLnBrk="1" fontAlgn="auto" latinLnBrk="0" hangingPunct="1">
-                        <a:lnSpc>
-                          <a:spcPct val="100000"/>
-                        </a:lnSpc>
-                        <a:spcBef>
-                          <a:spcPts val="0"/>
-                        </a:spcBef>
-                        <a:spcAft>
-                          <a:spcPts val="0"/>
-                        </a:spcAft>
-                        <a:buClr>
-                          <a:srgbClr val="000000"/>
-                        </a:buClr>
-                        <a:buSzTx/>
-                        <a:buFont typeface="Arial"/>
-                        <a:buNone/>
-                        <a:tabLst/>
-                        <a:defRPr/>
-                      </a:pPr>
-                      <a:r>
-                        <a:rPr lang="en-US" sz="1400" b="1" i="0" u="none" strike="noStrike" cap="none" dirty="0" smtClean="0">
-                          <a:solidFill>
-                            <a:schemeClr val="dk1"/>
-                          </a:solidFill>
-                          <a:effectLst/>
-                          <a:latin typeface="+mn-lt"/>
-                          <a:ea typeface="+mn-ea"/>
-                          <a:cs typeface="+mn-cs"/>
-                          <a:sym typeface="Arial"/>
-                        </a:rPr>
-                        <a:t>Authors: </a:t>
-                      </a:r>
-                      <a:r>
-                        <a:rPr lang="en-US" sz="1400" b="0" i="0" u="none" strike="noStrike" cap="none" dirty="0" err="1" smtClean="0">
-                          <a:solidFill>
-                            <a:schemeClr val="dk1"/>
-                          </a:solidFill>
-                          <a:effectLst/>
-                          <a:latin typeface="+mn-lt"/>
-                          <a:ea typeface="+mn-ea"/>
-                          <a:cs typeface="+mn-cs"/>
-                          <a:sym typeface="Arial"/>
-                        </a:rPr>
-                        <a:t>Debaditya</a:t>
-                      </a:r>
-                      <a:r>
-                        <a:rPr lang="en-US" sz="1400" b="0" i="0" u="none" strike="noStrike" cap="none" dirty="0" smtClean="0">
-                          <a:solidFill>
-                            <a:schemeClr val="dk1"/>
-                          </a:solidFill>
-                          <a:effectLst/>
-                          <a:latin typeface="+mn-lt"/>
-                          <a:ea typeface="+mn-ea"/>
-                          <a:cs typeface="+mn-cs"/>
-                          <a:sym typeface="Arial"/>
-                        </a:rPr>
-                        <a:t> Acharya, </a:t>
-                      </a:r>
-                      <a:r>
-                        <a:rPr lang="en-US" sz="1400" b="0" i="0" u="none" strike="noStrike" cap="none" dirty="0" err="1" smtClean="0">
-                          <a:solidFill>
-                            <a:schemeClr val="dk1"/>
-                          </a:solidFill>
-                          <a:effectLst/>
-                          <a:latin typeface="+mn-lt"/>
-                          <a:ea typeface="+mn-ea"/>
-                          <a:cs typeface="+mn-cs"/>
-                          <a:sym typeface="Arial"/>
-                        </a:rPr>
-                        <a:t>Weilin</a:t>
-                      </a:r>
-                      <a:r>
-                        <a:rPr lang="en-US" sz="1400" b="0" i="0" u="none" strike="noStrike" cap="none" dirty="0" smtClean="0">
-                          <a:solidFill>
-                            <a:schemeClr val="dk1"/>
-                          </a:solidFill>
-                          <a:effectLst/>
-                          <a:latin typeface="+mn-lt"/>
-                          <a:ea typeface="+mn-ea"/>
-                          <a:cs typeface="+mn-cs"/>
-                          <a:sym typeface="Arial"/>
-                        </a:rPr>
-                        <a:t> Yan, et al.</a:t>
-                      </a:r>
-                      <a:endParaRPr lang="en-US" dirty="0" smtClean="0"/>
-                    </a:p>
-                  </a:txBody>
-                  <a:tcPr/>
-                </a:tc>
-                <a:tc hMerge="1">
-                  <a:txBody>
-                    <a:bodyPr/>
-                    <a:lstStyle/>
-                    <a:p>
-                      <a:endParaRPr lang="en-US" dirty="0"/>
-                    </a:p>
-                  </a:txBody>
-                  <a:tcPr/>
-                </a:tc>
-              </a:tr>
-              <a:tr h="321645">
-                <a:tc>
-                  <a:txBody>
-                    <a:bodyPr/>
-                    <a:lstStyle/>
-                    <a:p>
-                      <a:pPr algn="l"/>
-                      <a:r>
-                        <a:rPr lang="en-US" sz="1400" b="1" i="0" u="none" strike="noStrike" cap="none" dirty="0" smtClean="0">
-                          <a:solidFill>
-                            <a:schemeClr val="dk1"/>
-                          </a:solidFill>
-                          <a:effectLst/>
-                          <a:latin typeface="+mn-lt"/>
-                          <a:ea typeface="+mn-ea"/>
-                          <a:cs typeface="+mn-cs"/>
-                          <a:sym typeface="Arial"/>
-                        </a:rPr>
-                        <a:t>Limitation</a:t>
-                      </a:r>
-                      <a:endParaRPr lang="en-US" dirty="0"/>
-                    </a:p>
-                  </a:txBody>
-                  <a:tcPr/>
-                </a:tc>
-                <a:tc>
-                  <a:txBody>
-                    <a:bodyPr/>
-                    <a:lstStyle/>
-                    <a:p>
-                      <a:pPr algn="l"/>
-                      <a:r>
-                        <a:rPr lang="en-US" sz="1400" b="1" i="0" u="none" strike="noStrike" cap="none" dirty="0" smtClean="0">
-                          <a:solidFill>
-                            <a:schemeClr val="dk1"/>
-                          </a:solidFill>
-                          <a:effectLst/>
-                          <a:latin typeface="+mn-lt"/>
-                          <a:ea typeface="+mn-ea"/>
-                          <a:cs typeface="+mn-cs"/>
-                          <a:sym typeface="Arial"/>
-                        </a:rPr>
-                        <a:t>Description</a:t>
-                      </a:r>
-                      <a:endParaRPr lang="en-US" dirty="0"/>
-                    </a:p>
-                  </a:txBody>
-                  <a:tcPr/>
-                </a:tc>
-              </a:tr>
-              <a:tr h="436153">
-                <a:tc>
-                  <a:txBody>
-                    <a:bodyPr/>
-                    <a:lstStyle/>
-                    <a:p>
-                      <a:r>
-                        <a:rPr lang="en-US" sz="1400" b="0" i="0" u="none" strike="noStrike" cap="none" dirty="0" smtClean="0">
-                          <a:solidFill>
-                            <a:schemeClr val="dk1"/>
-                          </a:solidFill>
-                          <a:effectLst/>
-                          <a:latin typeface="+mn-lt"/>
-                          <a:ea typeface="+mn-ea"/>
-                          <a:cs typeface="+mn-cs"/>
-                          <a:sym typeface="Arial"/>
-                        </a:rPr>
-                        <a:t>Sensitivity to Lighting Conditions</a:t>
-                      </a:r>
-                      <a:endParaRPr lang="en-US" b="0" dirty="0"/>
-                    </a:p>
-                  </a:txBody>
-                  <a:tcPr/>
-                </a:tc>
-                <a:tc>
-                  <a:txBody>
-                    <a:bodyPr/>
-                    <a:lstStyle/>
-                    <a:p>
-                      <a:pPr fontAlgn="base"/>
-                      <a:r>
-                        <a:rPr lang="en-US" sz="1400" b="0" i="0" u="none" strike="noStrike" cap="none" dirty="0" smtClean="0">
-                          <a:solidFill>
-                            <a:schemeClr val="dk1"/>
-                          </a:solidFill>
-                          <a:effectLst/>
-                          <a:latin typeface="+mn-lt"/>
-                          <a:ea typeface="+mn-ea"/>
-                          <a:cs typeface="+mn-cs"/>
-                          <a:sym typeface="Arial"/>
-                        </a:rPr>
-                        <a:t>The framework's performance in low-light or nighttime conditions is unexplored.</a:t>
-                      </a:r>
-                      <a:endParaRPr lang="en-US" b="0" dirty="0">
-                        <a:solidFill>
-                          <a:schemeClr val="tx1"/>
-                        </a:solidFill>
-                        <a:effectLst/>
-                      </a:endParaRPr>
-                    </a:p>
-                  </a:txBody>
-                  <a:tcPr anchor="ctr"/>
-                </a:tc>
-              </a:tr>
-              <a:tr h="489952">
-                <a:tc>
-                  <a:txBody>
-                    <a:bodyPr/>
-                    <a:lstStyle/>
-                    <a:p>
-                      <a:r>
-                        <a:rPr lang="en-US" sz="1400" b="0" i="0" u="none" strike="noStrike" cap="none" dirty="0" smtClean="0">
-                          <a:solidFill>
-                            <a:schemeClr val="dk1"/>
-                          </a:solidFill>
-                          <a:effectLst/>
-                          <a:latin typeface="+mn-lt"/>
-                          <a:ea typeface="+mn-ea"/>
-                          <a:cs typeface="+mn-cs"/>
-                          <a:sym typeface="Arial"/>
-                        </a:rPr>
-                        <a:t>Ambiguity in Partially Occupied Spaces</a:t>
-                      </a:r>
-                      <a:endParaRPr lang="en-US" b="0" dirty="0"/>
-                    </a:p>
-                  </a:txBody>
-                  <a:tcPr/>
-                </a:tc>
-                <a:tc>
-                  <a:txBody>
-                    <a:bodyPr/>
-                    <a:lstStyle/>
-                    <a:p>
-                      <a:r>
-                        <a:rPr lang="en-US" sz="1400" b="0" i="0" u="none" strike="noStrike" cap="none" dirty="0" smtClean="0">
-                          <a:solidFill>
-                            <a:schemeClr val="dk1"/>
-                          </a:solidFill>
-                          <a:effectLst/>
-                          <a:latin typeface="+mn-lt"/>
-                          <a:ea typeface="+mn-ea"/>
-                          <a:cs typeface="+mn-cs"/>
-                          <a:sym typeface="Arial"/>
-                        </a:rPr>
-                        <a:t>Accurate detection is challenging when vehicles occupy parking spaces partially.</a:t>
-                      </a:r>
-                      <a:endParaRPr lang="en-US" dirty="0">
-                        <a:effectLst/>
-                      </a:endParaRPr>
-                    </a:p>
-                  </a:txBody>
-                  <a:tcPr anchor="ctr"/>
-                </a:tc>
-              </a:tr>
-              <a:tr h="489952">
-                <a:tc>
-                  <a:txBody>
-                    <a:bodyPr/>
-                    <a:lstStyle/>
-                    <a:p>
-                      <a:r>
-                        <a:rPr lang="en-US" sz="1400" b="0" i="0" u="none" strike="noStrike" cap="none" dirty="0" smtClean="0">
-                          <a:solidFill>
-                            <a:schemeClr val="dk1"/>
-                          </a:solidFill>
-                          <a:effectLst/>
-                          <a:latin typeface="+mn-lt"/>
-                          <a:ea typeface="+mn-ea"/>
-                          <a:cs typeface="+mn-cs"/>
-                          <a:sym typeface="Arial"/>
-                        </a:rPr>
-                        <a:t>Impact of Shadows</a:t>
-                      </a:r>
-                      <a:endParaRPr lang="en-US" b="0" dirty="0"/>
-                    </a:p>
-                  </a:txBody>
-                  <a:tcPr/>
-                </a:tc>
-                <a:tc>
-                  <a:txBody>
-                    <a:bodyPr/>
-                    <a:lstStyle/>
-                    <a:p>
-                      <a:r>
-                        <a:rPr lang="en-US" dirty="0" smtClean="0">
-                          <a:effectLst/>
-                        </a:rPr>
-                        <a:t>S</a:t>
-                      </a:r>
-                      <a:r>
-                        <a:rPr lang="en-US" sz="1400" b="0" i="0" u="none" strike="noStrike" cap="none" dirty="0" smtClean="0">
-                          <a:solidFill>
-                            <a:schemeClr val="dk1"/>
-                          </a:solidFill>
-                          <a:effectLst/>
-                          <a:latin typeface="+mn-lt"/>
-                          <a:ea typeface="+mn-ea"/>
-                          <a:cs typeface="+mn-cs"/>
-                          <a:sym typeface="Arial"/>
-                        </a:rPr>
-                        <a:t>hadows from buildings or objects can affect classification accuracy.</a:t>
-                      </a:r>
-                      <a:endParaRPr lang="en-US" dirty="0">
-                        <a:effectLst/>
-                      </a:endParaRPr>
-                    </a:p>
-                  </a:txBody>
-                  <a:tcPr anchor="ctr"/>
-                </a:tc>
-              </a:tr>
-            </a:tbl>
-          </a:graphicData>
-        </a:graphic>
-      </p:graphicFrame>
-    </p:spTree>
-    <p:extLst>
-      <p:ext uri="{BB962C8B-B14F-4D97-AF65-F5344CB8AC3E}">
-        <p14:creationId xmlns:p14="http://schemas.microsoft.com/office/powerpoint/2010/main" val="2501602062"/>
-      </p:ext>
-    </p:extLst>
-  </p:cSld>
-  <p:clrMapOvr>
-    <a:masterClrMapping/>
-  </p:clrMapOvr>
-</p:sld>
-</file>
-
-<file path=ppt/slides/slide11.xml><?xml version="1.0" encoding="utf-8"?>
-<p:sld xmlns:a="http://schemas.openxmlformats.org/drawingml/2006/main" xmlns:r="http://schemas.openxmlformats.org/officeDocument/2006/relationships" xmlns:p="http://schemas.openxmlformats.org/presentationml/2006/main">
-  <p:cSld>
-    <p:spTree>
-      <p:nvGrpSpPr>
-        <p:cNvPr id="1" name=""/>
-        <p:cNvGrpSpPr/>
-        <p:nvPr/>
-      </p:nvGrpSpPr>
-      <p:grpSpPr>
-        <a:xfrm>
-          <a:off x="0" y="0"/>
-          <a:ext cx="0" cy="0"/>
-          <a:chOff x="0" y="0"/>
-          <a:chExt cx="0" cy="0"/>
-        </a:xfrm>
-      </p:grpSpPr>
-      <p:sp>
-        <p:nvSpPr>
           <p:cNvPr id="2" name="Title 1"/>
           <p:cNvSpPr>
             <a:spLocks noGrp="1"/>
@@ -13478,7 +13188,7 @@
 </p:sld>
 </file>
 
-<file path=ppt/slides/slide12.xml><?xml version="1.0" encoding="utf-8"?>
+<file path=ppt/slides/slide11.xml><?xml version="1.0" encoding="utf-8"?>
 <p:sld xmlns:a="http://schemas.openxmlformats.org/drawingml/2006/main" xmlns:r="http://schemas.openxmlformats.org/officeDocument/2006/relationships" xmlns:p="http://schemas.openxmlformats.org/presentationml/2006/main">
   <p:cSld>
     <p:spTree>
@@ -13538,8 +13248,8 @@
               <a:buNone/>
             </a:pPr>
             <a:r>
-              <a:rPr lang="en-US" u="sng" dirty="0"/>
-              <a:t>Problem</a:t>
+              <a:rPr lang="en-US" u="sng" dirty="0" smtClean="0"/>
+              <a:t>Problem Statement</a:t>
             </a:r>
             <a:endParaRPr dirty="0"/>
           </a:p>
@@ -13578,28 +13288,17 @@
             </a:pPr>
             <a:r>
               <a:rPr lang="en-US" sz="2000" dirty="0"/>
-              <a:t>Urban parking faces escalating challenges due to a surge in vehicle numbers and limited parking space availability. Current parking slot detection models encounter significant hurdles, particularly in adverse scenarios such as low light conditions and obstructed views, constraining their practical utility.</a:t>
+              <a:t>Urban parking management faces growing challenges due to increased vehicle numbers and limited parking space. Existing parking slot detection models encounter limitations in low-light and obstructed conditions. This study explores the potential of deep learning to improve urban parking management and traffic flow.</a:t>
             </a:r>
           </a:p>
           <a:p>
-            <a:pPr marL="137160" lvl="0" indent="0" algn="just" rtl="0">
+            <a:pPr marL="137160" indent="0" algn="just">
               <a:lnSpc>
                 <a:spcPct val="150000"/>
               </a:lnSpc>
-              <a:spcBef>
-                <a:spcPts val="1400"/>
-              </a:spcBef>
-              <a:spcAft>
-                <a:spcPts val="0"/>
-              </a:spcAft>
-              <a:buSzPts val="1440"/>
               <a:buNone/>
             </a:pPr>
-            <a:endParaRPr sz="2000" dirty="0">
-              <a:solidFill>
-                <a:schemeClr val="tx1"/>
-              </a:solidFill>
-            </a:endParaRPr>
+            <a:endParaRPr lang="en-US" sz="2000" dirty="0"/>
           </a:p>
         </p:txBody>
       </p:sp>
@@ -13611,7 +13310,7 @@
 </p:sld>
 </file>
 
-<file path=ppt/slides/slide13.xml><?xml version="1.0" encoding="utf-8"?>
+<file path=ppt/slides/slide12.xml><?xml version="1.0" encoding="utf-8"?>
 <p:sld xmlns:a="http://schemas.openxmlformats.org/drawingml/2006/main" xmlns:r="http://schemas.openxmlformats.org/officeDocument/2006/relationships" xmlns:p="http://schemas.openxmlformats.org/presentationml/2006/main">
   <p:cSld>
     <p:spTree>
@@ -13747,7 +13446,7 @@
 </p:sld>
 </file>
 
-<file path=ppt/slides/slide14.xml><?xml version="1.0" encoding="utf-8"?>
+<file path=ppt/slides/slide13.xml><?xml version="1.0" encoding="utf-8"?>
 <p:sld xmlns:a="http://schemas.openxmlformats.org/drawingml/2006/main" xmlns:r="http://schemas.openxmlformats.org/officeDocument/2006/relationships" xmlns:p="http://schemas.openxmlformats.org/presentationml/2006/main">
   <p:cSld>
     <p:spTree>
@@ -13895,7 +13594,7 @@
 </p:sld>
 </file>
 
-<file path=ppt/slides/slide15.xml><?xml version="1.0" encoding="utf-8"?>
+<file path=ppt/slides/slide14.xml><?xml version="1.0" encoding="utf-8"?>
 <p:sld xmlns:a="http://schemas.openxmlformats.org/drawingml/2006/main" xmlns:r="http://schemas.openxmlformats.org/officeDocument/2006/relationships" xmlns:p="http://schemas.openxmlformats.org/presentationml/2006/main">
   <p:cSld>
     <p:spTree>
@@ -13960,7 +13659,7 @@
 </p:sld>
 </file>
 
-<file path=ppt/slides/slide16.xml><?xml version="1.0" encoding="utf-8"?>
+<file path=ppt/slides/slide15.xml><?xml version="1.0" encoding="utf-8"?>
 <p:sld xmlns:a="http://schemas.openxmlformats.org/drawingml/2006/main" xmlns:r="http://schemas.openxmlformats.org/officeDocument/2006/relationships" xmlns:p="http://schemas.openxmlformats.org/presentationml/2006/main">
   <p:cSld>
     <p:spTree>
@@ -13991,7 +13690,7 @@
         </p:blipFill>
         <p:spPr>
           <a:xfrm>
-            <a:off x="551384" y="620688"/>
+            <a:off x="551384" y="260648"/>
             <a:ext cx="11161240" cy="5760640"/>
           </a:xfrm>
           <a:prstGeom prst="rect">
@@ -13999,6 +13698,64 @@
           </a:prstGeom>
         </p:spPr>
       </p:pic>
+      <p:sp>
+        <p:nvSpPr>
+          <p:cNvPr id="2" name="Rectangle 1"/>
+          <p:cNvSpPr/>
+          <p:nvPr/>
+        </p:nvSpPr>
+        <p:spPr>
+          <a:xfrm>
+            <a:off x="2711624" y="6094792"/>
+            <a:ext cx="6624736" cy="415498"/>
+          </a:xfrm>
+          <a:prstGeom prst="rect">
+            <a:avLst/>
+          </a:prstGeom>
+        </p:spPr>
+        <p:txBody>
+          <a:bodyPr wrap="square">
+            <a:spAutoFit/>
+          </a:bodyPr>
+          <a:lstStyle/>
+          <a:p>
+            <a:pPr marL="1371600" indent="457200" algn="just">
+              <a:lnSpc>
+                <a:spcPct val="150000"/>
+              </a:lnSpc>
+              <a:spcBef>
+                <a:spcPts val="600"/>
+              </a:spcBef>
+            </a:pPr>
+            <a:r>
+              <a:rPr lang="en-US" dirty="0">
+                <a:latin typeface="Times New Roman" panose="02020603050405020304" pitchFamily="18" charset="0"/>
+                <a:ea typeface="Times New Roman" panose="02020603050405020304" pitchFamily="18" charset="0"/>
+              </a:rPr>
+              <a:t>Figure 2</a:t>
+            </a:r>
+            <a:r>
+              <a:rPr lang="en-US" dirty="0" smtClean="0">
+                <a:latin typeface="Times New Roman" panose="02020603050405020304" pitchFamily="18" charset="0"/>
+                <a:ea typeface="Times New Roman" panose="02020603050405020304" pitchFamily="18" charset="0"/>
+              </a:rPr>
+              <a:t>. </a:t>
+            </a:r>
+            <a:r>
+              <a:rPr lang="en-US" dirty="0">
+                <a:latin typeface="Times New Roman" panose="02020603050405020304" pitchFamily="18" charset="0"/>
+                <a:ea typeface="Times New Roman" panose="02020603050405020304" pitchFamily="18" charset="0"/>
+              </a:rPr>
+              <a:t>Proposed Model for Parking Occupancy Detection</a:t>
+            </a:r>
+            <a:endParaRPr lang="en-US" dirty="0">
+              <a:effectLst/>
+              <a:latin typeface="Times New Roman" panose="02020603050405020304" pitchFamily="18" charset="0"/>
+              <a:ea typeface="Times New Roman" panose="02020603050405020304" pitchFamily="18" charset="0"/>
+            </a:endParaRPr>
+          </a:p>
+        </p:txBody>
+      </p:sp>
     </p:spTree>
   </p:cSld>
   <p:clrMapOvr>
@@ -14007,7 +13764,7 @@
 </p:sld>
 </file>
 
-<file path=ppt/slides/slide17.xml><?xml version="1.0" encoding="utf-8"?>
+<file path=ppt/slides/slide16.xml><?xml version="1.0" encoding="utf-8"?>
 <p:sld xmlns:a="http://schemas.openxmlformats.org/drawingml/2006/main" xmlns:r="http://schemas.openxmlformats.org/officeDocument/2006/relationships" xmlns:p="http://schemas.openxmlformats.org/presentationml/2006/main">
   <p:cSld>
     <p:spTree>
@@ -14180,7 +13937,7 @@
 </p:sld>
 </file>
 
-<file path=ppt/slides/slide18.xml><?xml version="1.0" encoding="utf-8"?>
+<file path=ppt/slides/slide17.xml><?xml version="1.0" encoding="utf-8"?>
 <p:sld xmlns:a="http://schemas.openxmlformats.org/drawingml/2006/main" xmlns:r="http://schemas.openxmlformats.org/officeDocument/2006/relationships" xmlns:p="http://schemas.openxmlformats.org/presentationml/2006/main">
   <p:cSld>
     <p:spTree>
@@ -14345,7 +14102,7 @@
 </p:sld>
 </file>
 
-<file path=ppt/slides/slide19.xml><?xml version="1.0" encoding="utf-8"?>
+<file path=ppt/slides/slide18.xml><?xml version="1.0" encoding="utf-8"?>
 <p:sld xmlns:a="http://schemas.openxmlformats.org/drawingml/2006/main" xmlns:r="http://schemas.openxmlformats.org/officeDocument/2006/relationships" xmlns:p="http://schemas.openxmlformats.org/presentationml/2006/main">
   <p:cSld>
     <p:spTree>
@@ -14509,347 +14266,7 @@
 </p:sld>
 </file>
 
-<file path=ppt/slides/slide2.xml><?xml version="1.0" encoding="utf-8"?>
-<p:sld xmlns:a="http://schemas.openxmlformats.org/drawingml/2006/main" xmlns:r="http://schemas.openxmlformats.org/officeDocument/2006/relationships" xmlns:p="http://schemas.openxmlformats.org/presentationml/2006/main">
-  <p:cSld>
-    <p:spTree>
-      <p:nvGrpSpPr>
-        <p:cNvPr id="1" name="Shape 94"/>
-        <p:cNvGrpSpPr/>
-        <p:nvPr/>
-      </p:nvGrpSpPr>
-      <p:grpSpPr>
-        <a:xfrm>
-          <a:off x="0" y="0"/>
-          <a:ext cx="0" cy="0"/>
-          <a:chOff x="0" y="0"/>
-          <a:chExt cx="0" cy="0"/>
-        </a:xfrm>
-      </p:grpSpPr>
-      <p:sp>
-        <p:nvSpPr>
-          <p:cNvPr id="95" name="Google Shape;95;g21976d05750_1_2"/>
-          <p:cNvSpPr txBox="1">
-            <a:spLocks noGrp="1"/>
-          </p:cNvSpPr>
-          <p:nvPr>
-            <p:ph type="title"/>
-          </p:nvPr>
-        </p:nvSpPr>
-        <p:spPr>
-          <a:xfrm>
-            <a:off x="1143000" y="609600"/>
-            <a:ext cx="9875400" cy="1356300"/>
-          </a:xfrm>
-          <a:prstGeom prst="rect">
-            <a:avLst/>
-          </a:prstGeom>
-        </p:spPr>
-        <p:txBody>
-          <a:bodyPr spcFirstLastPara="1" wrap="square" lIns="91425" tIns="45700" rIns="91425" bIns="45700" anchor="ctr" anchorCtr="0">
-            <a:normAutofit/>
-          </a:bodyPr>
-          <a:lstStyle/>
-          <a:p>
-            <a:pPr marL="0" lvl="0" indent="0" algn="l" rtl="0">
-              <a:spcBef>
-                <a:spcPts val="0"/>
-              </a:spcBef>
-              <a:spcAft>
-                <a:spcPts val="0"/>
-              </a:spcAft>
-              <a:buNone/>
-            </a:pPr>
-            <a:r>
-              <a:rPr lang="en-US" u="sng"/>
-              <a:t>OUTLINES</a:t>
-            </a:r>
-            <a:endParaRPr u="sng"/>
-          </a:p>
-        </p:txBody>
-      </p:sp>
-      <p:sp>
-        <p:nvSpPr>
-          <p:cNvPr id="96" name="Google Shape;96;g21976d05750_1_2"/>
-          <p:cNvSpPr txBox="1">
-            <a:spLocks noGrp="1"/>
-          </p:cNvSpPr>
-          <p:nvPr>
-            <p:ph type="body" idx="1"/>
-          </p:nvPr>
-        </p:nvSpPr>
-        <p:spPr>
-          <a:xfrm>
-            <a:off x="1143000" y="1626100"/>
-            <a:ext cx="10480800" cy="4611900"/>
-          </a:xfrm>
-          <a:prstGeom prst="rect">
-            <a:avLst/>
-          </a:prstGeom>
-        </p:spPr>
-        <p:txBody>
-          <a:bodyPr spcFirstLastPara="1" wrap="square" lIns="91425" tIns="45700" rIns="91425" bIns="45700" anchor="t" anchorCtr="0">
-            <a:noAutofit/>
-          </a:bodyPr>
-          <a:lstStyle/>
-          <a:p>
-            <a:pPr marL="457200" lvl="0" indent="-339287" algn="l" rtl="0">
-              <a:lnSpc>
-                <a:spcPct val="150000"/>
-              </a:lnSpc>
-              <a:spcBef>
-                <a:spcPts val="1400"/>
-              </a:spcBef>
-              <a:spcAft>
-                <a:spcPts val="0"/>
-              </a:spcAft>
-              <a:buSzPct val="100000"/>
-              <a:buChar char="•"/>
-            </a:pPr>
-            <a:r>
-              <a:rPr lang="en-US" sz="1800" dirty="0">
-                <a:solidFill>
-                  <a:schemeClr val="tx1"/>
-                </a:solidFill>
-              </a:rPr>
-              <a:t>Background</a:t>
-            </a:r>
-            <a:endParaRPr sz="1800" dirty="0">
-              <a:solidFill>
-                <a:schemeClr val="tx1"/>
-              </a:solidFill>
-            </a:endParaRPr>
-          </a:p>
-          <a:p>
-            <a:pPr marL="457200" lvl="0" indent="-339287" algn="l" rtl="0">
-              <a:lnSpc>
-                <a:spcPct val="150000"/>
-              </a:lnSpc>
-              <a:spcBef>
-                <a:spcPts val="0"/>
-              </a:spcBef>
-              <a:spcAft>
-                <a:spcPts val="0"/>
-              </a:spcAft>
-              <a:buSzPct val="100000"/>
-              <a:buChar char="•"/>
-            </a:pPr>
-            <a:r>
-              <a:rPr lang="en-US" sz="1800" dirty="0">
-                <a:solidFill>
-                  <a:schemeClr val="tx1"/>
-                </a:solidFill>
-              </a:rPr>
-              <a:t>Contributions of other researchers</a:t>
-            </a:r>
-            <a:endParaRPr sz="1800" dirty="0">
-              <a:solidFill>
-                <a:schemeClr val="tx1"/>
-              </a:solidFill>
-            </a:endParaRPr>
-          </a:p>
-          <a:p>
-            <a:pPr marL="457200" lvl="0" indent="-339287" algn="l" rtl="0">
-              <a:lnSpc>
-                <a:spcPct val="150000"/>
-              </a:lnSpc>
-              <a:spcBef>
-                <a:spcPts val="0"/>
-              </a:spcBef>
-              <a:spcAft>
-                <a:spcPts val="0"/>
-              </a:spcAft>
-              <a:buSzPct val="100000"/>
-              <a:buChar char="•"/>
-            </a:pPr>
-            <a:r>
-              <a:rPr lang="en-US" sz="1800" dirty="0">
-                <a:solidFill>
-                  <a:schemeClr val="tx1"/>
-                </a:solidFill>
-              </a:rPr>
-              <a:t>Limitations, issues and problems</a:t>
-            </a:r>
-            <a:endParaRPr sz="1800" dirty="0">
-              <a:solidFill>
-                <a:schemeClr val="tx1"/>
-              </a:solidFill>
-            </a:endParaRPr>
-          </a:p>
-          <a:p>
-            <a:pPr marL="457200" lvl="0" indent="-339287" algn="l" rtl="0">
-              <a:lnSpc>
-                <a:spcPct val="150000"/>
-              </a:lnSpc>
-              <a:spcBef>
-                <a:spcPts val="0"/>
-              </a:spcBef>
-              <a:spcAft>
-                <a:spcPts val="0"/>
-              </a:spcAft>
-              <a:buSzPct val="100000"/>
-              <a:buChar char="•"/>
-            </a:pPr>
-            <a:r>
-              <a:rPr lang="en-US" sz="1800" dirty="0">
-                <a:solidFill>
-                  <a:schemeClr val="tx1"/>
-                </a:solidFill>
-              </a:rPr>
-              <a:t>Problem</a:t>
-            </a:r>
-            <a:endParaRPr sz="1800" dirty="0">
-              <a:solidFill>
-                <a:schemeClr val="tx1"/>
-              </a:solidFill>
-            </a:endParaRPr>
-          </a:p>
-          <a:p>
-            <a:pPr marL="457200" lvl="0" indent="-339287" algn="l" rtl="0">
-              <a:lnSpc>
-                <a:spcPct val="150000"/>
-              </a:lnSpc>
-              <a:spcBef>
-                <a:spcPts val="0"/>
-              </a:spcBef>
-              <a:spcAft>
-                <a:spcPts val="0"/>
-              </a:spcAft>
-              <a:buSzPct val="100000"/>
-              <a:buChar char="•"/>
-            </a:pPr>
-            <a:r>
-              <a:rPr lang="en-US" sz="1800" dirty="0">
-                <a:solidFill>
-                  <a:schemeClr val="tx1"/>
-                </a:solidFill>
-              </a:rPr>
-              <a:t>Research questions</a:t>
-            </a:r>
-          </a:p>
-          <a:p>
-            <a:pPr marL="457200" lvl="0" indent="-339287" algn="l" rtl="0">
-              <a:lnSpc>
-                <a:spcPct val="150000"/>
-              </a:lnSpc>
-              <a:spcBef>
-                <a:spcPts val="0"/>
-              </a:spcBef>
-              <a:spcAft>
-                <a:spcPts val="0"/>
-              </a:spcAft>
-              <a:buSzPct val="100000"/>
-              <a:buChar char="•"/>
-            </a:pPr>
-            <a:r>
-              <a:rPr lang="en-US" sz="1800" dirty="0">
-                <a:solidFill>
-                  <a:schemeClr val="tx1"/>
-                </a:solidFill>
-              </a:rPr>
-              <a:t>Research Objectives</a:t>
-            </a:r>
-            <a:endParaRPr sz="1800" dirty="0">
-              <a:solidFill>
-                <a:schemeClr val="tx1"/>
-              </a:solidFill>
-            </a:endParaRPr>
-          </a:p>
-          <a:p>
-            <a:pPr marL="457200" lvl="0" indent="-339287" algn="l" rtl="0">
-              <a:lnSpc>
-                <a:spcPct val="150000"/>
-              </a:lnSpc>
-              <a:spcBef>
-                <a:spcPts val="0"/>
-              </a:spcBef>
-              <a:spcAft>
-                <a:spcPts val="0"/>
-              </a:spcAft>
-              <a:buSzPct val="100000"/>
-              <a:buChar char="•"/>
-            </a:pPr>
-            <a:r>
-              <a:rPr lang="en-US" sz="1800" dirty="0">
-                <a:solidFill>
-                  <a:schemeClr val="tx1"/>
-                </a:solidFill>
-              </a:rPr>
-              <a:t>Proposed Methodology</a:t>
-            </a:r>
-            <a:endParaRPr sz="1800" dirty="0">
-              <a:solidFill>
-                <a:schemeClr val="tx1"/>
-              </a:solidFill>
-            </a:endParaRPr>
-          </a:p>
-          <a:p>
-            <a:pPr marL="457200" lvl="0" indent="-339287" algn="l" rtl="0">
-              <a:lnSpc>
-                <a:spcPct val="150000"/>
-              </a:lnSpc>
-              <a:spcBef>
-                <a:spcPts val="0"/>
-              </a:spcBef>
-              <a:spcAft>
-                <a:spcPts val="0"/>
-              </a:spcAft>
-              <a:buSzPct val="100000"/>
-              <a:buChar char="•"/>
-            </a:pPr>
-            <a:r>
-              <a:rPr lang="en-US" sz="1800" dirty="0">
-                <a:solidFill>
-                  <a:schemeClr val="tx1"/>
-                </a:solidFill>
-              </a:rPr>
-              <a:t>Results and discussion</a:t>
-            </a:r>
-            <a:endParaRPr sz="1800" dirty="0">
-              <a:solidFill>
-                <a:schemeClr val="tx1"/>
-              </a:solidFill>
-            </a:endParaRPr>
-          </a:p>
-          <a:p>
-            <a:pPr marL="457200" lvl="0" indent="-339287" algn="l" rtl="0">
-              <a:lnSpc>
-                <a:spcPct val="150000"/>
-              </a:lnSpc>
-              <a:spcBef>
-                <a:spcPts val="0"/>
-              </a:spcBef>
-              <a:spcAft>
-                <a:spcPts val="0"/>
-              </a:spcAft>
-              <a:buSzPct val="100000"/>
-              <a:buChar char="•"/>
-            </a:pPr>
-            <a:r>
-              <a:rPr lang="en-US" sz="1800" dirty="0">
-                <a:solidFill>
-                  <a:schemeClr val="tx1"/>
-                </a:solidFill>
-              </a:rPr>
-              <a:t>Conclusion </a:t>
-            </a:r>
-            <a:endParaRPr sz="1800" dirty="0">
-              <a:solidFill>
-                <a:schemeClr val="tx1"/>
-              </a:solidFill>
-            </a:endParaRPr>
-          </a:p>
-        </p:txBody>
-      </p:sp>
-    </p:spTree>
-  </p:cSld>
-  <p:clrMapOvr>
-    <a:masterClrMapping/>
-  </p:clrMapOvr>
-</p:sld>
-</file>
-
-<file path=ppt/slides/slide20.xml><?xml version="1.0" encoding="utf-8"?>
+<file path=ppt/slides/slide19.xml><?xml version="1.0" encoding="utf-8"?>
 <p:sld xmlns:a="http://schemas.openxmlformats.org/drawingml/2006/main" xmlns:r="http://schemas.openxmlformats.org/officeDocument/2006/relationships" xmlns:p="http://schemas.openxmlformats.org/presentationml/2006/main">
   <p:cSld>
     <p:spTree>
@@ -15069,6 +14486,73 @@
           </a:p>
         </p:txBody>
       </p:sp>
+      <p:sp>
+        <p:nvSpPr>
+          <p:cNvPr id="2" name="Rectangle 1"/>
+          <p:cNvSpPr/>
+          <p:nvPr/>
+        </p:nvSpPr>
+        <p:spPr>
+          <a:xfrm>
+            <a:off x="8274957" y="5788223"/>
+            <a:ext cx="3680816" cy="307777"/>
+          </a:xfrm>
+          <a:prstGeom prst="rect">
+            <a:avLst/>
+          </a:prstGeom>
+        </p:spPr>
+        <p:txBody>
+          <a:bodyPr wrap="none">
+            <a:spAutoFit/>
+          </a:bodyPr>
+          <a:lstStyle/>
+          <a:p>
+            <a:pPr algn="ctr">
+              <a:spcAft>
+                <a:spcPts val="1000"/>
+              </a:spcAft>
+            </a:pPr>
+            <a:r>
+              <a:rPr lang="en-US" dirty="0">
+                <a:solidFill>
+                  <a:schemeClr val="tx1"/>
+                </a:solidFill>
+                <a:latin typeface="Times New Roman" panose="02020603050405020304" pitchFamily="18" charset="0"/>
+                <a:ea typeface="Times New Roman" panose="02020603050405020304" pitchFamily="18" charset="0"/>
+              </a:rPr>
+              <a:t>Figure 3</a:t>
+            </a:r>
+            <a:r>
+              <a:rPr lang="en-US" dirty="0" smtClean="0">
+                <a:solidFill>
+                  <a:schemeClr val="tx1"/>
+                </a:solidFill>
+                <a:latin typeface="Times New Roman" panose="02020603050405020304" pitchFamily="18" charset="0"/>
+                <a:ea typeface="Times New Roman" panose="02020603050405020304" pitchFamily="18" charset="0"/>
+              </a:rPr>
+              <a:t>. </a:t>
+            </a:r>
+            <a:r>
+              <a:rPr lang="en-US" dirty="0">
+                <a:solidFill>
+                  <a:schemeClr val="tx1"/>
+                </a:solidFill>
+                <a:latin typeface="Times New Roman" panose="02020603050405020304" pitchFamily="18" charset="0"/>
+                <a:ea typeface="Times New Roman" panose="02020603050405020304" pitchFamily="18" charset="0"/>
+              </a:rPr>
+              <a:t>Pie Chart for Filled and Empty Classes</a:t>
+            </a:r>
+            <a:endParaRPr lang="en-US" sz="1000" i="1" dirty="0">
+              <a:solidFill>
+                <a:schemeClr val="tx1"/>
+              </a:solidFill>
+              <a:effectLst/>
+              <a:latin typeface="Times New Roman" panose="02020603050405020304" pitchFamily="18" charset="0"/>
+              <a:ea typeface="Times New Roman" panose="02020603050405020304" pitchFamily="18" charset="0"/>
+            </a:endParaRPr>
+          </a:p>
+        </p:txBody>
+      </p:sp>
     </p:spTree>
   </p:cSld>
   <p:clrMapOvr>
@@ -15077,7 +14561,408 @@
 </p:sld>
 </file>
 
-<file path=ppt/slides/slide21.xml><?xml version="1.0" encoding="utf-8"?>
+<file path=ppt/slides/slide2.xml><?xml version="1.0" encoding="utf-8"?>
+<p:sld xmlns:a="http://schemas.openxmlformats.org/drawingml/2006/main" xmlns:r="http://schemas.openxmlformats.org/officeDocument/2006/relationships" xmlns:p="http://schemas.openxmlformats.org/presentationml/2006/main">
+  <p:cSld>
+    <p:spTree>
+      <p:nvGrpSpPr>
+        <p:cNvPr id="1" name="Shape 94"/>
+        <p:cNvGrpSpPr/>
+        <p:nvPr/>
+      </p:nvGrpSpPr>
+      <p:grpSpPr>
+        <a:xfrm>
+          <a:off x="0" y="0"/>
+          <a:ext cx="0" cy="0"/>
+          <a:chOff x="0" y="0"/>
+          <a:chExt cx="0" cy="0"/>
+        </a:xfrm>
+      </p:grpSpPr>
+      <p:sp>
+        <p:nvSpPr>
+          <p:cNvPr id="95" name="Google Shape;95;g21976d05750_1_2"/>
+          <p:cNvSpPr txBox="1">
+            <a:spLocks noGrp="1"/>
+          </p:cNvSpPr>
+          <p:nvPr>
+            <p:ph type="title"/>
+          </p:nvPr>
+        </p:nvSpPr>
+        <p:spPr>
+          <a:xfrm>
+            <a:off x="1143000" y="609600"/>
+            <a:ext cx="9875400" cy="1356300"/>
+          </a:xfrm>
+          <a:prstGeom prst="rect">
+            <a:avLst/>
+          </a:prstGeom>
+        </p:spPr>
+        <p:txBody>
+          <a:bodyPr spcFirstLastPara="1" wrap="square" lIns="91425" tIns="45700" rIns="91425" bIns="45700" anchor="ctr" anchorCtr="0">
+            <a:normAutofit/>
+          </a:bodyPr>
+          <a:lstStyle/>
+          <a:p>
+            <a:pPr marL="0" lvl="0" indent="0" algn="l" rtl="0">
+              <a:spcBef>
+                <a:spcPts val="0"/>
+              </a:spcBef>
+              <a:spcAft>
+                <a:spcPts val="0"/>
+              </a:spcAft>
+              <a:buNone/>
+            </a:pPr>
+            <a:r>
+              <a:rPr lang="en-US" u="sng"/>
+              <a:t>OUTLINES</a:t>
+            </a:r>
+            <a:endParaRPr u="sng"/>
+          </a:p>
+        </p:txBody>
+      </p:sp>
+      <p:sp>
+        <p:nvSpPr>
+          <p:cNvPr id="96" name="Google Shape;96;g21976d05750_1_2"/>
+          <p:cNvSpPr txBox="1">
+            <a:spLocks noGrp="1"/>
+          </p:cNvSpPr>
+          <p:nvPr>
+            <p:ph type="body" idx="1"/>
+          </p:nvPr>
+        </p:nvSpPr>
+        <p:spPr>
+          <a:xfrm>
+            <a:off x="1143000" y="1626100"/>
+            <a:ext cx="10480800" cy="4611900"/>
+          </a:xfrm>
+          <a:prstGeom prst="rect">
+            <a:avLst/>
+          </a:prstGeom>
+        </p:spPr>
+        <p:txBody>
+          <a:bodyPr spcFirstLastPara="1" wrap="square" lIns="91425" tIns="45700" rIns="91425" bIns="45700" anchor="t" anchorCtr="0">
+            <a:noAutofit/>
+          </a:bodyPr>
+          <a:lstStyle/>
+          <a:p>
+            <a:pPr marL="457200" lvl="0" indent="-339287" algn="l" rtl="0">
+              <a:lnSpc>
+                <a:spcPct val="150000"/>
+              </a:lnSpc>
+              <a:spcBef>
+                <a:spcPts val="1400"/>
+              </a:spcBef>
+              <a:spcAft>
+                <a:spcPts val="0"/>
+              </a:spcAft>
+              <a:buSzPct val="100000"/>
+              <a:buChar char="•"/>
+            </a:pPr>
+            <a:r>
+              <a:rPr lang="en-US" sz="1800" dirty="0">
+                <a:solidFill>
+                  <a:schemeClr val="tx1"/>
+                </a:solidFill>
+              </a:rPr>
+              <a:t>Background</a:t>
+            </a:r>
+            <a:endParaRPr sz="1800" dirty="0">
+              <a:solidFill>
+                <a:schemeClr val="tx1"/>
+              </a:solidFill>
+            </a:endParaRPr>
+          </a:p>
+          <a:p>
+            <a:pPr marL="457200" lvl="0" indent="-339287" algn="l" rtl="0">
+              <a:lnSpc>
+                <a:spcPct val="150000"/>
+              </a:lnSpc>
+              <a:spcBef>
+                <a:spcPts val="0"/>
+              </a:spcBef>
+              <a:spcAft>
+                <a:spcPts val="0"/>
+              </a:spcAft>
+              <a:buSzPct val="100000"/>
+              <a:buChar char="•"/>
+            </a:pPr>
+            <a:r>
+              <a:rPr lang="en-US" sz="1800" dirty="0">
+                <a:solidFill>
+                  <a:schemeClr val="tx1"/>
+                </a:solidFill>
+              </a:rPr>
+              <a:t>Contributions of </a:t>
+            </a:r>
+            <a:r>
+              <a:rPr lang="en-US" sz="1800" dirty="0" smtClean="0">
+                <a:solidFill>
+                  <a:schemeClr val="tx1"/>
+                </a:solidFill>
+              </a:rPr>
+              <a:t>other </a:t>
+            </a:r>
+            <a:r>
+              <a:rPr lang="en-US" sz="1800" dirty="0">
+                <a:solidFill>
+                  <a:schemeClr val="tx1"/>
+                </a:solidFill>
+              </a:rPr>
+              <a:t>R</a:t>
+            </a:r>
+            <a:r>
+              <a:rPr lang="en-US" sz="1800" dirty="0" smtClean="0">
+                <a:solidFill>
+                  <a:schemeClr val="tx1"/>
+                </a:solidFill>
+              </a:rPr>
+              <a:t>esearchers</a:t>
+            </a:r>
+            <a:endParaRPr sz="1800" dirty="0">
+              <a:solidFill>
+                <a:schemeClr val="tx1"/>
+              </a:solidFill>
+            </a:endParaRPr>
+          </a:p>
+          <a:p>
+            <a:pPr marL="457200" lvl="0" indent="-339287" algn="l" rtl="0">
+              <a:lnSpc>
+                <a:spcPct val="150000"/>
+              </a:lnSpc>
+              <a:spcBef>
+                <a:spcPts val="0"/>
+              </a:spcBef>
+              <a:spcAft>
+                <a:spcPts val="0"/>
+              </a:spcAft>
+              <a:buSzPct val="100000"/>
+              <a:buChar char="•"/>
+            </a:pPr>
+            <a:r>
+              <a:rPr lang="en-US" sz="1800" dirty="0">
+                <a:solidFill>
+                  <a:schemeClr val="tx1"/>
+                </a:solidFill>
+              </a:rPr>
+              <a:t>Limitations, </a:t>
+            </a:r>
+            <a:r>
+              <a:rPr lang="en-US" sz="1800" dirty="0" smtClean="0">
+                <a:solidFill>
+                  <a:schemeClr val="tx1"/>
+                </a:solidFill>
+              </a:rPr>
+              <a:t>Issues </a:t>
+            </a:r>
+            <a:r>
+              <a:rPr lang="en-US" sz="1800" dirty="0">
+                <a:solidFill>
+                  <a:schemeClr val="tx1"/>
+                </a:solidFill>
+              </a:rPr>
+              <a:t>and </a:t>
+            </a:r>
+            <a:r>
+              <a:rPr lang="en-US" sz="1800" dirty="0" smtClean="0">
+                <a:solidFill>
+                  <a:schemeClr val="tx1"/>
+                </a:solidFill>
+              </a:rPr>
+              <a:t>Problems</a:t>
+            </a:r>
+            <a:endParaRPr sz="1800" dirty="0">
+              <a:solidFill>
+                <a:schemeClr val="tx1"/>
+              </a:solidFill>
+            </a:endParaRPr>
+          </a:p>
+          <a:p>
+            <a:pPr marL="457200" lvl="0" indent="-339287" algn="l" rtl="0">
+              <a:lnSpc>
+                <a:spcPct val="150000"/>
+              </a:lnSpc>
+              <a:spcBef>
+                <a:spcPts val="0"/>
+              </a:spcBef>
+              <a:spcAft>
+                <a:spcPts val="0"/>
+              </a:spcAft>
+              <a:buSzPct val="100000"/>
+              <a:buChar char="•"/>
+            </a:pPr>
+            <a:r>
+              <a:rPr lang="en-US" sz="1800" dirty="0" smtClean="0">
+                <a:solidFill>
+                  <a:schemeClr val="tx1"/>
+                </a:solidFill>
+              </a:rPr>
+              <a:t>Problem Statement</a:t>
+            </a:r>
+            <a:endParaRPr sz="1800" dirty="0">
+              <a:solidFill>
+                <a:schemeClr val="tx1"/>
+              </a:solidFill>
+            </a:endParaRPr>
+          </a:p>
+          <a:p>
+            <a:pPr marL="457200" lvl="0" indent="-339287" algn="l" rtl="0">
+              <a:lnSpc>
+                <a:spcPct val="150000"/>
+              </a:lnSpc>
+              <a:spcBef>
+                <a:spcPts val="0"/>
+              </a:spcBef>
+              <a:spcAft>
+                <a:spcPts val="0"/>
+              </a:spcAft>
+              <a:buSzPct val="100000"/>
+              <a:buChar char="•"/>
+            </a:pPr>
+            <a:r>
+              <a:rPr lang="en-US" sz="1800" dirty="0">
+                <a:solidFill>
+                  <a:schemeClr val="tx1"/>
+                </a:solidFill>
+              </a:rPr>
+              <a:t>Research </a:t>
+            </a:r>
+            <a:r>
+              <a:rPr lang="en-US" sz="1800" dirty="0" smtClean="0">
+                <a:solidFill>
+                  <a:schemeClr val="tx1"/>
+                </a:solidFill>
+              </a:rPr>
+              <a:t>Questions</a:t>
+            </a:r>
+            <a:endParaRPr lang="en-US" sz="1800" dirty="0">
+              <a:solidFill>
+                <a:schemeClr val="tx1"/>
+              </a:solidFill>
+            </a:endParaRPr>
+          </a:p>
+          <a:p>
+            <a:pPr marL="457200" lvl="0" indent="-339287" algn="l" rtl="0">
+              <a:lnSpc>
+                <a:spcPct val="150000"/>
+              </a:lnSpc>
+              <a:spcBef>
+                <a:spcPts val="0"/>
+              </a:spcBef>
+              <a:spcAft>
+                <a:spcPts val="0"/>
+              </a:spcAft>
+              <a:buSzPct val="100000"/>
+              <a:buChar char="•"/>
+            </a:pPr>
+            <a:r>
+              <a:rPr lang="en-US" sz="1800" dirty="0">
+                <a:solidFill>
+                  <a:schemeClr val="tx1"/>
+                </a:solidFill>
+              </a:rPr>
+              <a:t>Research Objectives</a:t>
+            </a:r>
+            <a:endParaRPr sz="1800" dirty="0">
+              <a:solidFill>
+                <a:schemeClr val="tx1"/>
+              </a:solidFill>
+            </a:endParaRPr>
+          </a:p>
+          <a:p>
+            <a:pPr marL="457200" lvl="0" indent="-339287" algn="l" rtl="0">
+              <a:lnSpc>
+                <a:spcPct val="150000"/>
+              </a:lnSpc>
+              <a:spcBef>
+                <a:spcPts val="0"/>
+              </a:spcBef>
+              <a:spcAft>
+                <a:spcPts val="0"/>
+              </a:spcAft>
+              <a:buSzPct val="100000"/>
+              <a:buChar char="•"/>
+            </a:pPr>
+            <a:r>
+              <a:rPr lang="en-US" sz="1800" dirty="0">
+                <a:solidFill>
+                  <a:schemeClr val="tx1"/>
+                </a:solidFill>
+              </a:rPr>
+              <a:t>Proposed Methodology</a:t>
+            </a:r>
+            <a:endParaRPr sz="1800" dirty="0">
+              <a:solidFill>
+                <a:schemeClr val="tx1"/>
+              </a:solidFill>
+            </a:endParaRPr>
+          </a:p>
+          <a:p>
+            <a:pPr marL="457200" lvl="0" indent="-339287" algn="l" rtl="0">
+              <a:lnSpc>
+                <a:spcPct val="150000"/>
+              </a:lnSpc>
+              <a:spcBef>
+                <a:spcPts val="0"/>
+              </a:spcBef>
+              <a:spcAft>
+                <a:spcPts val="0"/>
+              </a:spcAft>
+              <a:buSzPct val="100000"/>
+              <a:buChar char="•"/>
+            </a:pPr>
+            <a:r>
+              <a:rPr lang="en-US" sz="1800" dirty="0">
+                <a:solidFill>
+                  <a:schemeClr val="tx1"/>
+                </a:solidFill>
+              </a:rPr>
+              <a:t>Results and discussion</a:t>
+            </a:r>
+            <a:endParaRPr sz="1800" dirty="0">
+              <a:solidFill>
+                <a:schemeClr val="tx1"/>
+              </a:solidFill>
+            </a:endParaRPr>
+          </a:p>
+          <a:p>
+            <a:pPr marL="457200" lvl="0" indent="-339287" algn="l" rtl="0">
+              <a:lnSpc>
+                <a:spcPct val="150000"/>
+              </a:lnSpc>
+              <a:spcBef>
+                <a:spcPts val="0"/>
+              </a:spcBef>
+              <a:spcAft>
+                <a:spcPts val="0"/>
+              </a:spcAft>
+              <a:buSzPct val="100000"/>
+              <a:buChar char="•"/>
+            </a:pPr>
+            <a:r>
+              <a:rPr lang="en-US" sz="1800" dirty="0">
+                <a:solidFill>
+                  <a:schemeClr val="tx1"/>
+                </a:solidFill>
+              </a:rPr>
+              <a:t>Conclusion </a:t>
+            </a:r>
+            <a:endParaRPr sz="1800" dirty="0">
+              <a:solidFill>
+                <a:schemeClr val="tx1"/>
+              </a:solidFill>
+            </a:endParaRPr>
+          </a:p>
+        </p:txBody>
+      </p:sp>
+    </p:spTree>
+  </p:cSld>
+  <p:clrMapOvr>
+    <a:masterClrMapping/>
+  </p:clrMapOvr>
+</p:sld>
+</file>
+
+<file path=ppt/slides/slide20.xml><?xml version="1.0" encoding="utf-8"?>
 <p:sld xmlns:a="http://schemas.openxmlformats.org/drawingml/2006/main" xmlns:r="http://schemas.openxmlformats.org/officeDocument/2006/relationships" xmlns:p="http://schemas.openxmlformats.org/presentationml/2006/main">
   <p:cSld>
     <p:spTree>
@@ -15126,7 +15011,7 @@
               <a:buNone/>
             </a:pPr>
             <a:r>
-              <a:rPr lang="en-US" b="1" dirty="0">
+              <a:rPr lang="en-US" sz="2400" b="1" dirty="0">
                 <a:solidFill>
                   <a:schemeClr val="tx1"/>
                 </a:solidFill>
@@ -15198,7 +15083,7 @@
               <a:t> models excelled with accuracy scores over </a:t>
             </a:r>
             <a:r>
-              <a:rPr lang="en-US" b="1" dirty="0">
+              <a:rPr lang="en-US" b="1" dirty="0" smtClean="0">
                 <a:solidFill>
                   <a:schemeClr val="tx1"/>
                 </a:solidFill>
@@ -15206,13 +15091,18 @@
               <a:t>98%</a:t>
             </a:r>
             <a:r>
-              <a:rPr lang="en-US" dirty="0">
+              <a:rPr lang="en-US" dirty="0" smtClean="0">
                 <a:solidFill>
                   <a:schemeClr val="tx1"/>
                 </a:solidFill>
               </a:rPr>
               <a:t>.</a:t>
             </a:r>
+            <a:endParaRPr lang="en-US" dirty="0">
+              <a:solidFill>
+                <a:schemeClr val="tx1"/>
+              </a:solidFill>
+            </a:endParaRPr>
           </a:p>
           <a:p>
             <a:r>
@@ -15277,78 +15167,8 @@
         </p:blipFill>
         <p:spPr>
           <a:xfrm>
-            <a:off x="7176120" y="1806571"/>
+            <a:off x="7176120" y="1230507"/>
             <a:ext cx="4680000" cy="2702549"/>
-          </a:xfrm>
-          <a:prstGeom prst="rect">
-            <a:avLst/>
-          </a:prstGeom>
-        </p:spPr>
-      </p:pic>
-      <p:sp>
-        <p:nvSpPr>
-          <p:cNvPr id="5" name="TextBox 4">
-            <a:extLst>
-              <a:ext uri="{FF2B5EF4-FFF2-40B4-BE49-F238E27FC236}">
-                <a16:creationId xmlns="" xmlns:a16="http://schemas.microsoft.com/office/drawing/2014/main" id="{891E77B0-CB89-569F-E33C-67866CBE2D0A}"/>
-              </a:ext>
-            </a:extLst>
-          </p:cNvPr>
-          <p:cNvSpPr txBox="1"/>
-          <p:nvPr/>
-        </p:nvSpPr>
-        <p:spPr>
-          <a:xfrm>
-            <a:off x="8544272" y="3539262"/>
-            <a:ext cx="2304256" cy="307777"/>
-          </a:xfrm>
-          <a:prstGeom prst="rect">
-            <a:avLst/>
-          </a:prstGeom>
-          <a:noFill/>
-        </p:spPr>
-        <p:txBody>
-          <a:bodyPr wrap="square">
-            <a:spAutoFit/>
-          </a:bodyPr>
-          <a:lstStyle/>
-          <a:p>
-            <a:r>
-              <a:rPr lang="en-US" sz="1400" dirty="0">
-                <a:effectLst/>
-                <a:latin typeface="Times New Roman" panose="02020603050405020304" pitchFamily="18" charset="0"/>
-                <a:ea typeface="Times New Roman" panose="02020603050405020304" pitchFamily="18" charset="0"/>
-              </a:rPr>
-              <a:t>Plotted Images from Dataset</a:t>
-            </a:r>
-            <a:endParaRPr lang="en-PK" dirty="0"/>
-          </a:p>
-        </p:txBody>
-      </p:sp>
-      <p:pic>
-        <p:nvPicPr>
-          <p:cNvPr id="9" name="Picture 8">
-            <a:extLst>
-              <a:ext uri="{FF2B5EF4-FFF2-40B4-BE49-F238E27FC236}">
-                <a16:creationId xmlns="" xmlns:a16="http://schemas.microsoft.com/office/drawing/2014/main" id="{719AF1D3-EB5E-F264-285B-01FC2E3D5979}"/>
-              </a:ext>
-            </a:extLst>
-          </p:cNvPr>
-          <p:cNvPicPr>
-            <a:picLocks noChangeAspect="1"/>
-          </p:cNvPicPr>
-          <p:nvPr/>
-        </p:nvPicPr>
-        <p:blipFill>
-          <a:blip r:embed="rId4"/>
-          <a:stretch>
-            <a:fillRect/>
-          </a:stretch>
-        </p:blipFill>
-        <p:spPr>
-          <a:xfrm>
-            <a:off x="6888088" y="4941168"/>
-            <a:ext cx="5040560" cy="1057423"/>
           </a:xfrm>
           <a:prstGeom prst="rect">
             <a:avLst/>
@@ -15369,8 +15189,8 @@
         </p:nvSpPr>
         <p:spPr>
           <a:xfrm>
-            <a:off x="7176120" y="5946576"/>
-            <a:ext cx="4464496" cy="523220"/>
+            <a:off x="6960096" y="5877272"/>
+            <a:ext cx="5015880" cy="307777"/>
           </a:xfrm>
           <a:prstGeom prst="rect">
             <a:avLst/>
@@ -15383,6 +15203,18 @@
           </a:bodyPr>
           <a:lstStyle/>
           <a:p>
+            <a:pPr algn="ctr"/>
+            <a:r>
+              <a:rPr lang="en-US" sz="1400" dirty="0" smtClean="0">
+                <a:solidFill>
+                  <a:srgbClr val="000000"/>
+                </a:solidFill>
+                <a:effectLst/>
+                <a:latin typeface="Times New Roman" panose="02020603050405020304" pitchFamily="18" charset="0"/>
+                <a:ea typeface="Times New Roman" panose="02020603050405020304" pitchFamily="18" charset="0"/>
+              </a:rPr>
+              <a:t>Table 1. </a:t>
+            </a:r>
             <a:r>
               <a:rPr lang="en-US" sz="1400" dirty="0">
                 <a:solidFill>
@@ -15392,7 +15224,18 @@
                 <a:latin typeface="Times New Roman" panose="02020603050405020304" pitchFamily="18" charset="0"/>
                 <a:ea typeface="Times New Roman" panose="02020603050405020304" pitchFamily="18" charset="0"/>
               </a:rPr>
-              <a:t>Table. Accuracy Achieved with Different Deep Learning Models</a:t>
+              <a:t>Accuracy Achieved with Different Deep </a:t>
+            </a:r>
+            <a:r>
+              <a:rPr lang="en-US" sz="1400" dirty="0" smtClean="0">
+                <a:solidFill>
+                  <a:srgbClr val="000000"/>
+                </a:solidFill>
+                <a:effectLst/>
+                <a:latin typeface="Times New Roman" panose="02020603050405020304" pitchFamily="18" charset="0"/>
+                <a:ea typeface="Times New Roman" panose="02020603050405020304" pitchFamily="18" charset="0"/>
+              </a:rPr>
+              <a:t>Learning Models</a:t>
             </a:r>
             <a:endParaRPr lang="en-PK" dirty="0"/>
           </a:p>
@@ -15426,6 +15269,88 @@
           </a:p>
         </p:txBody>
       </p:sp>
+      <p:pic>
+        <p:nvPicPr>
+          <p:cNvPr id="6" name="Picture 5"/>
+          <p:cNvPicPr>
+            <a:picLocks noChangeAspect="1"/>
+          </p:cNvPicPr>
+          <p:nvPr/>
+        </p:nvPicPr>
+        <p:blipFill>
+          <a:blip r:embed="rId4"/>
+          <a:stretch>
+            <a:fillRect/>
+          </a:stretch>
+        </p:blipFill>
+        <p:spPr>
+          <a:xfrm>
+            <a:off x="7248128" y="4812014"/>
+            <a:ext cx="3947502" cy="944962"/>
+          </a:xfrm>
+          <a:prstGeom prst="rect">
+            <a:avLst/>
+          </a:prstGeom>
+        </p:spPr>
+      </p:pic>
+      <p:sp>
+        <p:nvSpPr>
+          <p:cNvPr id="10" name="Rectangle 9"/>
+          <p:cNvSpPr/>
+          <p:nvPr/>
+        </p:nvSpPr>
+        <p:spPr>
+          <a:xfrm>
+            <a:off x="8040216" y="3985319"/>
+            <a:ext cx="2927404" cy="307777"/>
+          </a:xfrm>
+          <a:prstGeom prst="rect">
+            <a:avLst/>
+          </a:prstGeom>
+        </p:spPr>
+        <p:txBody>
+          <a:bodyPr wrap="none">
+            <a:spAutoFit/>
+          </a:bodyPr>
+          <a:lstStyle/>
+          <a:p>
+            <a:pPr algn="ctr">
+              <a:spcAft>
+                <a:spcPts val="1000"/>
+              </a:spcAft>
+            </a:pPr>
+            <a:r>
+              <a:rPr lang="en-US" dirty="0">
+                <a:latin typeface="Times New Roman" panose="02020603050405020304" pitchFamily="18" charset="0"/>
+                <a:ea typeface="Times New Roman" panose="02020603050405020304" pitchFamily="18" charset="0"/>
+              </a:rPr>
+              <a:t>Figure 4</a:t>
+            </a:r>
+            <a:r>
+              <a:rPr lang="en-US" dirty="0" smtClean="0">
+                <a:latin typeface="Times New Roman" panose="02020603050405020304" pitchFamily="18" charset="0"/>
+                <a:ea typeface="Times New Roman" panose="02020603050405020304" pitchFamily="18" charset="0"/>
+              </a:rPr>
+              <a:t>. </a:t>
+            </a:r>
+            <a:r>
+              <a:rPr lang="en-US" dirty="0">
+                <a:latin typeface="Times New Roman" panose="02020603050405020304" pitchFamily="18" charset="0"/>
+                <a:ea typeface="Times New Roman" panose="02020603050405020304" pitchFamily="18" charset="0"/>
+              </a:rPr>
+              <a:t>Plotted Images from Dataset</a:t>
+            </a:r>
+            <a:endParaRPr lang="en-US" sz="1000" i="1" dirty="0">
+              <a:solidFill>
+                <a:srgbClr val="1F497D"/>
+              </a:solidFill>
+              <a:effectLst/>
+              <a:latin typeface="Times New Roman" panose="02020603050405020304" pitchFamily="18" charset="0"/>
+              <a:ea typeface="Times New Roman" panose="02020603050405020304" pitchFamily="18" charset="0"/>
+            </a:endParaRPr>
+          </a:p>
+        </p:txBody>
+      </p:sp>
     </p:spTree>
     <p:extLst>
       <p:ext uri="{BB962C8B-B14F-4D97-AF65-F5344CB8AC3E}">
@@ -15439,7 +15364,7 @@
 </p:sld>
 </file>
 
-<file path=ppt/slides/slide22.xml><?xml version="1.0" encoding="utf-8"?>
+<file path=ppt/slides/slide21.xml><?xml version="1.0" encoding="utf-8"?>
 <p:sld xmlns:a="http://schemas.openxmlformats.org/drawingml/2006/main" xmlns:r="http://schemas.openxmlformats.org/officeDocument/2006/relationships" xmlns:p="http://schemas.openxmlformats.org/presentationml/2006/main">
   <p:cSld>
     <p:spTree>
@@ -15486,7 +15411,7 @@
               <a:buNone/>
             </a:pPr>
             <a:r>
-              <a:rPr lang="en-US" b="1" dirty="0">
+              <a:rPr lang="en-US" sz="2400" b="1" dirty="0">
                 <a:solidFill>
                   <a:schemeClr val="tx1"/>
                 </a:solidFill>
@@ -15708,7 +15633,7 @@
         </p:blipFill>
         <p:spPr>
           <a:xfrm>
-            <a:off x="7824552" y="1196752"/>
+            <a:off x="7824552" y="764704"/>
             <a:ext cx="3240000" cy="5358741"/>
           </a:xfrm>
           <a:prstGeom prst="rect">
@@ -15744,6 +15669,73 @@
           </a:p>
         </p:txBody>
       </p:sp>
+      <p:sp>
+        <p:nvSpPr>
+          <p:cNvPr id="2" name="Rectangle 1"/>
+          <p:cNvSpPr/>
+          <p:nvPr/>
+        </p:nvSpPr>
+        <p:spPr>
+          <a:xfrm>
+            <a:off x="8229115" y="6123445"/>
+            <a:ext cx="2840842" cy="307777"/>
+          </a:xfrm>
+          <a:prstGeom prst="rect">
+            <a:avLst/>
+          </a:prstGeom>
+        </p:spPr>
+        <p:txBody>
+          <a:bodyPr wrap="none">
+            <a:spAutoFit/>
+          </a:bodyPr>
+          <a:lstStyle/>
+          <a:p>
+            <a:pPr algn="ctr">
+              <a:spcAft>
+                <a:spcPts val="1000"/>
+              </a:spcAft>
+            </a:pPr>
+            <a:r>
+              <a:rPr lang="en-US" dirty="0">
+                <a:solidFill>
+                  <a:schemeClr val="tx1"/>
+                </a:solidFill>
+                <a:latin typeface="Times New Roman" panose="02020603050405020304" pitchFamily="18" charset="0"/>
+                <a:ea typeface="Times New Roman" panose="02020603050405020304" pitchFamily="18" charset="0"/>
+              </a:rPr>
+              <a:t>Figure 5</a:t>
+            </a:r>
+            <a:r>
+              <a:rPr lang="en-US" dirty="0" smtClean="0">
+                <a:solidFill>
+                  <a:schemeClr val="tx1"/>
+                </a:solidFill>
+                <a:latin typeface="Times New Roman" panose="02020603050405020304" pitchFamily="18" charset="0"/>
+                <a:ea typeface="Times New Roman" panose="02020603050405020304" pitchFamily="18" charset="0"/>
+              </a:rPr>
+              <a:t>. </a:t>
+            </a:r>
+            <a:r>
+              <a:rPr lang="en-US" dirty="0">
+                <a:solidFill>
+                  <a:schemeClr val="tx1"/>
+                </a:solidFill>
+                <a:latin typeface="Times New Roman" panose="02020603050405020304" pitchFamily="18" charset="0"/>
+                <a:ea typeface="Times New Roman" panose="02020603050405020304" pitchFamily="18" charset="0"/>
+              </a:rPr>
+              <a:t>Dataset Accuracy and Loss</a:t>
+            </a:r>
+            <a:endParaRPr lang="en-US" sz="1000" i="1" dirty="0">
+              <a:solidFill>
+                <a:schemeClr val="tx1"/>
+              </a:solidFill>
+              <a:effectLst/>
+              <a:latin typeface="Times New Roman" panose="02020603050405020304" pitchFamily="18" charset="0"/>
+              <a:ea typeface="Times New Roman" panose="02020603050405020304" pitchFamily="18" charset="0"/>
+            </a:endParaRPr>
+          </a:p>
+        </p:txBody>
+      </p:sp>
     </p:spTree>
     <p:extLst>
       <p:ext uri="{BB962C8B-B14F-4D97-AF65-F5344CB8AC3E}">
@@ -15757,7 +15749,7 @@
 </p:sld>
 </file>
 
-<file path=ppt/slides/slide23.xml><?xml version="1.0" encoding="utf-8"?>
+<file path=ppt/slides/slide22.xml><?xml version="1.0" encoding="utf-8"?>
 <p:sld xmlns:a="http://schemas.openxmlformats.org/drawingml/2006/main" xmlns:r="http://schemas.openxmlformats.org/officeDocument/2006/relationships" xmlns:p="http://schemas.openxmlformats.org/presentationml/2006/main">
   <p:cSld>
     <p:spTree>
@@ -15945,7 +15937,7 @@
 </p:sld>
 </file>
 
-<file path=ppt/slides/slide24.xml><?xml version="1.0" encoding="utf-8"?>
+<file path=ppt/slides/slide23.xml><?xml version="1.0" encoding="utf-8"?>
 <p:sld xmlns:a="http://schemas.openxmlformats.org/drawingml/2006/main" xmlns:r="http://schemas.openxmlformats.org/officeDocument/2006/relationships" xmlns:p="http://schemas.openxmlformats.org/presentationml/2006/main">
   <p:cSld>
     <p:spTree>
@@ -16469,19 +16461,27 @@
             </a:r>
             <a:r>
               <a:rPr lang="en-US" dirty="0"/>
-              <a:t>parking systems use sensors and technology for real-time parking data.</a:t>
+              <a:t>parking systems use sensors and technology for real-time parking </a:t>
+            </a:r>
+            <a:r>
+              <a:rPr lang="en-US" dirty="0" smtClean="0"/>
+              <a:t>data.</a:t>
             </a:r>
           </a:p>
           <a:p>
             <a:r>
-              <a:rPr lang="en-US" dirty="0"/>
+              <a:rPr lang="en-US" dirty="0" smtClean="0"/>
               <a:t>Data is sent to a central cloud server for user access.</a:t>
             </a:r>
           </a:p>
           <a:p>
             <a:r>
+              <a:rPr lang="en-US" dirty="0" smtClean="0"/>
+              <a:t>User-friendly </a:t>
+            </a:r>
+            <a:r>
               <a:rPr lang="en-US" dirty="0"/>
-              <a:t>User-friendly apps and websites offer parking info, reservations, and payments.</a:t>
+              <a:t>apps and websites offer parking info, reservations, and payments.</a:t>
             </a:r>
           </a:p>
           <a:p>
@@ -16506,14 +16506,14 @@
           <p:nvPr/>
         </p:nvPicPr>
         <p:blipFill>
-          <a:blip r:embed="rId2"/>
+          <a:blip r:embed="rId3"/>
           <a:stretch>
             <a:fillRect/>
           </a:stretch>
         </p:blipFill>
         <p:spPr>
           <a:xfrm>
-            <a:off x="8184232" y="1631285"/>
+            <a:off x="8172739" y="620688"/>
             <a:ext cx="3729608" cy="4894059"/>
           </a:xfrm>
           <a:prstGeom prst="rect">
@@ -16521,6 +16521,37 @@
           </a:prstGeom>
         </p:spPr>
       </p:pic>
+      <p:sp>
+        <p:nvSpPr>
+          <p:cNvPr id="6" name="TextBox 5"/>
+          <p:cNvSpPr txBox="1"/>
+          <p:nvPr/>
+        </p:nvSpPr>
+        <p:spPr>
+          <a:xfrm>
+            <a:off x="8199040" y="5733256"/>
+            <a:ext cx="3585592" cy="523220"/>
+          </a:xfrm>
+          <a:prstGeom prst="rect">
+            <a:avLst/>
+          </a:prstGeom>
+          <a:noFill/>
+        </p:spPr>
+        <p:txBody>
+          <a:bodyPr wrap="square" rtlCol="0">
+            <a:spAutoFit/>
+          </a:bodyPr>
+          <a:lstStyle/>
+          <a:p>
+            <a:pPr algn="ctr"/>
+            <a:r>
+              <a:rPr lang="en-US" dirty="0" smtClean="0"/>
+              <a:t>Figure 1. Layer Architecture for Integrated Smart Parking System</a:t>
+            </a:r>
+            <a:endParaRPr lang="en-US" dirty="0"/>
+          </a:p>
+        </p:txBody>
+      </p:sp>
     </p:spTree>
     <p:extLst>
       <p:ext uri="{BB962C8B-B14F-4D97-AF65-F5344CB8AC3E}">
@@ -16612,14 +16643,14 @@
           <p:nvPr>
             <p:extLst>
               <p:ext uri="{D42A27DB-BD31-4B8C-83A1-F6EECF244321}">
-                <p14:modId xmlns:p14="http://schemas.microsoft.com/office/powerpoint/2010/main" val="3665395971"/>
+                <p14:modId xmlns:p14="http://schemas.microsoft.com/office/powerpoint/2010/main" val="1208628732"/>
               </p:ext>
             </p:extLst>
           </p:nvPr>
         </p:nvGraphicFramePr>
         <p:xfrm>
           <a:off x="1143000" y="2060848"/>
-          <a:ext cx="10281592" cy="3456385"/>
+          <a:ext cx="10281592" cy="3272784"/>
         </p:xfrm>
         <a:graphic>
           <a:graphicData uri="http://schemas.openxmlformats.org/drawingml/2006/table">
@@ -16812,7 +16843,7 @@
                   <a:tcPr/>
                 </a:tc>
               </a:tr>
-              <a:tr h="937294">
+              <a:tr h="753693">
                 <a:tc gridSpan="3">
                   <a:txBody>
                     <a:bodyPr/>
@@ -17219,14 +17250,14 @@
           <p:nvPr>
             <p:extLst>
               <p:ext uri="{D42A27DB-BD31-4B8C-83A1-F6EECF244321}">
-                <p14:modId xmlns:p14="http://schemas.microsoft.com/office/powerpoint/2010/main" val="3129982094"/>
+                <p14:modId xmlns:p14="http://schemas.microsoft.com/office/powerpoint/2010/main" val="2535640683"/>
               </p:ext>
             </p:extLst>
           </p:nvPr>
         </p:nvGraphicFramePr>
         <p:xfrm>
           <a:off x="937399" y="2132854"/>
-          <a:ext cx="10343177" cy="3744419"/>
+          <a:ext cx="10343177" cy="3675362"/>
         </p:xfrm>
         <a:graphic>
           <a:graphicData uri="http://schemas.openxmlformats.org/drawingml/2006/table">
@@ -17471,7 +17502,7 @@
                   <a:tcPr/>
                 </a:tc>
               </a:tr>
-              <a:tr h="1295489">
+              <a:tr h="1226432">
                 <a:tc gridSpan="3">
                   <a:txBody>
                     <a:bodyPr/>
@@ -17980,33 +18011,6 @@
           <a:chExt cx="0" cy="0"/>
         </a:xfrm>
       </p:grpSpPr>
-      <p:sp>
-        <p:nvSpPr>
-          <p:cNvPr id="2" name="Title 1"/>
-          <p:cNvSpPr>
-            <a:spLocks noGrp="1"/>
-          </p:cNvSpPr>
-          <p:nvPr>
-            <p:ph type="title"/>
-          </p:nvPr>
-        </p:nvSpPr>
-        <p:spPr>
-          <a:xfrm>
-            <a:off x="983432" y="56416"/>
-            <a:ext cx="9875520" cy="1356360"/>
-          </a:xfrm>
-        </p:spPr>
-        <p:txBody>
-          <a:bodyPr/>
-          <a:lstStyle/>
-          <a:p>
-            <a:r>
-              <a:rPr lang="en-US" dirty="0"/>
-              <a:t>CONTINUE…</a:t>
-            </a:r>
-          </a:p>
-        </p:txBody>
-      </p:sp>
       <p:graphicFrame>
         <p:nvGraphicFramePr>
           <p:cNvPr id="4" name="Table 3"/>
@@ -18016,14 +18020,14 @@
           <p:nvPr>
             <p:extLst>
               <p:ext uri="{D42A27DB-BD31-4B8C-83A1-F6EECF244321}">
-                <p14:modId xmlns:p14="http://schemas.microsoft.com/office/powerpoint/2010/main" val="2043388391"/>
+                <p14:modId xmlns:p14="http://schemas.microsoft.com/office/powerpoint/2010/main" val="1041806118"/>
               </p:ext>
             </p:extLst>
           </p:nvPr>
         </p:nvGraphicFramePr>
         <p:xfrm>
-          <a:off x="983432" y="1263352"/>
-          <a:ext cx="10369151" cy="5334000"/>
+          <a:off x="983432" y="2117576"/>
+          <a:ext cx="10369151" cy="2895600"/>
         </p:xfrm>
         <a:graphic>
           <a:graphicData uri="http://schemas.openxmlformats.org/drawingml/2006/table">
@@ -18353,7 +18357,20 @@
                           <a:cs typeface="+mn-cs"/>
                           <a:sym typeface="Arial"/>
                         </a:rPr>
-                        <a:t>R-CNN (Square, 256)</a:t>
+                        <a:t>R-CNN (</a:t>
+                      </a:r>
+                      <a:r>
+                        <a:rPr lang="en-US" sz="1400" b="0" i="0" u="none" strike="noStrike" cap="none" dirty="0" smtClean="0">
+                          <a:solidFill>
+                            <a:schemeClr val="dk1"/>
+                          </a:solidFill>
+                          <a:effectLst/>
+                          <a:latin typeface="+mn-lt"/>
+                          <a:ea typeface="+mn-ea"/>
+                          <a:cs typeface="+mn-cs"/>
+                          <a:sym typeface="Arial"/>
+                        </a:rPr>
+                        <a:t>Square)</a:t>
                       </a:r>
                       <a:endParaRPr lang="en-US" dirty="0"/>
                     </a:p>
@@ -18405,7 +18422,7 @@
                           <a:cs typeface="+mn-cs"/>
                           <a:sym typeface="Arial"/>
                         </a:rPr>
-                        <a:t>97.62% ± 0.07%</a:t>
+                        <a:t>97.97%</a:t>
                       </a:r>
                       <a:endParaRPr lang="en-US" dirty="0"/>
                     </a:p>
@@ -18430,7 +18447,7 @@
                           <a:cs typeface="+mn-cs"/>
                           <a:sym typeface="Arial"/>
                         </a:rPr>
-                        <a:t>R-CNN (Square, 128)</a:t>
+                        <a:t>R-CNN (Quadrilateral)</a:t>
                       </a:r>
                       <a:endParaRPr lang="en-US" dirty="0"/>
                     </a:p>
@@ -18478,7 +18495,7 @@
                           <a:cs typeface="+mn-cs"/>
                           <a:sym typeface="Arial"/>
                         </a:rPr>
-                        <a:t>97.97% ± 0.07%</a:t>
+                        <a:t>96.63%</a:t>
                       </a:r>
                       <a:endParaRPr lang="en-US" dirty="0"/>
                     </a:p>
@@ -18503,7 +18520,7 @@
                           <a:cs typeface="+mn-cs"/>
                           <a:sym typeface="Arial"/>
                         </a:rPr>
-                        <a:t>R-CNN (Square, 64)</a:t>
+                        <a:t>Faster R-CNN FPN (Square)</a:t>
                       </a:r>
                       <a:endParaRPr lang="en-US" dirty="0"/>
                     </a:p>
@@ -18551,7 +18568,7 @@
                           <a:cs typeface="+mn-cs"/>
                           <a:sym typeface="Arial"/>
                         </a:rPr>
-                        <a:t>97.73% ± 0.13%</a:t>
+                        <a:t>98.52%</a:t>
                       </a:r>
                       <a:endParaRPr lang="en-US" dirty="0"/>
                     </a:p>
@@ -18576,7 +18593,7 @@
                           <a:cs typeface="+mn-cs"/>
                           <a:sym typeface="Arial"/>
                         </a:rPr>
-                        <a:t>R-CNN (Quadrilateral, 256)</a:t>
+                        <a:t>Faster R-CNN FPN (Quadrilateral)</a:t>
                       </a:r>
                       <a:endParaRPr lang="en-US" dirty="0"/>
                     </a:p>
@@ -18624,646 +18641,7 @@
                           <a:cs typeface="+mn-cs"/>
                           <a:sym typeface="Arial"/>
                         </a:rPr>
-                        <a:t>96.08% ± 0.12%</a:t>
-                      </a:r>
-                      <a:endParaRPr lang="en-US" dirty="0"/>
-                    </a:p>
-                  </a:txBody>
-                  <a:tcPr/>
-                </a:tc>
-              </a:tr>
-              <a:tr h="275688">
-                <a:tc>
-                  <a:txBody>
-                    <a:bodyPr/>
-                    <a:lstStyle/>
-                    <a:p>
-                      <a:pPr marL="0" marR="0" indent="0" algn="l" defTabSz="914400" rtl="0" eaLnBrk="1" fontAlgn="auto" latinLnBrk="0" hangingPunct="1">
-                        <a:lnSpc>
-                          <a:spcPct val="100000"/>
-                        </a:lnSpc>
-                        <a:spcBef>
-                          <a:spcPts val="0"/>
-                        </a:spcBef>
-                        <a:spcAft>
-                          <a:spcPts val="0"/>
-                        </a:spcAft>
-                        <a:buClr>
-                          <a:srgbClr val="000000"/>
-                        </a:buClr>
-                        <a:buSzTx/>
-                        <a:buFont typeface="Arial"/>
-                        <a:buNone/>
-                        <a:tabLst/>
-                        <a:defRPr/>
-                      </a:pPr>
-                      <a:r>
-                        <a:rPr lang="en-US" sz="1400" b="0" i="0" u="none" strike="noStrike" cap="none" dirty="0" smtClean="0">
-                          <a:solidFill>
-                            <a:schemeClr val="dk1"/>
-                          </a:solidFill>
-                          <a:effectLst/>
-                          <a:latin typeface="+mn-lt"/>
-                          <a:ea typeface="+mn-ea"/>
-                          <a:cs typeface="+mn-cs"/>
-                          <a:sym typeface="Arial"/>
-                        </a:rPr>
-                        <a:t>R-CNN (Quadrilateral, 128)</a:t>
-                      </a:r>
-                      <a:endParaRPr lang="en-US" dirty="0" smtClean="0"/>
-                    </a:p>
-                  </a:txBody>
-                  <a:tcPr/>
-                </a:tc>
-                <a:tc>
-                  <a:txBody>
-                    <a:bodyPr/>
-                    <a:lstStyle/>
-                    <a:p>
-                      <a:r>
-                        <a:rPr lang="en-US" sz="1400" b="0" i="0" u="none" strike="noStrike" cap="none" dirty="0" smtClean="0">
-                          <a:solidFill>
-                            <a:schemeClr val="dk1"/>
-                          </a:solidFill>
-                          <a:effectLst/>
-                          <a:latin typeface="+mn-lt"/>
-                          <a:ea typeface="+mn-ea"/>
-                          <a:cs typeface="+mn-cs"/>
-                          <a:sym typeface="Arial"/>
-                        </a:rPr>
-                        <a:t>ACPDS</a:t>
-                      </a:r>
-                      <a:endParaRPr lang="en-US" dirty="0">
-                        <a:effectLst/>
-                      </a:endParaRPr>
-                    </a:p>
-                  </a:txBody>
-                  <a:tcPr anchor="ctr"/>
-                </a:tc>
-                <a:tc>
-                  <a:txBody>
-                    <a:bodyPr/>
-                    <a:lstStyle/>
-                    <a:p>
-                      <a:r>
-                        <a:rPr lang="en-US" sz="1400" b="0" i="0" u="none" strike="noStrike" cap="none" dirty="0" smtClean="0">
-                          <a:solidFill>
-                            <a:schemeClr val="dk1"/>
-                          </a:solidFill>
-                          <a:effectLst/>
-                          <a:latin typeface="+mn-lt"/>
-                          <a:ea typeface="+mn-ea"/>
-                          <a:cs typeface="+mn-cs"/>
-                          <a:sym typeface="Arial"/>
-                        </a:rPr>
-                        <a:t>96.63% ± 0.15%</a:t>
-                      </a:r>
-                      <a:endParaRPr lang="en-US" dirty="0"/>
-                    </a:p>
-                  </a:txBody>
-                  <a:tcPr/>
-                </a:tc>
-              </a:tr>
-              <a:tr h="275688">
-                <a:tc>
-                  <a:txBody>
-                    <a:bodyPr/>
-                    <a:lstStyle/>
-                    <a:p>
-                      <a:pPr marL="0" marR="0" indent="0" algn="l" defTabSz="914400" rtl="0" eaLnBrk="1" fontAlgn="auto" latinLnBrk="0" hangingPunct="1">
-                        <a:lnSpc>
-                          <a:spcPct val="100000"/>
-                        </a:lnSpc>
-                        <a:spcBef>
-                          <a:spcPts val="0"/>
-                        </a:spcBef>
-                        <a:spcAft>
-                          <a:spcPts val="0"/>
-                        </a:spcAft>
-                        <a:buClr>
-                          <a:srgbClr val="000000"/>
-                        </a:buClr>
-                        <a:buSzTx/>
-                        <a:buFont typeface="Arial"/>
-                        <a:buNone/>
-                        <a:tabLst/>
-                        <a:defRPr/>
-                      </a:pPr>
-                      <a:r>
-                        <a:rPr lang="en-US" sz="1400" b="0" i="0" u="none" strike="noStrike" cap="none" dirty="0" smtClean="0">
-                          <a:solidFill>
-                            <a:schemeClr val="dk1"/>
-                          </a:solidFill>
-                          <a:effectLst/>
-                          <a:latin typeface="+mn-lt"/>
-                          <a:ea typeface="+mn-ea"/>
-                          <a:cs typeface="+mn-cs"/>
-                          <a:sym typeface="Arial"/>
-                        </a:rPr>
-                        <a:t>R-CNN (Quadrilateral, 64)</a:t>
-                      </a:r>
-                      <a:endParaRPr lang="en-US" dirty="0" smtClean="0"/>
-                    </a:p>
-                  </a:txBody>
-                  <a:tcPr/>
-                </a:tc>
-                <a:tc>
-                  <a:txBody>
-                    <a:bodyPr/>
-                    <a:lstStyle/>
-                    <a:p>
-                      <a:r>
-                        <a:rPr lang="en-US" sz="1400" b="0" i="0" u="none" strike="noStrike" cap="none" dirty="0" smtClean="0">
-                          <a:solidFill>
-                            <a:schemeClr val="dk1"/>
-                          </a:solidFill>
-                          <a:effectLst/>
-                          <a:latin typeface="+mn-lt"/>
-                          <a:ea typeface="+mn-ea"/>
-                          <a:cs typeface="+mn-cs"/>
-                          <a:sym typeface="Arial"/>
-                        </a:rPr>
-                        <a:t>ACPDS</a:t>
-                      </a:r>
-                      <a:endParaRPr lang="en-US" dirty="0">
-                        <a:effectLst/>
-                      </a:endParaRPr>
-                    </a:p>
-                  </a:txBody>
-                  <a:tcPr anchor="ctr"/>
-                </a:tc>
-                <a:tc>
-                  <a:txBody>
-                    <a:bodyPr/>
-                    <a:lstStyle/>
-                    <a:p>
-                      <a:r>
-                        <a:rPr lang="en-US" sz="1400" b="0" i="0" u="none" strike="noStrike" cap="none" dirty="0" smtClean="0">
-                          <a:solidFill>
-                            <a:schemeClr val="dk1"/>
-                          </a:solidFill>
-                          <a:effectLst/>
-                          <a:latin typeface="+mn-lt"/>
-                          <a:ea typeface="+mn-ea"/>
-                          <a:cs typeface="+mn-cs"/>
-                          <a:sym typeface="Arial"/>
-                        </a:rPr>
-                        <a:t>96.39% ± 0.17%</a:t>
-                      </a:r>
-                      <a:endParaRPr lang="en-US" dirty="0"/>
-                    </a:p>
-                  </a:txBody>
-                  <a:tcPr/>
-                </a:tc>
-              </a:tr>
-              <a:tr h="275688">
-                <a:tc>
-                  <a:txBody>
-                    <a:bodyPr/>
-                    <a:lstStyle/>
-                    <a:p>
-                      <a:r>
-                        <a:rPr lang="en-US" sz="1400" b="0" i="0" u="none" strike="noStrike" cap="none" dirty="0" smtClean="0">
-                          <a:solidFill>
-                            <a:schemeClr val="dk1"/>
-                          </a:solidFill>
-                          <a:effectLst/>
-                          <a:latin typeface="+mn-lt"/>
-                          <a:ea typeface="+mn-ea"/>
-                          <a:cs typeface="+mn-cs"/>
-                          <a:sym typeface="Arial"/>
-                        </a:rPr>
-                        <a:t>Faster R-CNN FPN (S</a:t>
-                      </a:r>
-                      <a:r>
-                        <a:rPr lang="en-US" dirty="0" smtClean="0"/>
-                        <a:t>quare</a:t>
-                      </a:r>
-                      <a:r>
-                        <a:rPr lang="en-US" sz="1400" b="0" i="0" u="none" strike="noStrike" cap="none" dirty="0" smtClean="0">
-                          <a:solidFill>
-                            <a:schemeClr val="dk1"/>
-                          </a:solidFill>
-                          <a:effectLst/>
-                          <a:latin typeface="+mn-lt"/>
-                          <a:ea typeface="+mn-ea"/>
-                          <a:cs typeface="+mn-cs"/>
-                          <a:sym typeface="Arial"/>
-                        </a:rPr>
-                        <a:t>, 800)</a:t>
-                      </a:r>
-                      <a:endParaRPr lang="en-US" dirty="0"/>
-                    </a:p>
-                  </a:txBody>
-                  <a:tcPr/>
-                </a:tc>
-                <a:tc>
-                  <a:txBody>
-                    <a:bodyPr/>
-                    <a:lstStyle/>
-                    <a:p>
-                      <a:r>
-                        <a:rPr lang="en-US" sz="1400" b="0" i="0" u="none" strike="noStrike" cap="none" dirty="0" smtClean="0">
-                          <a:solidFill>
-                            <a:schemeClr val="dk1"/>
-                          </a:solidFill>
-                          <a:effectLst/>
-                          <a:latin typeface="+mn-lt"/>
-                          <a:ea typeface="+mn-ea"/>
-                          <a:cs typeface="+mn-cs"/>
-                          <a:sym typeface="Arial"/>
-                        </a:rPr>
-                        <a:t>ACPDS</a:t>
-                      </a:r>
-                      <a:endParaRPr lang="en-US" dirty="0">
-                        <a:effectLst/>
-                      </a:endParaRPr>
-                    </a:p>
-                  </a:txBody>
-                  <a:tcPr anchor="ctr"/>
-                </a:tc>
-                <a:tc>
-                  <a:txBody>
-                    <a:bodyPr/>
-                    <a:lstStyle/>
-                    <a:p>
-                      <a:r>
-                        <a:rPr lang="en-US" sz="1400" b="0" i="0" u="none" strike="noStrike" cap="none" dirty="0" smtClean="0">
-                          <a:solidFill>
-                            <a:schemeClr val="dk1"/>
-                          </a:solidFill>
-                          <a:effectLst/>
-                          <a:latin typeface="+mn-lt"/>
-                          <a:ea typeface="+mn-ea"/>
-                          <a:cs typeface="+mn-cs"/>
-                          <a:sym typeface="Arial"/>
-                        </a:rPr>
-                        <a:t>98.31% ± 0.08%</a:t>
-                      </a:r>
-                      <a:endParaRPr lang="en-US" dirty="0"/>
-                    </a:p>
-                  </a:txBody>
-                  <a:tcPr/>
-                </a:tc>
-              </a:tr>
-              <a:tr h="275688">
-                <a:tc>
-                  <a:txBody>
-                    <a:bodyPr/>
-                    <a:lstStyle/>
-                    <a:p>
-                      <a:r>
-                        <a:rPr lang="en-US" sz="1400" b="0" i="0" u="none" strike="noStrike" cap="none" dirty="0" smtClean="0">
-                          <a:solidFill>
-                            <a:schemeClr val="dk1"/>
-                          </a:solidFill>
-                          <a:effectLst/>
-                          <a:latin typeface="+mn-lt"/>
-                          <a:ea typeface="+mn-ea"/>
-                          <a:cs typeface="+mn-cs"/>
-                          <a:sym typeface="Arial"/>
-                        </a:rPr>
-                        <a:t>Faster R-CNN FPN (Square, 1100)</a:t>
-                      </a:r>
-                      <a:endParaRPr lang="en-US" dirty="0"/>
-                    </a:p>
-                  </a:txBody>
-                  <a:tcPr/>
-                </a:tc>
-                <a:tc>
-                  <a:txBody>
-                    <a:bodyPr/>
-                    <a:lstStyle/>
-                    <a:p>
-                      <a:r>
-                        <a:rPr lang="en-US" sz="1400" b="0" i="0" u="none" strike="noStrike" cap="none" dirty="0" smtClean="0">
-                          <a:solidFill>
-                            <a:schemeClr val="dk1"/>
-                          </a:solidFill>
-                          <a:effectLst/>
-                          <a:latin typeface="+mn-lt"/>
-                          <a:ea typeface="+mn-ea"/>
-                          <a:cs typeface="+mn-cs"/>
-                          <a:sym typeface="Arial"/>
-                        </a:rPr>
-                        <a:t>ACPDS</a:t>
-                      </a:r>
-                      <a:endParaRPr lang="en-US" dirty="0">
-                        <a:effectLst/>
-                      </a:endParaRPr>
-                    </a:p>
-                  </a:txBody>
-                  <a:tcPr anchor="ctr"/>
-                </a:tc>
-                <a:tc>
-                  <a:txBody>
-                    <a:bodyPr/>
-                    <a:lstStyle/>
-                    <a:p>
-                      <a:r>
-                        <a:rPr lang="en-US" sz="1400" b="0" i="0" u="none" strike="noStrike" cap="none" dirty="0" smtClean="0">
-                          <a:solidFill>
-                            <a:schemeClr val="dk1"/>
-                          </a:solidFill>
-                          <a:effectLst/>
-                          <a:latin typeface="+mn-lt"/>
-                          <a:ea typeface="+mn-ea"/>
-                          <a:cs typeface="+mn-cs"/>
-                          <a:sym typeface="Arial"/>
-                        </a:rPr>
-                        <a:t>98.52% ± 0.11%</a:t>
-                      </a:r>
-                      <a:endParaRPr lang="en-US" dirty="0"/>
-                    </a:p>
-                  </a:txBody>
-                  <a:tcPr/>
-                </a:tc>
-              </a:tr>
-              <a:tr h="275688">
-                <a:tc>
-                  <a:txBody>
-                    <a:bodyPr/>
-                    <a:lstStyle/>
-                    <a:p>
-                      <a:r>
-                        <a:rPr lang="en-US" sz="1400" b="0" i="0" u="none" strike="noStrike" cap="none" dirty="0" smtClean="0">
-                          <a:solidFill>
-                            <a:schemeClr val="dk1"/>
-                          </a:solidFill>
-                          <a:effectLst/>
-                          <a:latin typeface="+mn-lt"/>
-                          <a:ea typeface="+mn-ea"/>
-                          <a:cs typeface="+mn-cs"/>
-                          <a:sym typeface="Arial"/>
-                        </a:rPr>
-                        <a:t>Faster R-CNN FPN (Square, 1440)</a:t>
-                      </a:r>
-                      <a:endParaRPr lang="en-US" dirty="0"/>
-                    </a:p>
-                  </a:txBody>
-                  <a:tcPr/>
-                </a:tc>
-                <a:tc>
-                  <a:txBody>
-                    <a:bodyPr/>
-                    <a:lstStyle/>
-                    <a:p>
-                      <a:r>
-                        <a:rPr lang="en-US" sz="1400" b="0" i="0" u="none" strike="noStrike" cap="none" dirty="0" smtClean="0">
-                          <a:solidFill>
-                            <a:schemeClr val="dk1"/>
-                          </a:solidFill>
-                          <a:effectLst/>
-                          <a:latin typeface="+mn-lt"/>
-                          <a:ea typeface="+mn-ea"/>
-                          <a:cs typeface="+mn-cs"/>
-                          <a:sym typeface="Arial"/>
-                        </a:rPr>
-                        <a:t>ACPDS</a:t>
-                      </a:r>
-                      <a:endParaRPr lang="en-US" dirty="0">
-                        <a:effectLst/>
-                      </a:endParaRPr>
-                    </a:p>
-                  </a:txBody>
-                  <a:tcPr anchor="ctr"/>
-                </a:tc>
-                <a:tc>
-                  <a:txBody>
-                    <a:bodyPr/>
-                    <a:lstStyle/>
-                    <a:p>
-                      <a:r>
-                        <a:rPr lang="en-US" sz="1400" b="0" i="0" u="none" strike="noStrike" cap="none" dirty="0" smtClean="0">
-                          <a:solidFill>
-                            <a:schemeClr val="dk1"/>
-                          </a:solidFill>
-                          <a:effectLst/>
-                          <a:latin typeface="+mn-lt"/>
-                          <a:ea typeface="+mn-ea"/>
-                          <a:cs typeface="+mn-cs"/>
-                          <a:sym typeface="Arial"/>
-                        </a:rPr>
-                        <a:t>98.51% ± 0.10%</a:t>
-                      </a:r>
-                      <a:endParaRPr lang="en-US" dirty="0"/>
-                    </a:p>
-                  </a:txBody>
-                  <a:tcPr/>
-                </a:tc>
-              </a:tr>
-              <a:tr h="275688">
-                <a:tc>
-                  <a:txBody>
-                    <a:bodyPr/>
-                    <a:lstStyle/>
-                    <a:p>
-                      <a:r>
-                        <a:rPr lang="en-US" sz="1400" b="0" i="0" u="none" strike="noStrike" cap="none" dirty="0" smtClean="0">
-                          <a:solidFill>
-                            <a:schemeClr val="dk1"/>
-                          </a:solidFill>
-                          <a:effectLst/>
-                          <a:latin typeface="+mn-lt"/>
-                          <a:ea typeface="+mn-ea"/>
-                          <a:cs typeface="+mn-cs"/>
-                          <a:sym typeface="Arial"/>
-                        </a:rPr>
-                        <a:t>Faster R-CNN FPN (Quadrilateral, 800)</a:t>
-                      </a:r>
-                      <a:endParaRPr lang="en-US" dirty="0"/>
-                    </a:p>
-                  </a:txBody>
-                  <a:tcPr/>
-                </a:tc>
-                <a:tc>
-                  <a:txBody>
-                    <a:bodyPr/>
-                    <a:lstStyle/>
-                    <a:p>
-                      <a:r>
-                        <a:rPr lang="en-US" sz="1400" b="0" i="0" u="none" strike="noStrike" cap="none" dirty="0" smtClean="0">
-                          <a:solidFill>
-                            <a:schemeClr val="dk1"/>
-                          </a:solidFill>
-                          <a:effectLst/>
-                          <a:latin typeface="+mn-lt"/>
-                          <a:ea typeface="+mn-ea"/>
-                          <a:cs typeface="+mn-cs"/>
-                          <a:sym typeface="Arial"/>
-                        </a:rPr>
-                        <a:t>ACPDS</a:t>
-                      </a:r>
-                      <a:endParaRPr lang="en-US" dirty="0">
-                        <a:effectLst/>
-                      </a:endParaRPr>
-                    </a:p>
-                  </a:txBody>
-                  <a:tcPr anchor="ctr"/>
-                </a:tc>
-                <a:tc>
-                  <a:txBody>
-                    <a:bodyPr/>
-                    <a:lstStyle/>
-                    <a:p>
-                      <a:r>
-                        <a:rPr lang="en-US" sz="1400" b="0" i="0" u="none" strike="noStrike" cap="none" dirty="0" smtClean="0">
-                          <a:solidFill>
-                            <a:schemeClr val="dk1"/>
-                          </a:solidFill>
-                          <a:effectLst/>
-                          <a:latin typeface="+mn-lt"/>
-                          <a:ea typeface="+mn-ea"/>
-                          <a:cs typeface="+mn-cs"/>
-                          <a:sym typeface="Arial"/>
-                        </a:rPr>
-                        <a:t>97.97% ± 0.14%</a:t>
-                      </a:r>
-                      <a:endParaRPr lang="en-US" dirty="0"/>
-                    </a:p>
-                  </a:txBody>
-                  <a:tcPr/>
-                </a:tc>
-              </a:tr>
-              <a:tr h="275688">
-                <a:tc>
-                  <a:txBody>
-                    <a:bodyPr/>
-                    <a:lstStyle/>
-                    <a:p>
-                      <a:r>
-                        <a:rPr lang="en-US" sz="1400" b="0" i="0" u="none" strike="noStrike" cap="none" dirty="0" smtClean="0">
-                          <a:solidFill>
-                            <a:schemeClr val="dk1"/>
-                          </a:solidFill>
-                          <a:effectLst/>
-                          <a:latin typeface="+mn-lt"/>
-                          <a:ea typeface="+mn-ea"/>
-                          <a:cs typeface="+mn-cs"/>
-                          <a:sym typeface="Arial"/>
-                        </a:rPr>
-                        <a:t>Faster R-CNN FPN (Quadrilateral, 1100)</a:t>
-                      </a:r>
-                      <a:endParaRPr lang="en-US" dirty="0"/>
-                    </a:p>
-                  </a:txBody>
-                  <a:tcPr/>
-                </a:tc>
-                <a:tc>
-                  <a:txBody>
-                    <a:bodyPr/>
-                    <a:lstStyle/>
-                    <a:p>
-                      <a:r>
-                        <a:rPr lang="en-US" sz="1400" b="0" i="0" u="none" strike="noStrike" cap="none" dirty="0" smtClean="0">
-                          <a:solidFill>
-                            <a:schemeClr val="dk1"/>
-                          </a:solidFill>
-                          <a:effectLst/>
-                          <a:latin typeface="+mn-lt"/>
-                          <a:ea typeface="+mn-ea"/>
-                          <a:cs typeface="+mn-cs"/>
-                          <a:sym typeface="Arial"/>
-                        </a:rPr>
-                        <a:t>ACPDS</a:t>
-                      </a:r>
-                      <a:endParaRPr lang="en-US" dirty="0">
-                        <a:effectLst/>
-                      </a:endParaRPr>
-                    </a:p>
-                  </a:txBody>
-                  <a:tcPr anchor="ctr"/>
-                </a:tc>
-                <a:tc>
-                  <a:txBody>
-                    <a:bodyPr/>
-                    <a:lstStyle/>
-                    <a:p>
-                      <a:r>
-                        <a:rPr lang="en-US" sz="1400" b="0" i="0" u="none" strike="noStrike" cap="none" dirty="0" smtClean="0">
-                          <a:solidFill>
-                            <a:schemeClr val="dk1"/>
-                          </a:solidFill>
-                          <a:effectLst/>
-                          <a:latin typeface="+mn-lt"/>
-                          <a:ea typeface="+mn-ea"/>
-                          <a:cs typeface="+mn-cs"/>
-                          <a:sym typeface="Arial"/>
-                        </a:rPr>
-                        <a:t>98.00% ± 0.08%</a:t>
-                      </a:r>
-                      <a:endParaRPr lang="en-US" dirty="0"/>
-                    </a:p>
-                  </a:txBody>
-                  <a:tcPr/>
-                </a:tc>
-              </a:tr>
-              <a:tr h="275688">
-                <a:tc>
-                  <a:txBody>
-                    <a:bodyPr/>
-                    <a:lstStyle/>
-                    <a:p>
-                      <a:r>
-                        <a:rPr lang="en-US" sz="1400" b="0" i="0" u="none" strike="noStrike" cap="none" dirty="0" smtClean="0">
-                          <a:solidFill>
-                            <a:schemeClr val="dk1"/>
-                          </a:solidFill>
-                          <a:effectLst/>
-                          <a:latin typeface="+mn-lt"/>
-                          <a:ea typeface="+mn-ea"/>
-                          <a:cs typeface="+mn-cs"/>
-                          <a:sym typeface="Arial"/>
-                        </a:rPr>
-                        <a:t>Faster R-CNN FPN (Quadrilateral, 1440)</a:t>
-                      </a:r>
-                      <a:endParaRPr lang="en-US" dirty="0"/>
-                    </a:p>
-                  </a:txBody>
-                  <a:tcPr/>
-                </a:tc>
-                <a:tc>
-                  <a:txBody>
-                    <a:bodyPr/>
-                    <a:lstStyle/>
-                    <a:p>
-                      <a:r>
-                        <a:rPr lang="en-US" sz="1400" b="0" i="0" u="none" strike="noStrike" cap="none" dirty="0" smtClean="0">
-                          <a:solidFill>
-                            <a:schemeClr val="dk1"/>
-                          </a:solidFill>
-                          <a:effectLst/>
-                          <a:latin typeface="+mn-lt"/>
-                          <a:ea typeface="+mn-ea"/>
-                          <a:cs typeface="+mn-cs"/>
-                          <a:sym typeface="Arial"/>
-                        </a:rPr>
-                        <a:t>ACPDS</a:t>
-                      </a:r>
-                      <a:endParaRPr lang="en-US" dirty="0">
-                        <a:effectLst/>
-                      </a:endParaRPr>
-                    </a:p>
-                  </a:txBody>
-                  <a:tcPr anchor="ctr"/>
-                </a:tc>
-                <a:tc>
-                  <a:txBody>
-                    <a:bodyPr/>
-                    <a:lstStyle/>
-                    <a:p>
-                      <a:r>
-                        <a:rPr lang="en-US" sz="1400" b="0" i="0" u="none" strike="noStrike" cap="none" dirty="0" smtClean="0">
-                          <a:solidFill>
-                            <a:schemeClr val="dk1"/>
-                          </a:solidFill>
-                          <a:effectLst/>
-                          <a:latin typeface="+mn-lt"/>
-                          <a:ea typeface="+mn-ea"/>
-                          <a:cs typeface="+mn-cs"/>
-                          <a:sym typeface="Arial"/>
-                        </a:rPr>
-                        <a:t>97.97% ± 0.14%</a:t>
+                        <a:t>98.00%</a:t>
                       </a:r>
                       <a:endParaRPr lang="en-US" dirty="0"/>
                     </a:p>
@@ -19275,6 +18653,34 @@
           </a:graphicData>
         </a:graphic>
       </p:graphicFrame>
+      <p:sp>
+        <p:nvSpPr>
+          <p:cNvPr id="5" name="Title 1"/>
+          <p:cNvSpPr>
+            <a:spLocks noGrp="1"/>
+          </p:cNvSpPr>
+          <p:nvPr>
+            <p:ph type="title"/>
+          </p:nvPr>
+        </p:nvSpPr>
+        <p:spPr>
+          <a:xfrm>
+            <a:off x="973008" y="476672"/>
+            <a:ext cx="9875520" cy="1356360"/>
+          </a:xfrm>
+        </p:spPr>
+        <p:txBody>
+          <a:bodyPr/>
+          <a:lstStyle/>
+          <a:p>
+            <a:r>
+              <a:rPr lang="en-US" dirty="0" smtClean="0"/>
+              <a:t>CONTINUE…</a:t>
+            </a:r>
+            <a:endParaRPr lang="en-US" dirty="0"/>
+          </a:p>
+        </p:txBody>
+      </p:sp>
     </p:spTree>
     <p:extLst>
       <p:ext uri="{BB962C8B-B14F-4D97-AF65-F5344CB8AC3E}">
@@ -19317,7 +18723,7 @@
         </p:nvSpPr>
         <p:spPr>
           <a:xfrm>
-            <a:off x="983432" y="260648"/>
+            <a:off x="983432" y="416456"/>
             <a:ext cx="9875520" cy="1356360"/>
           </a:xfrm>
         </p:spPr>
@@ -19341,7 +18747,7 @@
           <p:nvPr>
             <p:extLst>
               <p:ext uri="{D42A27DB-BD31-4B8C-83A1-F6EECF244321}">
-                <p14:modId xmlns:p14="http://schemas.microsoft.com/office/powerpoint/2010/main" val="424135591"/>
+                <p14:modId xmlns:p14="http://schemas.microsoft.com/office/powerpoint/2010/main" val="1643475802"/>
               </p:ext>
             </p:extLst>
           </p:nvPr>
@@ -19699,7 +19105,59 @@
                           <a:cs typeface="+mn-cs"/>
                           <a:sym typeface="Arial"/>
                         </a:rPr>
-                        <a:t>Dataset Used</a:t>
+                        <a:t>ACMPS</a:t>
+                      </a:r>
+                      <a:r>
+                        <a:rPr lang="en-US" sz="1400" b="0" i="0" u="none" strike="noStrike" cap="none" dirty="0" smtClean="0">
+                          <a:solidFill>
+                            <a:schemeClr val="dk1"/>
+                          </a:solidFill>
+                          <a:effectLst/>
+                          <a:latin typeface="+mn-lt"/>
+                          <a:ea typeface="+mn-ea"/>
+                          <a:cs typeface="+mn-cs"/>
+                          <a:sym typeface="Arial"/>
+                        </a:rPr>
+                        <a:t> </a:t>
+                      </a:r>
+                      <a:r>
+                        <a:rPr lang="en-US" sz="1400" b="1" i="0" u="none" strike="noStrike" cap="none" dirty="0" smtClean="0">
+                          <a:solidFill>
+                            <a:schemeClr val="dk1"/>
+                          </a:solidFill>
+                          <a:effectLst/>
+                          <a:latin typeface="+mn-lt"/>
+                          <a:ea typeface="+mn-ea"/>
+                          <a:cs typeface="+mn-cs"/>
+                          <a:sym typeface="Arial"/>
+                        </a:rPr>
+                        <a:t>Dataset</a:t>
+                      </a:r>
+                      <a:r>
+                        <a:rPr lang="en-US" sz="1400" b="0" i="0" u="none" strike="noStrike" cap="none" dirty="0" smtClean="0">
+                          <a:solidFill>
+                            <a:schemeClr val="dk1"/>
+                          </a:solidFill>
+                          <a:effectLst/>
+                          <a:latin typeface="+mn-lt"/>
+                          <a:ea typeface="+mn-ea"/>
+                          <a:cs typeface="+mn-cs"/>
+                          <a:sym typeface="Arial"/>
+                        </a:rPr>
+                        <a:t> </a:t>
+                      </a:r>
+                      <a:r>
+                        <a:rPr lang="en-US" sz="1400" b="1" i="0" u="none" strike="noStrike" cap="none" dirty="0" smtClean="0">
+                          <a:solidFill>
+                            <a:schemeClr val="dk1"/>
+                          </a:solidFill>
+                          <a:effectLst/>
+                          <a:latin typeface="+mn-lt"/>
+                          <a:ea typeface="+mn-ea"/>
+                          <a:cs typeface="+mn-cs"/>
+                          <a:sym typeface="Arial"/>
+                        </a:rPr>
+                        <a:t>Accuracy</a:t>
                       </a:r>
                       <a:endParaRPr lang="en-US" dirty="0"/>
                     </a:p>
@@ -19723,7 +19181,33 @@
                           <a:cs typeface="+mn-cs"/>
                           <a:sym typeface="Arial"/>
                         </a:rPr>
-                        <a:t>Accuracy Achieved</a:t>
+                        <a:t>ACPDS</a:t>
+                      </a:r>
+                      <a:r>
+                        <a:rPr lang="en-US" sz="1400" b="0" i="0" u="none" strike="noStrike" cap="none" dirty="0" smtClean="0">
+                          <a:solidFill>
+                            <a:schemeClr val="dk1"/>
+                          </a:solidFill>
+                          <a:effectLst/>
+                          <a:latin typeface="+mn-lt"/>
+                          <a:ea typeface="+mn-ea"/>
+                          <a:cs typeface="+mn-cs"/>
+                          <a:sym typeface="Arial"/>
+                        </a:rPr>
+                        <a:t> </a:t>
+                      </a:r>
+                      <a:r>
+                        <a:rPr lang="en-US" sz="1400" b="1" i="0" u="none" strike="noStrike" cap="none" dirty="0" smtClean="0">
+                          <a:solidFill>
+                            <a:schemeClr val="dk1"/>
+                          </a:solidFill>
+                          <a:effectLst/>
+                          <a:latin typeface="+mn-lt"/>
+                          <a:ea typeface="+mn-ea"/>
+                          <a:cs typeface="+mn-cs"/>
+                          <a:sym typeface="Arial"/>
+                        </a:rPr>
+                        <a:t>Dataset Accuracy</a:t>
                       </a:r>
                       <a:endParaRPr lang="en-US" dirty="0"/>
                     </a:p>
@@ -19773,35 +19257,6 @@
                     <a:bodyPr/>
                     <a:lstStyle/>
                     <a:p>
-                      <a:pPr fontAlgn="base"/>
-                      <a:r>
-                        <a:rPr lang="en-US" sz="1400" b="0" i="0" u="none" strike="noStrike" cap="none" dirty="0" smtClean="0">
-                          <a:solidFill>
-                            <a:schemeClr val="dk1"/>
-                          </a:solidFill>
-                          <a:effectLst/>
-                          <a:latin typeface="+mn-lt"/>
-                          <a:ea typeface="+mn-ea"/>
-                          <a:cs typeface="+mn-cs"/>
-                          <a:sym typeface="Arial"/>
-                        </a:rPr>
-                        <a:t>ACMPS (Aerial Car Park)</a:t>
-                      </a:r>
-                      <a:endParaRPr lang="en-US" b="0" dirty="0">
-                        <a:solidFill>
-                          <a:schemeClr val="tx1"/>
-                        </a:solidFill>
-                        <a:effectLst/>
-                      </a:endParaRPr>
-                    </a:p>
-                  </a:txBody>
-                  <a:tcPr anchor="ctr"/>
-                </a:tc>
-                <a:tc>
-                  <a:txBody>
-                    <a:bodyPr/>
-                    <a:lstStyle/>
-                    <a:p>
                       <a:r>
                         <a:rPr lang="en-US" sz="1400" b="1" i="0" u="none" strike="noStrike" cap="none" dirty="0" smtClean="0">
                           <a:solidFill>
@@ -19816,6 +19271,29 @@
                         <a:t>98%</a:t>
                       </a:r>
                       <a:endParaRPr lang="en-US" b="1" dirty="0"/>
+                    </a:p>
+                  </a:txBody>
+                  <a:tcPr anchor="ctr"/>
+                </a:tc>
+                <a:tc>
+                  <a:txBody>
+                    <a:bodyPr/>
+                    <a:lstStyle/>
+                    <a:p>
+                      <a:r>
+                        <a:rPr lang="en-US" sz="1400" b="0" i="0" u="none" strike="noStrike" cap="none" dirty="0" smtClean="0">
+                          <a:solidFill>
+                            <a:schemeClr val="dk1"/>
+                          </a:solidFill>
+                          <a:effectLst/>
+                          <a:latin typeface="+mn-lt"/>
+                          <a:ea typeface="+mn-ea"/>
+                          <a:cs typeface="+mn-cs"/>
+                          <a:sym typeface="Arial"/>
+                        </a:rPr>
+                        <a:t>87%</a:t>
+                      </a:r>
+                      <a:endParaRPr lang="en-US" b="0" dirty="0"/>
                     </a:p>
                   </a:txBody>
                   <a:tcPr/>
@@ -19861,11 +19339,9 @@
                           <a:cs typeface="+mn-cs"/>
                           <a:sym typeface="Arial"/>
                         </a:rPr>
-                        <a:t>ACMPS (Aerial Car Park)</a:t>
+                        <a:t>88%</a:t>
                       </a:r>
-                      <a:endParaRPr lang="en-US" dirty="0">
-                        <a:effectLst/>
-                      </a:endParaRPr>
+                      <a:endParaRPr lang="en-US" dirty="0"/>
                     </a:p>
                   </a:txBody>
                   <a:tcPr anchor="ctr"/>
@@ -19886,7 +19362,7 @@
                           <a:cs typeface="+mn-cs"/>
                           <a:sym typeface="Arial"/>
                         </a:rPr>
-                        <a:t>88%</a:t>
+                        <a:t>85%</a:t>
                       </a:r>
                       <a:endParaRPr lang="en-US" dirty="0"/>
                     </a:p>
@@ -19934,11 +19410,9 @@
                           <a:cs typeface="+mn-cs"/>
                           <a:sym typeface="Arial"/>
                         </a:rPr>
-                        <a:t>ACMPS (Aerial Car Park)</a:t>
+                        <a:t>89%</a:t>
                       </a:r>
-                      <a:endParaRPr lang="en-US" dirty="0">
-                        <a:effectLst/>
-                      </a:endParaRPr>
+                      <a:endParaRPr lang="en-US" dirty="0"/>
                     </a:p>
                   </a:txBody>
                   <a:tcPr anchor="ctr"/>
@@ -19959,7 +19433,7 @@
                           <a:cs typeface="+mn-cs"/>
                           <a:sym typeface="Arial"/>
                         </a:rPr>
-                        <a:t>89%</a:t>
+                        <a:t>86%</a:t>
                       </a:r>
                       <a:endParaRPr lang="en-US" dirty="0"/>
                     </a:p>
@@ -20007,11 +19481,9 @@
                           <a:cs typeface="+mn-cs"/>
                           <a:sym typeface="Arial"/>
                         </a:rPr>
-                        <a:t>ACMPS (Aerial Car Park)</a:t>
+                        <a:t>91%</a:t>
                       </a:r>
-                      <a:endParaRPr lang="en-US" dirty="0">
-                        <a:effectLst/>
-                      </a:endParaRPr>
+                      <a:endParaRPr lang="en-US" dirty="0"/>
                     </a:p>
                   </a:txBody>
                   <a:tcPr anchor="ctr"/>
@@ -20032,7 +19504,7 @@
                           <a:cs typeface="+mn-cs"/>
                           <a:sym typeface="Arial"/>
                         </a:rPr>
-                        <a:t>91%</a:t>
+                        <a:t>88%</a:t>
                       </a:r>
                       <a:endParaRPr lang="en-US" dirty="0"/>
                     </a:p>
@@ -20112,11 +19584,9 @@
                           <a:cs typeface="+mn-cs"/>
                           <a:sym typeface="Arial"/>
                         </a:rPr>
-                        <a:t>ACMPS (Aerial Car Park)</a:t>
+                        <a:t>93%</a:t>
                       </a:r>
-                      <a:endParaRPr lang="en-US" dirty="0">
-                        <a:effectLst/>
-                      </a:endParaRPr>
+                      <a:endParaRPr lang="en-US" dirty="0"/>
                     </a:p>
                   </a:txBody>
                   <a:tcPr anchor="ctr"/>
@@ -20137,7 +19607,7 @@
                           <a:cs typeface="+mn-cs"/>
                           <a:sym typeface="Arial"/>
                         </a:rPr>
-                        <a:t>93%</a:t>
+                        <a:t>90%</a:t>
                       </a:r>
                       <a:endParaRPr lang="en-US" dirty="0"/>
                     </a:p>
@@ -20217,11 +19687,9 @@
                           <a:cs typeface="+mn-cs"/>
                           <a:sym typeface="Arial"/>
                         </a:rPr>
-                        <a:t>ACMPS (Aerial Car Park)</a:t>
+                        <a:t>92%</a:t>
                       </a:r>
-                      <a:endParaRPr lang="en-US" dirty="0">
-                        <a:effectLst/>
-                      </a:endParaRPr>
+                      <a:endParaRPr lang="en-US" dirty="0"/>
                     </a:p>
                   </a:txBody>
                   <a:tcPr anchor="ctr"/>
@@ -20242,7 +19710,7 @@
                           <a:cs typeface="+mn-cs"/>
                           <a:sym typeface="Arial"/>
                         </a:rPr>
-                        <a:t>92%</a:t>
+                        <a:t>89%</a:t>
                       </a:r>
                       <a:endParaRPr lang="en-US" dirty="0"/>
                     </a:p>
@@ -20290,11 +19758,9 @@
                           <a:cs typeface="+mn-cs"/>
                           <a:sym typeface="Arial"/>
                         </a:rPr>
-                        <a:t>ACMPS (Aerial Car Park)</a:t>
+                        <a:t>94%</a:t>
                       </a:r>
-                      <a:endParaRPr lang="en-US" dirty="0">
-                        <a:effectLst/>
-                      </a:endParaRPr>
+                      <a:endParaRPr lang="en-US" dirty="0"/>
                     </a:p>
                   </a:txBody>
                   <a:tcPr anchor="ctr"/>
@@ -20305,7 +19771,7 @@
                     <a:lstStyle/>
                     <a:p>
                       <a:r>
-                        <a:rPr lang="en-US" sz="1400" b="0" i="0" u="none" strike="noStrike" cap="none" dirty="0" smtClean="0">
+                        <a:rPr lang="en-US" sz="1400" b="1" i="0" u="none" strike="noStrike" cap="none" dirty="0" smtClean="0">
                           <a:solidFill>
                             <a:schemeClr val="dk1"/>
                           </a:solidFill>
@@ -20315,9 +19781,9 @@
                           <a:cs typeface="+mn-cs"/>
                           <a:sym typeface="Arial"/>
                         </a:rPr>
-                        <a:t>94%</a:t>
+                        <a:t>91%</a:t>
                       </a:r>
-                      <a:endParaRPr lang="en-US" dirty="0"/>
+                      <a:endParaRPr lang="en-US" b="1" dirty="0"/>
                     </a:p>
                   </a:txBody>
                   <a:tcPr/>
@@ -20363,11 +19829,9 @@
                           <a:cs typeface="+mn-cs"/>
                           <a:sym typeface="Arial"/>
                         </a:rPr>
-                        <a:t>ACMPS (Aerial Car Park)</a:t>
+                        <a:t>92%</a:t>
                       </a:r>
-                      <a:endParaRPr lang="en-US" dirty="0">
-                        <a:effectLst/>
-                      </a:endParaRPr>
+                      <a:endParaRPr lang="en-US" dirty="0"/>
                     </a:p>
                   </a:txBody>
                   <a:tcPr anchor="ctr"/>
@@ -20388,7 +19852,7 @@
                           <a:cs typeface="+mn-cs"/>
                           <a:sym typeface="Arial"/>
                         </a:rPr>
-                        <a:t>92%</a:t>
+                        <a:t>88%</a:t>
                       </a:r>
                       <a:endParaRPr lang="en-US" dirty="0"/>
                     </a:p>
@@ -20432,24 +19896,56 @@
       </p:grpSpPr>
       <p:sp>
         <p:nvSpPr>
-          <p:cNvPr id="2" name="Title 1"/>
-          <p:cNvSpPr>
+          <p:cNvPr id="4" name="Google Shape;101;g2232182a673_0_1">
+            <a:extLst>
+              <a:ext uri="{FF2B5EF4-FFF2-40B4-BE49-F238E27FC236}">
+                <a16:creationId xmlns="" xmlns:a16="http://schemas.microsoft.com/office/drawing/2014/main" id="{B0FDB13D-86FF-C3CF-B083-B124910BE8F6}"/>
+              </a:ext>
+            </a:extLst>
+          </p:cNvPr>
+          <p:cNvSpPr txBox="1">
             <a:spLocks noGrp="1"/>
           </p:cNvSpPr>
           <p:nvPr>
             <p:ph type="title"/>
           </p:nvPr>
         </p:nvSpPr>
-        <p:spPr/>
+        <p:spPr>
+          <a:xfrm>
+            <a:off x="1143000" y="609600"/>
+            <a:ext cx="9875400" cy="1356300"/>
+          </a:xfrm>
+          <a:prstGeom prst="rect">
+            <a:avLst/>
+          </a:prstGeom>
+        </p:spPr>
         <p:txBody>
-          <a:bodyPr/>
+          <a:bodyPr spcFirstLastPara="1" wrap="square" lIns="91425" tIns="45700" rIns="91425" bIns="45700" anchor="ctr" anchorCtr="0">
+            <a:normAutofit/>
+          </a:bodyPr>
           <a:lstStyle/>
           <a:p>
+            <a:pPr marL="0" lvl="0" indent="0" algn="l" rtl="0">
+              <a:spcBef>
+                <a:spcPts val="0"/>
+              </a:spcBef>
+              <a:spcAft>
+                <a:spcPts val="0"/>
+              </a:spcAft>
+              <a:buNone/>
+            </a:pPr>
             <a:r>
-              <a:rPr lang="en-US" dirty="0" smtClean="0"/>
-              <a:t>CONTINUE…</a:t>
+              <a:rPr lang="en-US" u="sng" dirty="0"/>
+              <a:t>Limitations, Issues and </a:t>
             </a:r>
-            <a:endParaRPr lang="en-US" dirty="0"/>
+            <a:r>
+              <a:rPr lang="en-US" u="sng" dirty="0" smtClean="0"/>
+              <a:t>Problems</a:t>
+            </a:r>
+            <a:br>
+              <a:rPr lang="en-US" u="sng" dirty="0" smtClean="0"/>
+            </a:br>
+            <a:endParaRPr u="sng" dirty="0"/>
           </a:p>
         </p:txBody>
       </p:sp>
@@ -20462,33 +19958,32 @@
           <p:nvPr>
             <p:extLst>
               <p:ext uri="{D42A27DB-BD31-4B8C-83A1-F6EECF244321}">
-                <p14:modId xmlns:p14="http://schemas.microsoft.com/office/powerpoint/2010/main" val="908947452"/>
+                <p14:modId xmlns:p14="http://schemas.microsoft.com/office/powerpoint/2010/main" val="783892047"/>
               </p:ext>
             </p:extLst>
           </p:nvPr>
         </p:nvGraphicFramePr>
         <p:xfrm>
-          <a:off x="1143000" y="2057400"/>
-          <a:ext cx="10572168" cy="2438400"/>
+          <a:off x="1199456" y="2229155"/>
+          <a:ext cx="9937104" cy="2640005"/>
         </p:xfrm>
         <a:graphic>
           <a:graphicData uri="http://schemas.openxmlformats.org/drawingml/2006/table">
             <a:tbl>
-              <a:tblPr bandRow="1">
+              <a:tblPr firstRow="1" bandRow="1">
                 <a:tableStyleId>{5C22544A-7EE6-4342-B048-85BDC9FD1C3A}</a:tableStyleId>
               </a:tblPr>
               <a:tblGrid>
-                <a:gridCol w="3974500"/>
-                <a:gridCol w="4039629"/>
-                <a:gridCol w="2558039"/>
+                <a:gridCol w="3744416"/>
+                <a:gridCol w="6192688"/>
               </a:tblGrid>
-              <a:tr h="303070">
-                <a:tc>
+              <a:tr h="438130">
+                <a:tc gridSpan="2">
                   <a:txBody>
                     <a:bodyPr/>
                     <a:lstStyle/>
                     <a:p>
-                      <a:pPr marL="0" marR="0" indent="0" algn="l" defTabSz="914400" rtl="0" eaLnBrk="1" fontAlgn="auto" latinLnBrk="0" hangingPunct="1">
+                      <a:pPr marL="0" marR="0" indent="0" algn="ctr" defTabSz="914400" rtl="0" eaLnBrk="1" fontAlgn="auto" latinLnBrk="0" hangingPunct="1">
                         <a:lnSpc>
                           <a:spcPct val="100000"/>
                         </a:lnSpc>
@@ -20508,6 +20003,73 @@
                         <a:defRPr/>
                       </a:pPr>
                       <a:r>
+                        <a:rPr lang="en-US" sz="1600" b="1" i="0" u="none" strike="noStrike" cap="none" dirty="0" smtClean="0">
+                          <a:solidFill>
+                            <a:schemeClr val="lt1"/>
+                          </a:solidFill>
+                          <a:effectLst/>
+                          <a:latin typeface="+mn-lt"/>
+                          <a:ea typeface="+mn-ea"/>
+                          <a:cs typeface="+mn-cs"/>
+                          <a:sym typeface="Arial"/>
+                        </a:rPr>
+                        <a:t>Real-time image-based parking occupancy detection using deep learning</a:t>
+                      </a:r>
+                      <a:endParaRPr lang="en-US" sz="1600" b="1" dirty="0" smtClean="0"/>
+                    </a:p>
+                  </a:txBody>
+                  <a:tcPr/>
+                </a:tc>
+                <a:tc hMerge="1">
+                  <a:txBody>
+                    <a:bodyPr/>
+                    <a:lstStyle/>
+                    <a:p>
+                      <a:endParaRPr lang="en-US"/>
+                    </a:p>
+                  </a:txBody>
+                  <a:tcPr/>
+                </a:tc>
+              </a:tr>
+              <a:tr h="353958">
+                <a:tc gridSpan="2">
+                  <a:txBody>
+                    <a:bodyPr/>
+                    <a:lstStyle/>
+                    <a:p>
+                      <a:pPr marL="0" marR="0" indent="0" algn="ctr" defTabSz="914400" rtl="0" eaLnBrk="1" fontAlgn="auto" latinLnBrk="0" hangingPunct="1">
+                        <a:lnSpc>
+                          <a:spcPct val="100000"/>
+                        </a:lnSpc>
+                        <a:spcBef>
+                          <a:spcPts val="0"/>
+                        </a:spcBef>
+                        <a:spcAft>
+                          <a:spcPts val="0"/>
+                        </a:spcAft>
+                        <a:buClr>
+                          <a:srgbClr val="000000"/>
+                        </a:buClr>
+                        <a:buSzTx/>
+                        <a:buFont typeface="Arial"/>
+                        <a:buNone/>
+                        <a:tabLst/>
+                        <a:defRPr/>
+                      </a:pPr>
+                      <a:r>
+                        <a:rPr lang="en-US" sz="1400" b="1" i="0" u="none" strike="noStrike" cap="none" dirty="0" smtClean="0">
+                          <a:solidFill>
+                            <a:schemeClr val="dk1"/>
+                          </a:solidFill>
+                          <a:effectLst/>
+                          <a:latin typeface="+mn-lt"/>
+                          <a:ea typeface="+mn-ea"/>
+                          <a:cs typeface="+mn-cs"/>
+                          <a:sym typeface="Arial"/>
+                        </a:rPr>
+                        <a:t>Authors: </a:t>
+                      </a:r>
+                      <a:r>
                         <a:rPr lang="en-US" sz="1400" b="0" i="0" u="none" strike="noStrike" cap="none" dirty="0" err="1" smtClean="0">
                           <a:solidFill>
                             <a:schemeClr val="dk1"/>
@@ -20518,7 +20080,7 @@
                           <a:cs typeface="+mn-cs"/>
                           <a:sym typeface="Arial"/>
                         </a:rPr>
-                        <a:t>EfficientNet</a:t>
+                        <a:t>Debaditya</a:t>
                       </a:r>
                       <a:r>
                         <a:rPr lang="en-US" sz="1400" b="0" i="0" u="none" strike="noStrike" cap="none" dirty="0" smtClean="0">
@@ -20531,9 +20093,174 @@
                           <a:cs typeface="+mn-cs"/>
                           <a:sym typeface="Arial"/>
                         </a:rPr>
-                        <a:t>-P</a:t>
+                        <a:t> Acharya, </a:t>
+                      </a:r>
+                      <a:r>
+                        <a:rPr lang="en-US" sz="1400" b="0" i="0" u="none" strike="noStrike" cap="none" dirty="0" err="1" smtClean="0">
+                          <a:solidFill>
+                            <a:schemeClr val="dk1"/>
+                          </a:solidFill>
+                          <a:effectLst/>
+                          <a:latin typeface="+mn-lt"/>
+                          <a:ea typeface="+mn-ea"/>
+                          <a:cs typeface="+mn-cs"/>
+                          <a:sym typeface="Arial"/>
+                        </a:rPr>
+                        <a:t>Weilin</a:t>
+                      </a:r>
+                      <a:r>
+                        <a:rPr lang="en-US" sz="1400" b="0" i="0" u="none" strike="noStrike" cap="none" dirty="0" smtClean="0">
+                          <a:solidFill>
+                            <a:schemeClr val="dk1"/>
+                          </a:solidFill>
+                          <a:effectLst/>
+                          <a:latin typeface="+mn-lt"/>
+                          <a:ea typeface="+mn-ea"/>
+                          <a:cs typeface="+mn-cs"/>
+                          <a:sym typeface="Arial"/>
+                        </a:rPr>
+                        <a:t> Yan, et al.</a:t>
                       </a:r>
                       <a:endParaRPr lang="en-US" dirty="0" smtClean="0"/>
+                    </a:p>
+                  </a:txBody>
+                  <a:tcPr/>
+                </a:tc>
+                <a:tc hMerge="1">
+                  <a:txBody>
+                    <a:bodyPr/>
+                    <a:lstStyle/>
+                    <a:p>
+                      <a:endParaRPr lang="en-US" dirty="0"/>
+                    </a:p>
+                  </a:txBody>
+                  <a:tcPr/>
+                </a:tc>
+              </a:tr>
+              <a:tr h="321645">
+                <a:tc>
+                  <a:txBody>
+                    <a:bodyPr/>
+                    <a:lstStyle/>
+                    <a:p>
+                      <a:pPr algn="l"/>
+                      <a:r>
+                        <a:rPr lang="en-US" sz="1400" b="1" i="0" u="none" strike="noStrike" cap="none" dirty="0" smtClean="0">
+                          <a:solidFill>
+                            <a:schemeClr val="dk1"/>
+                          </a:solidFill>
+                          <a:effectLst/>
+                          <a:latin typeface="+mn-lt"/>
+                          <a:ea typeface="+mn-ea"/>
+                          <a:cs typeface="+mn-cs"/>
+                          <a:sym typeface="Arial"/>
+                        </a:rPr>
+                        <a:t>Limitation</a:t>
+                      </a:r>
+                      <a:endParaRPr lang="en-US" dirty="0"/>
+                    </a:p>
+                  </a:txBody>
+                  <a:tcPr/>
+                </a:tc>
+                <a:tc>
+                  <a:txBody>
+                    <a:bodyPr/>
+                    <a:lstStyle/>
+                    <a:p>
+                      <a:pPr algn="l"/>
+                      <a:r>
+                        <a:rPr lang="en-US" sz="1400" b="1" i="0" u="none" strike="noStrike" cap="none" dirty="0" smtClean="0">
+                          <a:solidFill>
+                            <a:schemeClr val="dk1"/>
+                          </a:solidFill>
+                          <a:effectLst/>
+                          <a:latin typeface="+mn-lt"/>
+                          <a:ea typeface="+mn-ea"/>
+                          <a:cs typeface="+mn-cs"/>
+                          <a:sym typeface="Arial"/>
+                        </a:rPr>
+                        <a:t>Description</a:t>
+                      </a:r>
+                      <a:endParaRPr lang="en-US" dirty="0"/>
+                    </a:p>
+                  </a:txBody>
+                  <a:tcPr/>
+                </a:tc>
+              </a:tr>
+              <a:tr h="436153">
+                <a:tc>
+                  <a:txBody>
+                    <a:bodyPr/>
+                    <a:lstStyle/>
+                    <a:p>
+                      <a:r>
+                        <a:rPr lang="en-US" sz="1400" b="0" i="0" u="none" strike="noStrike" cap="none" dirty="0" smtClean="0">
+                          <a:solidFill>
+                            <a:schemeClr val="dk1"/>
+                          </a:solidFill>
+                          <a:effectLst/>
+                          <a:latin typeface="+mn-lt"/>
+                          <a:ea typeface="+mn-ea"/>
+                          <a:cs typeface="+mn-cs"/>
+                          <a:sym typeface="Arial"/>
+                        </a:rPr>
+                        <a:t>Sensitivity to Lighting Conditions</a:t>
+                      </a:r>
+                      <a:endParaRPr lang="en-US" b="0" dirty="0"/>
+                    </a:p>
+                  </a:txBody>
+                  <a:tcPr/>
+                </a:tc>
+                <a:tc>
+                  <a:txBody>
+                    <a:bodyPr/>
+                    <a:lstStyle/>
+                    <a:p>
+                      <a:pPr fontAlgn="base"/>
+                      <a:r>
+                        <a:rPr lang="en-US" sz="1400" b="0" i="0" u="none" strike="noStrike" cap="none" dirty="0" smtClean="0">
+                          <a:solidFill>
+                            <a:schemeClr val="dk1"/>
+                          </a:solidFill>
+                          <a:effectLst/>
+                          <a:latin typeface="+mn-lt"/>
+                          <a:ea typeface="+mn-ea"/>
+                          <a:cs typeface="+mn-cs"/>
+                          <a:sym typeface="Arial"/>
+                        </a:rPr>
+                        <a:t>The framework's performance in low-light or nighttime conditions is unexplored.</a:t>
+                      </a:r>
+                      <a:endParaRPr lang="en-US" b="0" dirty="0">
+                        <a:solidFill>
+                          <a:schemeClr val="tx1"/>
+                        </a:solidFill>
+                        <a:effectLst/>
+                      </a:endParaRPr>
+                    </a:p>
+                  </a:txBody>
+                  <a:tcPr anchor="ctr"/>
+                </a:tc>
+              </a:tr>
+              <a:tr h="489952">
+                <a:tc>
+                  <a:txBody>
+                    <a:bodyPr/>
+                    <a:lstStyle/>
+                    <a:p>
+                      <a:r>
+                        <a:rPr lang="en-US" sz="1400" b="0" i="0" u="none" strike="noStrike" cap="none" dirty="0" smtClean="0">
+                          <a:solidFill>
+                            <a:schemeClr val="dk1"/>
+                          </a:solidFill>
+                          <a:effectLst/>
+                          <a:latin typeface="+mn-lt"/>
+                          <a:ea typeface="+mn-ea"/>
+                          <a:cs typeface="+mn-cs"/>
+                          <a:sym typeface="Arial"/>
+                        </a:rPr>
+                        <a:t>Ambiguity in Partially Occupied Spaces</a:t>
+                      </a:r>
+                      <a:endParaRPr lang="en-US" b="0" dirty="0"/>
                     </a:p>
                   </a:txBody>
                   <a:tcPr/>
@@ -20554,7 +20281,7 @@
                           <a:cs typeface="+mn-cs"/>
                           <a:sym typeface="Arial"/>
                         </a:rPr>
-                        <a:t>ACPDS (Aerial Car Parking)</a:t>
+                        <a:t>Accurate detection is challenging when vehicles occupy parking spaces partially.</a:t>
                       </a:r>
                       <a:endParaRPr lang="en-US" dirty="0">
                         <a:effectLst/>
@@ -20563,6 +20290,8 @@
                   </a:txBody>
                   <a:tcPr anchor="ctr"/>
                 </a:tc>
+              </a:tr>
+              <a:tr h="489952">
                 <a:tc>
                   <a:txBody>
                     <a:bodyPr/>
@@ -20579,34 +20308,9 @@
                           <a:cs typeface="+mn-cs"/>
                           <a:sym typeface="Arial"/>
                         </a:rPr>
-                        <a:t>87%</a:t>
+                        <a:t>Impact of Shadows</a:t>
                       </a:r>
-                      <a:endParaRPr lang="en-US" dirty="0"/>
-                    </a:p>
-                  </a:txBody>
-                  <a:tcPr/>
-                </a:tc>
-              </a:tr>
-              <a:tr h="303070">
-                <a:tc>
-                  <a:txBody>
-                    <a:bodyPr/>
-                    <a:lstStyle/>
-                    <a:p>
-                      <a:r>
-                        <a:rPr lang="en-US" sz="1400" b="0" i="0" u="none" strike="noStrike" cap="none" dirty="0" err="1" smtClean="0">
-                          <a:solidFill>
-                            <a:schemeClr val="dk1"/>
-                          </a:solidFill>
-                          <a:effectLst/>
-                          <a:latin typeface="+mn-lt"/>
-                          <a:ea typeface="+mn-ea"/>
-                          <a:cs typeface="+mn-cs"/>
-                          <a:sym typeface="Arial"/>
-                        </a:rPr>
-                        <a:t>MobileNet</a:t>
-                      </a:r>
-                      <a:endParaRPr lang="en-US" dirty="0"/>
+                      <a:endParaRPr lang="en-US" b="0" dirty="0"/>
                     </a:p>
                   </a:txBody>
                   <a:tcPr/>
@@ -20617,270 +20321,10 @@
                     <a:lstStyle/>
                     <a:p>
                       <a:r>
-                        <a:rPr lang="en-US" sz="1400" b="0" i="0" u="none" strike="noStrike" cap="none" dirty="0" smtClean="0">
-                          <a:solidFill>
-                            <a:schemeClr val="dk1"/>
-                          </a:solidFill>
+                        <a:rPr lang="en-US" dirty="0" smtClean="0">
                           <a:effectLst/>
-                          <a:latin typeface="+mn-lt"/>
-                          <a:ea typeface="+mn-ea"/>
-                          <a:cs typeface="+mn-cs"/>
-                          <a:sym typeface="Arial"/>
                         </a:rPr>
-                        <a:t>ACPDS (Aerial Car Parking)</a:t>
-                      </a:r>
-                      <a:endParaRPr lang="en-US" dirty="0">
-                        <a:effectLst/>
-                      </a:endParaRPr>
-                    </a:p>
-                  </a:txBody>
-                  <a:tcPr anchor="ctr"/>
-                </a:tc>
-                <a:tc>
-                  <a:txBody>
-                    <a:bodyPr/>
-                    <a:lstStyle/>
-                    <a:p>
-                      <a:r>
-                        <a:rPr lang="en-US" sz="1400" b="0" i="0" u="none" strike="noStrike" cap="none" dirty="0" smtClean="0">
-                          <a:solidFill>
-                            <a:schemeClr val="dk1"/>
-                          </a:solidFill>
-                          <a:effectLst/>
-                          <a:latin typeface="+mn-lt"/>
-                          <a:ea typeface="+mn-ea"/>
-                          <a:cs typeface="+mn-cs"/>
-                          <a:sym typeface="Arial"/>
-                        </a:rPr>
-                        <a:t>85%</a:t>
-                      </a:r>
-                      <a:endParaRPr lang="en-US" dirty="0"/>
-                    </a:p>
-                  </a:txBody>
-                  <a:tcPr/>
-                </a:tc>
-              </a:tr>
-              <a:tr h="303070">
-                <a:tc>
-                  <a:txBody>
-                    <a:bodyPr/>
-                    <a:lstStyle/>
-                    <a:p>
-                      <a:r>
-                        <a:rPr lang="en-US" sz="1400" b="0" i="0" u="none" strike="noStrike" cap="none" dirty="0" smtClean="0">
-                          <a:solidFill>
-                            <a:schemeClr val="dk1"/>
-                          </a:solidFill>
-                          <a:effectLst/>
-                          <a:latin typeface="+mn-lt"/>
-                          <a:ea typeface="+mn-ea"/>
-                          <a:cs typeface="+mn-cs"/>
-                          <a:sym typeface="Arial"/>
-                        </a:rPr>
-                        <a:t>VGG-19 </a:t>
-                      </a:r>
-                      <a:endParaRPr lang="en-US" dirty="0"/>
-                    </a:p>
-                  </a:txBody>
-                  <a:tcPr/>
-                </a:tc>
-                <a:tc>
-                  <a:txBody>
-                    <a:bodyPr/>
-                    <a:lstStyle/>
-                    <a:p>
-                      <a:r>
-                        <a:rPr lang="en-US" sz="1400" b="0" i="0" u="none" strike="noStrike" cap="none" dirty="0" smtClean="0">
-                          <a:solidFill>
-                            <a:schemeClr val="dk1"/>
-                          </a:solidFill>
-                          <a:effectLst/>
-                          <a:latin typeface="+mn-lt"/>
-                          <a:ea typeface="+mn-ea"/>
-                          <a:cs typeface="+mn-cs"/>
-                          <a:sym typeface="Arial"/>
-                        </a:rPr>
-                        <a:t>ACPDS (Aerial Car Parking)</a:t>
-                      </a:r>
-                      <a:endParaRPr lang="en-US" dirty="0">
-                        <a:effectLst/>
-                      </a:endParaRPr>
-                    </a:p>
-                  </a:txBody>
-                  <a:tcPr anchor="ctr"/>
-                </a:tc>
-                <a:tc>
-                  <a:txBody>
-                    <a:bodyPr/>
-                    <a:lstStyle/>
-                    <a:p>
-                      <a:r>
-                        <a:rPr lang="en-US" sz="1400" b="0" i="0" u="none" strike="noStrike" cap="none" dirty="0" smtClean="0">
-                          <a:solidFill>
-                            <a:schemeClr val="dk1"/>
-                          </a:solidFill>
-                          <a:effectLst/>
-                          <a:latin typeface="+mn-lt"/>
-                          <a:ea typeface="+mn-ea"/>
-                          <a:cs typeface="+mn-cs"/>
-                          <a:sym typeface="Arial"/>
-                        </a:rPr>
-                        <a:t>86%</a:t>
-                      </a:r>
-                      <a:endParaRPr lang="en-US" dirty="0"/>
-                    </a:p>
-                  </a:txBody>
-                  <a:tcPr/>
-                </a:tc>
-              </a:tr>
-              <a:tr h="303070">
-                <a:tc>
-                  <a:txBody>
-                    <a:bodyPr/>
-                    <a:lstStyle/>
-                    <a:p>
-                      <a:pPr marL="0" marR="0" indent="0" algn="l" defTabSz="914400" rtl="0" eaLnBrk="1" fontAlgn="auto" latinLnBrk="0" hangingPunct="1">
-                        <a:lnSpc>
-                          <a:spcPct val="100000"/>
-                        </a:lnSpc>
-                        <a:spcBef>
-                          <a:spcPts val="0"/>
-                        </a:spcBef>
-                        <a:spcAft>
-                          <a:spcPts val="0"/>
-                        </a:spcAft>
-                        <a:buClr>
-                          <a:srgbClr val="000000"/>
-                        </a:buClr>
-                        <a:buSzTx/>
-                        <a:buFont typeface="Arial"/>
-                        <a:buNone/>
-                        <a:tabLst/>
-                        <a:defRPr/>
-                      </a:pPr>
-                      <a:r>
-                        <a:rPr lang="en-US" sz="1400" b="0" i="0" u="none" strike="noStrike" cap="none" dirty="0" smtClean="0">
-                          <a:solidFill>
-                            <a:schemeClr val="dk1"/>
-                          </a:solidFill>
-                          <a:effectLst/>
-                          <a:latin typeface="+mn-lt"/>
-                          <a:ea typeface="+mn-ea"/>
-                          <a:cs typeface="+mn-cs"/>
-                          <a:sym typeface="Arial"/>
-                        </a:rPr>
-                        <a:t>ResNet50</a:t>
-                      </a:r>
-                      <a:endParaRPr lang="en-US" dirty="0" smtClean="0"/>
-                    </a:p>
-                  </a:txBody>
-                  <a:tcPr/>
-                </a:tc>
-                <a:tc>
-                  <a:txBody>
-                    <a:bodyPr/>
-                    <a:lstStyle/>
-                    <a:p>
-                      <a:pPr marL="0" marR="0" indent="0" algn="l" defTabSz="914400" rtl="0" eaLnBrk="1" fontAlgn="auto" latinLnBrk="0" hangingPunct="1">
-                        <a:lnSpc>
-                          <a:spcPct val="100000"/>
-                        </a:lnSpc>
-                        <a:spcBef>
-                          <a:spcPts val="0"/>
-                        </a:spcBef>
-                        <a:spcAft>
-                          <a:spcPts val="0"/>
-                        </a:spcAft>
-                        <a:buClr>
-                          <a:srgbClr val="000000"/>
-                        </a:buClr>
-                        <a:buSzTx/>
-                        <a:buFont typeface="Arial"/>
-                        <a:buNone/>
-                        <a:tabLst/>
-                        <a:defRPr/>
-                      </a:pPr>
-                      <a:r>
-                        <a:rPr lang="en-US" sz="1400" b="0" i="0" u="none" strike="noStrike" cap="none" dirty="0" smtClean="0">
-                          <a:solidFill>
-                            <a:schemeClr val="dk1"/>
-                          </a:solidFill>
-                          <a:effectLst/>
-                          <a:latin typeface="+mn-lt"/>
-                          <a:ea typeface="+mn-ea"/>
-                          <a:cs typeface="+mn-cs"/>
-                          <a:sym typeface="Arial"/>
-                        </a:rPr>
-                        <a:t>ACPDS (Aerial Car Parking)</a:t>
-                      </a:r>
-                      <a:endParaRPr lang="en-US" dirty="0" smtClean="0">
-                        <a:effectLst/>
-                      </a:endParaRPr>
-                    </a:p>
-                  </a:txBody>
-                  <a:tcPr anchor="ctr"/>
-                </a:tc>
-                <a:tc>
-                  <a:txBody>
-                    <a:bodyPr/>
-                    <a:lstStyle/>
-                    <a:p>
-                      <a:r>
-                        <a:rPr lang="en-US" sz="1400" b="0" i="0" u="none" strike="noStrike" cap="none" dirty="0" smtClean="0">
-                          <a:solidFill>
-                            <a:schemeClr val="dk1"/>
-                          </a:solidFill>
-                          <a:effectLst/>
-                          <a:latin typeface="+mn-lt"/>
-                          <a:ea typeface="+mn-ea"/>
-                          <a:cs typeface="+mn-cs"/>
-                          <a:sym typeface="Arial"/>
-                        </a:rPr>
-                        <a:t>88%</a:t>
-                      </a:r>
-                      <a:endParaRPr lang="en-US" dirty="0"/>
-                    </a:p>
-                  </a:txBody>
-                  <a:tcPr/>
-                </a:tc>
-              </a:tr>
-              <a:tr h="303070">
-                <a:tc>
-                  <a:txBody>
-                    <a:bodyPr/>
-                    <a:lstStyle/>
-                    <a:p>
-                      <a:pPr marL="0" marR="0" indent="0" algn="l" defTabSz="914400" rtl="0" eaLnBrk="1" fontAlgn="auto" latinLnBrk="0" hangingPunct="1">
-                        <a:lnSpc>
-                          <a:spcPct val="100000"/>
-                        </a:lnSpc>
-                        <a:spcBef>
-                          <a:spcPts val="0"/>
-                        </a:spcBef>
-                        <a:spcAft>
-                          <a:spcPts val="0"/>
-                        </a:spcAft>
-                        <a:buClr>
-                          <a:srgbClr val="000000"/>
-                        </a:buClr>
-                        <a:buSzTx/>
-                        <a:buFont typeface="Arial"/>
-                        <a:buNone/>
-                        <a:tabLst/>
-                        <a:defRPr/>
-                      </a:pPr>
-                      <a:r>
-                        <a:rPr lang="en-US" sz="1400" b="0" i="0" u="none" strike="noStrike" cap="none" dirty="0" err="1" smtClean="0">
-                          <a:solidFill>
-                            <a:schemeClr val="dk1"/>
-                          </a:solidFill>
-                          <a:effectLst/>
-                          <a:latin typeface="+mn-lt"/>
-                          <a:ea typeface="+mn-ea"/>
-                          <a:cs typeface="+mn-cs"/>
-                          <a:sym typeface="Arial"/>
-                        </a:rPr>
-                        <a:t>DeiT</a:t>
+                        <a:t>S</a:t>
                       </a:r>
                       <a:r>
                         <a:rPr lang="en-US" sz="1400" b="0" i="0" u="none" strike="noStrike" cap="none" dirty="0" smtClean="0">
@@ -20893,30 +20337,7 @@
                           <a:cs typeface="+mn-cs"/>
                           <a:sym typeface="Arial"/>
                         </a:rPr>
-                        <a:t> (pre-trained)</a:t>
-                      </a:r>
-                      <a:endParaRPr lang="en-US" dirty="0" smtClean="0"/>
-                    </a:p>
-                  </a:txBody>
-                  <a:tcPr/>
-                </a:tc>
-                <a:tc>
-                  <a:txBody>
-                    <a:bodyPr/>
-                    <a:lstStyle/>
-                    <a:p>
-                      <a:r>
-                        <a:rPr lang="en-US" sz="1400" b="0" i="0" u="none" strike="noStrike" cap="none" dirty="0" smtClean="0">
-                          <a:solidFill>
-                            <a:schemeClr val="dk1"/>
-                          </a:solidFill>
-                          <a:effectLst/>
-                          <a:latin typeface="+mn-lt"/>
-                          <a:ea typeface="+mn-ea"/>
-                          <a:cs typeface="+mn-cs"/>
-                          <a:sym typeface="Arial"/>
-                        </a:rPr>
-                        <a:t>ACPDS (Aerial Car Parking)</a:t>
+                        <a:t>hadows from buildings or objects can affect classification accuracy.</a:t>
                       </a:r>
                       <a:endParaRPr lang="en-US" dirty="0">
                         <a:effectLst/>
@@ -20924,318 +20345,6 @@
                     </a:p>
                   </a:txBody>
                   <a:tcPr anchor="ctr"/>
-                </a:tc>
-                <a:tc>
-                  <a:txBody>
-                    <a:bodyPr/>
-                    <a:lstStyle/>
-                    <a:p>
-                      <a:r>
-                        <a:rPr lang="en-US" sz="1400" b="0" i="0" u="none" strike="noStrike" cap="none" dirty="0" smtClean="0">
-                          <a:solidFill>
-                            <a:schemeClr val="dk1"/>
-                          </a:solidFill>
-                          <a:effectLst/>
-                          <a:latin typeface="+mn-lt"/>
-                          <a:ea typeface="+mn-ea"/>
-                          <a:cs typeface="+mn-cs"/>
-                          <a:sym typeface="Arial"/>
-                        </a:rPr>
-                        <a:t>90%</a:t>
-                      </a:r>
-                      <a:endParaRPr lang="en-US" dirty="0"/>
-                    </a:p>
-                  </a:txBody>
-                  <a:tcPr/>
-                </a:tc>
-              </a:tr>
-              <a:tr h="303070">
-                <a:tc>
-                  <a:txBody>
-                    <a:bodyPr/>
-                    <a:lstStyle/>
-                    <a:p>
-                      <a:pPr marL="0" marR="0" indent="0" algn="l" defTabSz="914400" rtl="0" eaLnBrk="1" fontAlgn="auto" latinLnBrk="0" hangingPunct="1">
-                        <a:lnSpc>
-                          <a:spcPct val="100000"/>
-                        </a:lnSpc>
-                        <a:spcBef>
-                          <a:spcPts val="0"/>
-                        </a:spcBef>
-                        <a:spcAft>
-                          <a:spcPts val="0"/>
-                        </a:spcAft>
-                        <a:buClr>
-                          <a:srgbClr val="000000"/>
-                        </a:buClr>
-                        <a:buSzTx/>
-                        <a:buFont typeface="Arial"/>
-                        <a:buNone/>
-                        <a:tabLst/>
-                        <a:defRPr/>
-                      </a:pPr>
-                      <a:r>
-                        <a:rPr lang="en-US" sz="1400" b="0" i="0" u="none" strike="noStrike" cap="none" dirty="0" err="1" smtClean="0">
-                          <a:solidFill>
-                            <a:schemeClr val="dk1"/>
-                          </a:solidFill>
-                          <a:effectLst/>
-                          <a:latin typeface="+mn-lt"/>
-                          <a:ea typeface="+mn-ea"/>
-                          <a:cs typeface="+mn-cs"/>
-                          <a:sym typeface="Arial"/>
-                        </a:rPr>
-                        <a:t>PiT</a:t>
-                      </a:r>
-                      <a:r>
-                        <a:rPr lang="en-US" sz="1400" b="0" i="0" u="none" strike="noStrike" cap="none" dirty="0" smtClean="0">
-                          <a:solidFill>
-                            <a:schemeClr val="dk1"/>
-                          </a:solidFill>
-                          <a:effectLst/>
-                          <a:latin typeface="+mn-lt"/>
-                          <a:ea typeface="+mn-ea"/>
-                          <a:cs typeface="+mn-cs"/>
-                          <a:sym typeface="Arial"/>
-                        </a:rPr>
-                        <a:t> (pre-trained) </a:t>
-                      </a:r>
-                      <a:endParaRPr lang="en-US" dirty="0" smtClean="0"/>
-                    </a:p>
-                  </a:txBody>
-                  <a:tcPr/>
-                </a:tc>
-                <a:tc>
-                  <a:txBody>
-                    <a:bodyPr/>
-                    <a:lstStyle/>
-                    <a:p>
-                      <a:r>
-                        <a:rPr lang="en-US" sz="1400" b="0" i="0" u="none" strike="noStrike" cap="none" dirty="0" smtClean="0">
-                          <a:solidFill>
-                            <a:schemeClr val="dk1"/>
-                          </a:solidFill>
-                          <a:effectLst/>
-                          <a:latin typeface="+mn-lt"/>
-                          <a:ea typeface="+mn-ea"/>
-                          <a:cs typeface="+mn-cs"/>
-                          <a:sym typeface="Arial"/>
-                        </a:rPr>
-                        <a:t>ACPDS (Aerial Car Parking)</a:t>
-                      </a:r>
-                      <a:endParaRPr lang="en-US" dirty="0">
-                        <a:effectLst/>
-                      </a:endParaRPr>
-                    </a:p>
-                  </a:txBody>
-                  <a:tcPr anchor="ctr"/>
-                </a:tc>
-                <a:tc>
-                  <a:txBody>
-                    <a:bodyPr/>
-                    <a:lstStyle/>
-                    <a:p>
-                      <a:r>
-                        <a:rPr lang="en-US" sz="1400" b="0" i="0" u="none" strike="noStrike" cap="none" dirty="0" smtClean="0">
-                          <a:solidFill>
-                            <a:schemeClr val="dk1"/>
-                          </a:solidFill>
-                          <a:effectLst/>
-                          <a:latin typeface="+mn-lt"/>
-                          <a:ea typeface="+mn-ea"/>
-                          <a:cs typeface="+mn-cs"/>
-                          <a:sym typeface="Arial"/>
-                        </a:rPr>
-                        <a:t>89%</a:t>
-                      </a:r>
-                      <a:endParaRPr lang="en-US" dirty="0"/>
-                    </a:p>
-                  </a:txBody>
-                  <a:tcPr/>
-                </a:tc>
-              </a:tr>
-              <a:tr h="303070">
-                <a:tc>
-                  <a:txBody>
-                    <a:bodyPr/>
-                    <a:lstStyle/>
-                    <a:p>
-                      <a:pPr marL="0" marR="0" indent="0" algn="l" defTabSz="914400" rtl="0" eaLnBrk="1" fontAlgn="auto" latinLnBrk="0" hangingPunct="1">
-                        <a:lnSpc>
-                          <a:spcPct val="100000"/>
-                        </a:lnSpc>
-                        <a:spcBef>
-                          <a:spcPts val="0"/>
-                        </a:spcBef>
-                        <a:spcAft>
-                          <a:spcPts val="0"/>
-                        </a:spcAft>
-                        <a:buClr>
-                          <a:srgbClr val="000000"/>
-                        </a:buClr>
-                        <a:buSzTx/>
-                        <a:buFont typeface="Arial"/>
-                        <a:buNone/>
-                        <a:tabLst/>
-                        <a:defRPr/>
-                      </a:pPr>
-                      <a:r>
-                        <a:rPr lang="en-US" sz="1400" b="0" i="0" u="none" strike="noStrike" cap="none" dirty="0" smtClean="0">
-                          <a:solidFill>
-                            <a:schemeClr val="dk1"/>
-                          </a:solidFill>
-                          <a:effectLst/>
-                          <a:latin typeface="+mn-lt"/>
-                          <a:ea typeface="+mn-ea"/>
-                          <a:cs typeface="+mn-cs"/>
-                          <a:sym typeface="Arial"/>
-                        </a:rPr>
-                        <a:t>Vision Transformers </a:t>
-                      </a:r>
-                      <a:endParaRPr lang="en-US" dirty="0" smtClean="0"/>
-                    </a:p>
-                  </a:txBody>
-                  <a:tcPr/>
-                </a:tc>
-                <a:tc>
-                  <a:txBody>
-                    <a:bodyPr/>
-                    <a:lstStyle/>
-                    <a:p>
-                      <a:r>
-                        <a:rPr lang="en-US" sz="1400" b="0" i="0" u="none" strike="noStrike" cap="none" dirty="0" smtClean="0">
-                          <a:solidFill>
-                            <a:schemeClr val="dk1"/>
-                          </a:solidFill>
-                          <a:effectLst/>
-                          <a:latin typeface="+mn-lt"/>
-                          <a:ea typeface="+mn-ea"/>
-                          <a:cs typeface="+mn-cs"/>
-                          <a:sym typeface="Arial"/>
-                        </a:rPr>
-                        <a:t>ACPDS (Aerial Car Parking)</a:t>
-                      </a:r>
-                      <a:endParaRPr lang="en-US" dirty="0">
-                        <a:effectLst/>
-                      </a:endParaRPr>
-                    </a:p>
-                  </a:txBody>
-                  <a:tcPr anchor="ctr"/>
-                </a:tc>
-                <a:tc>
-                  <a:txBody>
-                    <a:bodyPr/>
-                    <a:lstStyle/>
-                    <a:p>
-                      <a:r>
-                        <a:rPr lang="en-US" sz="1400" b="1" i="0" u="none" strike="noStrike" cap="none" dirty="0" smtClean="0">
-                          <a:solidFill>
-                            <a:schemeClr val="dk1"/>
-                          </a:solidFill>
-                          <a:effectLst/>
-                          <a:latin typeface="+mn-lt"/>
-                          <a:ea typeface="+mn-ea"/>
-                          <a:cs typeface="+mn-cs"/>
-                          <a:sym typeface="Arial"/>
-                        </a:rPr>
-                        <a:t>91%</a:t>
-                      </a:r>
-                      <a:endParaRPr lang="en-US" b="1" dirty="0"/>
-                    </a:p>
-                  </a:txBody>
-                  <a:tcPr/>
-                </a:tc>
-              </a:tr>
-              <a:tr h="303070">
-                <a:tc>
-                  <a:txBody>
-                    <a:bodyPr/>
-                    <a:lstStyle/>
-                    <a:p>
-                      <a:pPr marL="0" marR="0" indent="0" algn="l" defTabSz="914400" rtl="0" eaLnBrk="1" fontAlgn="auto" latinLnBrk="0" hangingPunct="1">
-                        <a:lnSpc>
-                          <a:spcPct val="100000"/>
-                        </a:lnSpc>
-                        <a:spcBef>
-                          <a:spcPts val="0"/>
-                        </a:spcBef>
-                        <a:spcAft>
-                          <a:spcPts val="0"/>
-                        </a:spcAft>
-                        <a:buClr>
-                          <a:srgbClr val="000000"/>
-                        </a:buClr>
-                        <a:buSzTx/>
-                        <a:buFont typeface="Arial"/>
-                        <a:buNone/>
-                        <a:tabLst/>
-                        <a:defRPr/>
-                      </a:pPr>
-                      <a:r>
-                        <a:rPr lang="en-US" sz="1400" b="0" i="0" u="none" strike="noStrike" cap="none" dirty="0" smtClean="0">
-                          <a:solidFill>
-                            <a:schemeClr val="dk1"/>
-                          </a:solidFill>
-                          <a:effectLst/>
-                          <a:latin typeface="+mn-lt"/>
-                          <a:ea typeface="+mn-ea"/>
-                          <a:cs typeface="+mn-cs"/>
-                          <a:sym typeface="Arial"/>
-                        </a:rPr>
-                        <a:t>Contrastive Detection</a:t>
-                      </a:r>
-                      <a:endParaRPr lang="en-US" dirty="0" smtClean="0"/>
-                    </a:p>
-                  </a:txBody>
-                  <a:tcPr/>
-                </a:tc>
-                <a:tc>
-                  <a:txBody>
-                    <a:bodyPr/>
-                    <a:lstStyle/>
-                    <a:p>
-                      <a:r>
-                        <a:rPr lang="en-US" sz="1400" b="0" i="0" u="none" strike="noStrike" cap="none" dirty="0" smtClean="0">
-                          <a:solidFill>
-                            <a:schemeClr val="dk1"/>
-                          </a:solidFill>
-                          <a:effectLst/>
-                          <a:latin typeface="+mn-lt"/>
-                          <a:ea typeface="+mn-ea"/>
-                          <a:cs typeface="+mn-cs"/>
-                          <a:sym typeface="Arial"/>
-                        </a:rPr>
-                        <a:t>ACPDS (Aerial Car Parking)</a:t>
-                      </a:r>
-                      <a:endParaRPr lang="en-US" dirty="0">
-                        <a:effectLst/>
-                      </a:endParaRPr>
-                    </a:p>
-                  </a:txBody>
-                  <a:tcPr anchor="ctr"/>
-                </a:tc>
-                <a:tc>
-                  <a:txBody>
-                    <a:bodyPr/>
-                    <a:lstStyle/>
-                    <a:p>
-                      <a:r>
-                        <a:rPr lang="en-US" sz="1400" b="0" i="0" u="none" strike="noStrike" cap="none" dirty="0" smtClean="0">
-                          <a:solidFill>
-                            <a:schemeClr val="dk1"/>
-                          </a:solidFill>
-                          <a:effectLst/>
-                          <a:latin typeface="+mn-lt"/>
-                          <a:ea typeface="+mn-ea"/>
-                          <a:cs typeface="+mn-cs"/>
-                          <a:sym typeface="Arial"/>
-                        </a:rPr>
-                        <a:t>88%</a:t>
-                      </a:r>
-                      <a:endParaRPr lang="en-US" dirty="0"/>
-                    </a:p>
-                  </a:txBody>
-                  <a:tcPr/>
                 </a:tc>
               </a:tr>
             </a:tbl>
@@ -21245,7 +20354,7 @@
     </p:spTree>
     <p:extLst>
       <p:ext uri="{BB962C8B-B14F-4D97-AF65-F5344CB8AC3E}">
-        <p14:creationId xmlns:p14="http://schemas.microsoft.com/office/powerpoint/2010/main" val="3406300102"/>
+        <p14:creationId xmlns:p14="http://schemas.microsoft.com/office/powerpoint/2010/main" val="2501602062"/>
       </p:ext>
     </p:extLst>
   </p:cSld>
